--- a/resource/ADTest Framework POC.pptx
+++ b/resource/ADTest Framework POC.pptx
@@ -123,6 +123,30 @@
 <file path=ppt/changesInfos/changesInfo1.xml><?xml version="1.0" encoding="utf-8"?>
 <pc:chgInfo xmlns:a="http://schemas.openxmlformats.org/drawingml/2006/main" xmlns:r="http://schemas.openxmlformats.org/officeDocument/2006/relationships" xmlns:ac="http://schemas.microsoft.com/office/drawing/2013/main/command" xmlns:pc="http://schemas.microsoft.com/office/powerpoint/2013/main/command">
   <pc:docChgLst>
+    <pc:chgData name="Jose Paul, Nitin (EXT)" userId="3e5c70a5-b6b5-41bb-99a2-9adf087bf86d" providerId="ADAL" clId="{E22EA869-EF78-44E4-AAA4-6A82F4D54ED6}"/>
+    <pc:docChg chg="modSld">
+      <pc:chgData name="Jose Paul, Nitin (EXT)" userId="3e5c70a5-b6b5-41bb-99a2-9adf087bf86d" providerId="ADAL" clId="{E22EA869-EF78-44E4-AAA4-6A82F4D54ED6}" dt="2025-03-11T02:55:09.277" v="4" actId="20577"/>
+      <pc:docMkLst>
+        <pc:docMk/>
+      </pc:docMkLst>
+      <pc:sldChg chg="modSp mod">
+        <pc:chgData name="Jose Paul, Nitin (EXT)" userId="3e5c70a5-b6b5-41bb-99a2-9adf087bf86d" providerId="ADAL" clId="{E22EA869-EF78-44E4-AAA4-6A82F4D54ED6}" dt="2025-03-11T02:55:09.277" v="4" actId="20577"/>
+        <pc:sldMkLst>
+          <pc:docMk/>
+          <pc:sldMk cId="3274606700" sldId="258"/>
+        </pc:sldMkLst>
+        <pc:spChg chg="mod">
+          <ac:chgData name="Jose Paul, Nitin (EXT)" userId="3e5c70a5-b6b5-41bb-99a2-9adf087bf86d" providerId="ADAL" clId="{E22EA869-EF78-44E4-AAA4-6A82F4D54ED6}" dt="2025-03-11T02:55:09.277" v="4" actId="20577"/>
+          <ac:spMkLst>
+            <pc:docMk/>
+            <pc:sldMk cId="3274606700" sldId="258"/>
+            <ac:spMk id="3" creationId="{DC644AED-04E2-53D5-69B3-14B4257C6E67}"/>
+          </ac:spMkLst>
+        </pc:spChg>
+      </pc:sldChg>
+    </pc:docChg>
+  </pc:docChgLst>
+  <pc:docChgLst>
     <pc:chgData name="Jose Paul, Nitin (EXT)" userId="3e5c70a5-b6b5-41bb-99a2-9adf087bf86d" providerId="ADAL" clId="{101BEDFC-F414-4159-A66C-8751772522F2}"/>
     <pc:docChg chg="undo custSel addSld modSld">
       <pc:chgData name="Jose Paul, Nitin (EXT)" userId="3e5c70a5-b6b5-41bb-99a2-9adf087bf86d" providerId="ADAL" clId="{101BEDFC-F414-4159-A66C-8751772522F2}" dt="2025-02-07T14:09:46.599" v="383" actId="1076"/>
@@ -227,6 +251,156 @@
             <pc:docMk/>
             <pc:sldMk cId="3216218307" sldId="264"/>
             <ac:picMk id="6" creationId="{E2484A8F-D93D-B9A4-0B69-2C8F18E2F77F}"/>
+          </ac:picMkLst>
+        </pc:picChg>
+      </pc:sldChg>
+    </pc:docChg>
+  </pc:docChgLst>
+  <pc:docChgLst>
+    <pc:chgData name="Nitin Jose Paul" userId="3e5c70a5-b6b5-41bb-99a2-9adf087bf86d" providerId="ADAL" clId="{101BEDFC-F414-4159-A66C-8751772522F2}"/>
+    <pc:docChg chg="undo custSel addSld modSld">
+      <pc:chgData name="Nitin Jose Paul" userId="3e5c70a5-b6b5-41bb-99a2-9adf087bf86d" providerId="ADAL" clId="{101BEDFC-F414-4159-A66C-8751772522F2}" dt="2025-02-04T16:58:19.650" v="72" actId="1076"/>
+      <pc:docMkLst>
+        <pc:docMk/>
+      </pc:docMkLst>
+      <pc:sldChg chg="addSp delSp modSp mod">
+        <pc:chgData name="Nitin Jose Paul" userId="3e5c70a5-b6b5-41bb-99a2-9adf087bf86d" providerId="ADAL" clId="{101BEDFC-F414-4159-A66C-8751772522F2}" dt="2025-02-04T16:58:19.650" v="72" actId="1076"/>
+        <pc:sldMkLst>
+          <pc:docMk/>
+          <pc:sldMk cId="3891573097" sldId="257"/>
+        </pc:sldMkLst>
+        <pc:spChg chg="mod">
+          <ac:chgData name="Nitin Jose Paul" userId="3e5c70a5-b6b5-41bb-99a2-9adf087bf86d" providerId="ADAL" clId="{101BEDFC-F414-4159-A66C-8751772522F2}" dt="2025-02-04T02:29:42.024" v="16" actId="313"/>
+          <ac:spMkLst>
+            <pc:docMk/>
+            <pc:sldMk cId="3891573097" sldId="257"/>
+            <ac:spMk id="3" creationId="{B23FB75D-03AF-7829-33CA-627576D01683}"/>
+          </ac:spMkLst>
+        </pc:spChg>
+        <pc:picChg chg="add del mod">
+          <ac:chgData name="Nitin Jose Paul" userId="3e5c70a5-b6b5-41bb-99a2-9adf087bf86d" providerId="ADAL" clId="{101BEDFC-F414-4159-A66C-8751772522F2}" dt="2025-02-04T16:58:05.630" v="70" actId="478"/>
+          <ac:picMkLst>
+            <pc:docMk/>
+            <pc:sldMk cId="3891573097" sldId="257"/>
+            <ac:picMk id="5" creationId="{71313B1B-FFAF-FB85-C133-441A883A8261}"/>
+          </ac:picMkLst>
+        </pc:picChg>
+        <pc:picChg chg="del">
+          <ac:chgData name="Nitin Jose Paul" userId="3e5c70a5-b6b5-41bb-99a2-9adf087bf86d" providerId="ADAL" clId="{101BEDFC-F414-4159-A66C-8751772522F2}" dt="2025-02-04T16:57:04.566" v="67" actId="478"/>
+          <ac:picMkLst>
+            <pc:docMk/>
+            <pc:sldMk cId="3891573097" sldId="257"/>
+            <ac:picMk id="6" creationId="{A7F1704C-50A3-361A-E4A5-5D68E3BA4C3D}"/>
+          </ac:picMkLst>
+        </pc:picChg>
+        <pc:picChg chg="add mod">
+          <ac:chgData name="Nitin Jose Paul" userId="3e5c70a5-b6b5-41bb-99a2-9adf087bf86d" providerId="ADAL" clId="{101BEDFC-F414-4159-A66C-8751772522F2}" dt="2025-02-04T16:58:19.650" v="72" actId="1076"/>
+          <ac:picMkLst>
+            <pc:docMk/>
+            <pc:sldMk cId="3891573097" sldId="257"/>
+            <ac:picMk id="8" creationId="{A5283E6D-37DA-4102-F4BA-50334E5B8D53}"/>
+          </ac:picMkLst>
+        </pc:picChg>
+      </pc:sldChg>
+      <pc:sldChg chg="addSp delSp modSp mod">
+        <pc:chgData name="Nitin Jose Paul" userId="3e5c70a5-b6b5-41bb-99a2-9adf087bf86d" providerId="ADAL" clId="{101BEDFC-F414-4159-A66C-8751772522F2}" dt="2025-02-04T02:29:02.928" v="5" actId="1076"/>
+        <pc:sldMkLst>
+          <pc:docMk/>
+          <pc:sldMk cId="716627309" sldId="259"/>
+        </pc:sldMkLst>
+        <pc:picChg chg="add mod">
+          <ac:chgData name="Nitin Jose Paul" userId="3e5c70a5-b6b5-41bb-99a2-9adf087bf86d" providerId="ADAL" clId="{101BEDFC-F414-4159-A66C-8751772522F2}" dt="2025-02-04T02:29:02.928" v="5" actId="1076"/>
+          <ac:picMkLst>
+            <pc:docMk/>
+            <pc:sldMk cId="716627309" sldId="259"/>
+            <ac:picMk id="4" creationId="{11D71314-5AC2-775F-7E2A-492E1ACD8C22}"/>
+          </ac:picMkLst>
+        </pc:picChg>
+        <pc:picChg chg="del">
+          <ac:chgData name="Nitin Jose Paul" userId="3e5c70a5-b6b5-41bb-99a2-9adf087bf86d" providerId="ADAL" clId="{101BEDFC-F414-4159-A66C-8751772522F2}" dt="2025-02-04T02:28:48.235" v="0" actId="478"/>
+          <ac:picMkLst>
+            <pc:docMk/>
+            <pc:sldMk cId="716627309" sldId="259"/>
+            <ac:picMk id="9" creationId="{A58E4DD4-93F5-A642-188B-09998E84D0DA}"/>
+          </ac:picMkLst>
+        </pc:picChg>
+      </pc:sldChg>
+      <pc:sldChg chg="addSp delSp modSp new mod setBg">
+        <pc:chgData name="Nitin Jose Paul" userId="3e5c70a5-b6b5-41bb-99a2-9adf087bf86d" providerId="ADAL" clId="{101BEDFC-F414-4159-A66C-8751772522F2}" dt="2025-02-04T03:22:56.583" v="66" actId="20577"/>
+        <pc:sldMkLst>
+          <pc:docMk/>
+          <pc:sldMk cId="3654080567" sldId="263"/>
+        </pc:sldMkLst>
+        <pc:spChg chg="mod">
+          <ac:chgData name="Nitin Jose Paul" userId="3e5c70a5-b6b5-41bb-99a2-9adf087bf86d" providerId="ADAL" clId="{101BEDFC-F414-4159-A66C-8751772522F2}" dt="2025-02-04T03:22:56.583" v="66" actId="20577"/>
+          <ac:spMkLst>
+            <pc:docMk/>
+            <pc:sldMk cId="3654080567" sldId="263"/>
+            <ac:spMk id="2" creationId="{E1C8CB51-840D-857C-E650-40DF32199FB8}"/>
+          </ac:spMkLst>
+        </pc:spChg>
+        <pc:spChg chg="del">
+          <ac:chgData name="Nitin Jose Paul" userId="3e5c70a5-b6b5-41bb-99a2-9adf087bf86d" providerId="ADAL" clId="{101BEDFC-F414-4159-A66C-8751772522F2}" dt="2025-02-04T03:20:17.833" v="32"/>
+          <ac:spMkLst>
+            <pc:docMk/>
+            <pc:sldMk cId="3654080567" sldId="263"/>
+            <ac:spMk id="3" creationId="{80F95383-9A90-13F2-31E3-2440539913B5}"/>
+          </ac:spMkLst>
+        </pc:spChg>
+        <pc:spChg chg="add del">
+          <ac:chgData name="Nitin Jose Paul" userId="3e5c70a5-b6b5-41bb-99a2-9adf087bf86d" providerId="ADAL" clId="{101BEDFC-F414-4159-A66C-8751772522F2}" dt="2025-02-04T03:21:23.491" v="39" actId="478"/>
+          <ac:spMkLst>
+            <pc:docMk/>
+            <pc:sldMk cId="3654080567" sldId="263"/>
+            <ac:spMk id="9" creationId="{7B58E204-7F38-105B-FFBC-AEEC2617BCAE}"/>
+          </ac:spMkLst>
+        </pc:spChg>
+        <pc:spChg chg="add del">
+          <ac:chgData name="Nitin Jose Paul" userId="3e5c70a5-b6b5-41bb-99a2-9adf087bf86d" providerId="ADAL" clId="{101BEDFC-F414-4159-A66C-8751772522F2}" dt="2025-02-04T03:21:50.707" v="43" actId="26606"/>
+          <ac:spMkLst>
+            <pc:docMk/>
+            <pc:sldMk cId="3654080567" sldId="263"/>
+            <ac:spMk id="19" creationId="{665DBBEF-238B-476B-96AB-8AAC3224ECEA}"/>
+          </ac:spMkLst>
+        </pc:spChg>
+        <pc:spChg chg="add del">
+          <ac:chgData name="Nitin Jose Paul" userId="3e5c70a5-b6b5-41bb-99a2-9adf087bf86d" providerId="ADAL" clId="{101BEDFC-F414-4159-A66C-8751772522F2}" dt="2025-02-04T03:21:50.707" v="43" actId="26606"/>
+          <ac:spMkLst>
+            <pc:docMk/>
+            <pc:sldMk cId="3654080567" sldId="263"/>
+            <ac:spMk id="21" creationId="{3FCFB1DE-0B7E-48CC-BA90-B2AB0889F9D6}"/>
+          </ac:spMkLst>
+        </pc:spChg>
+        <pc:spChg chg="add">
+          <ac:chgData name="Nitin Jose Paul" userId="3e5c70a5-b6b5-41bb-99a2-9adf087bf86d" providerId="ADAL" clId="{101BEDFC-F414-4159-A66C-8751772522F2}" dt="2025-02-04T03:21:50.707" v="43" actId="26606"/>
+          <ac:spMkLst>
+            <pc:docMk/>
+            <pc:sldMk cId="3654080567" sldId="263"/>
+            <ac:spMk id="26" creationId="{BCED4D40-4B67-4331-AC48-79B82B4A47D8}"/>
+          </ac:spMkLst>
+        </pc:spChg>
+        <pc:spChg chg="add">
+          <ac:chgData name="Nitin Jose Paul" userId="3e5c70a5-b6b5-41bb-99a2-9adf087bf86d" providerId="ADAL" clId="{101BEDFC-F414-4159-A66C-8751772522F2}" dt="2025-02-04T03:21:50.707" v="43" actId="26606"/>
+          <ac:spMkLst>
+            <pc:docMk/>
+            <pc:sldMk cId="3654080567" sldId="263"/>
+            <ac:spMk id="28" creationId="{670CEDEF-4F34-412E-84EE-329C1E936AF5}"/>
+          </ac:spMkLst>
+        </pc:spChg>
+        <pc:grpChg chg="add del">
+          <ac:chgData name="Nitin Jose Paul" userId="3e5c70a5-b6b5-41bb-99a2-9adf087bf86d" providerId="ADAL" clId="{101BEDFC-F414-4159-A66C-8751772522F2}" dt="2025-02-04T03:21:33.391" v="40" actId="26606"/>
+          <ac:grpSpMkLst>
+            <pc:docMk/>
+            <pc:sldMk cId="3654080567" sldId="263"/>
+            <ac:grpSpMk id="12" creationId="{6258F736-B256-8039-9DC6-F4E49A5C5AD5}"/>
+          </ac:grpSpMkLst>
+        </pc:grpChg>
+        <pc:picChg chg="add mod">
+          <ac:chgData name="Nitin Jose Paul" userId="3e5c70a5-b6b5-41bb-99a2-9adf087bf86d" providerId="ADAL" clId="{101BEDFC-F414-4159-A66C-8751772522F2}" dt="2025-02-04T03:22:45.460" v="48" actId="1076"/>
+          <ac:picMkLst>
+            <pc:docMk/>
+            <pc:sldMk cId="3654080567" sldId="263"/>
+            <ac:picMk id="5" creationId="{6B51DFE7-9301-FB31-4399-7E9642A27AC1}"/>
           </ac:picMkLst>
         </pc:picChg>
       </pc:sldChg>
@@ -610,180 +784,6 @@
       </pc:sldChg>
     </pc:docChg>
   </pc:docChgLst>
-  <pc:docChgLst>
-    <pc:chgData name="Jose Paul, Nitin (EXT)" userId="3e5c70a5-b6b5-41bb-99a2-9adf087bf86d" providerId="ADAL" clId="{E22EA869-EF78-44E4-AAA4-6A82F4D54ED6}"/>
-    <pc:docChg chg="modSld">
-      <pc:chgData name="Jose Paul, Nitin (EXT)" userId="3e5c70a5-b6b5-41bb-99a2-9adf087bf86d" providerId="ADAL" clId="{E22EA869-EF78-44E4-AAA4-6A82F4D54ED6}" dt="2025-03-11T02:55:09.277" v="4" actId="20577"/>
-      <pc:docMkLst>
-        <pc:docMk/>
-      </pc:docMkLst>
-      <pc:sldChg chg="modSp mod">
-        <pc:chgData name="Jose Paul, Nitin (EXT)" userId="3e5c70a5-b6b5-41bb-99a2-9adf087bf86d" providerId="ADAL" clId="{E22EA869-EF78-44E4-AAA4-6A82F4D54ED6}" dt="2025-03-11T02:55:09.277" v="4" actId="20577"/>
-        <pc:sldMkLst>
-          <pc:docMk/>
-          <pc:sldMk cId="3274606700" sldId="258"/>
-        </pc:sldMkLst>
-        <pc:spChg chg="mod">
-          <ac:chgData name="Jose Paul, Nitin (EXT)" userId="3e5c70a5-b6b5-41bb-99a2-9adf087bf86d" providerId="ADAL" clId="{E22EA869-EF78-44E4-AAA4-6A82F4D54ED6}" dt="2025-03-11T02:55:09.277" v="4" actId="20577"/>
-          <ac:spMkLst>
-            <pc:docMk/>
-            <pc:sldMk cId="3274606700" sldId="258"/>
-            <ac:spMk id="3" creationId="{DC644AED-04E2-53D5-69B3-14B4257C6E67}"/>
-          </ac:spMkLst>
-        </pc:spChg>
-      </pc:sldChg>
-    </pc:docChg>
-  </pc:docChgLst>
-  <pc:docChgLst>
-    <pc:chgData name="Nitin Jose Paul" userId="3e5c70a5-b6b5-41bb-99a2-9adf087bf86d" providerId="ADAL" clId="{101BEDFC-F414-4159-A66C-8751772522F2}"/>
-    <pc:docChg chg="undo custSel addSld modSld">
-      <pc:chgData name="Nitin Jose Paul" userId="3e5c70a5-b6b5-41bb-99a2-9adf087bf86d" providerId="ADAL" clId="{101BEDFC-F414-4159-A66C-8751772522F2}" dt="2025-02-04T16:58:19.650" v="72" actId="1076"/>
-      <pc:docMkLst>
-        <pc:docMk/>
-      </pc:docMkLst>
-      <pc:sldChg chg="addSp delSp modSp mod">
-        <pc:chgData name="Nitin Jose Paul" userId="3e5c70a5-b6b5-41bb-99a2-9adf087bf86d" providerId="ADAL" clId="{101BEDFC-F414-4159-A66C-8751772522F2}" dt="2025-02-04T16:58:19.650" v="72" actId="1076"/>
-        <pc:sldMkLst>
-          <pc:docMk/>
-          <pc:sldMk cId="3891573097" sldId="257"/>
-        </pc:sldMkLst>
-        <pc:spChg chg="mod">
-          <ac:chgData name="Nitin Jose Paul" userId="3e5c70a5-b6b5-41bb-99a2-9adf087bf86d" providerId="ADAL" clId="{101BEDFC-F414-4159-A66C-8751772522F2}" dt="2025-02-04T02:29:42.024" v="16" actId="313"/>
-          <ac:spMkLst>
-            <pc:docMk/>
-            <pc:sldMk cId="3891573097" sldId="257"/>
-            <ac:spMk id="3" creationId="{B23FB75D-03AF-7829-33CA-627576D01683}"/>
-          </ac:spMkLst>
-        </pc:spChg>
-        <pc:picChg chg="add del mod">
-          <ac:chgData name="Nitin Jose Paul" userId="3e5c70a5-b6b5-41bb-99a2-9adf087bf86d" providerId="ADAL" clId="{101BEDFC-F414-4159-A66C-8751772522F2}" dt="2025-02-04T16:58:05.630" v="70" actId="478"/>
-          <ac:picMkLst>
-            <pc:docMk/>
-            <pc:sldMk cId="3891573097" sldId="257"/>
-            <ac:picMk id="5" creationId="{71313B1B-FFAF-FB85-C133-441A883A8261}"/>
-          </ac:picMkLst>
-        </pc:picChg>
-        <pc:picChg chg="del">
-          <ac:chgData name="Nitin Jose Paul" userId="3e5c70a5-b6b5-41bb-99a2-9adf087bf86d" providerId="ADAL" clId="{101BEDFC-F414-4159-A66C-8751772522F2}" dt="2025-02-04T16:57:04.566" v="67" actId="478"/>
-          <ac:picMkLst>
-            <pc:docMk/>
-            <pc:sldMk cId="3891573097" sldId="257"/>
-            <ac:picMk id="6" creationId="{A7F1704C-50A3-361A-E4A5-5D68E3BA4C3D}"/>
-          </ac:picMkLst>
-        </pc:picChg>
-        <pc:picChg chg="add mod">
-          <ac:chgData name="Nitin Jose Paul" userId="3e5c70a5-b6b5-41bb-99a2-9adf087bf86d" providerId="ADAL" clId="{101BEDFC-F414-4159-A66C-8751772522F2}" dt="2025-02-04T16:58:19.650" v="72" actId="1076"/>
-          <ac:picMkLst>
-            <pc:docMk/>
-            <pc:sldMk cId="3891573097" sldId="257"/>
-            <ac:picMk id="8" creationId="{A5283E6D-37DA-4102-F4BA-50334E5B8D53}"/>
-          </ac:picMkLst>
-        </pc:picChg>
-      </pc:sldChg>
-      <pc:sldChg chg="addSp delSp modSp mod">
-        <pc:chgData name="Nitin Jose Paul" userId="3e5c70a5-b6b5-41bb-99a2-9adf087bf86d" providerId="ADAL" clId="{101BEDFC-F414-4159-A66C-8751772522F2}" dt="2025-02-04T02:29:02.928" v="5" actId="1076"/>
-        <pc:sldMkLst>
-          <pc:docMk/>
-          <pc:sldMk cId="716627309" sldId="259"/>
-        </pc:sldMkLst>
-        <pc:picChg chg="add mod">
-          <ac:chgData name="Nitin Jose Paul" userId="3e5c70a5-b6b5-41bb-99a2-9adf087bf86d" providerId="ADAL" clId="{101BEDFC-F414-4159-A66C-8751772522F2}" dt="2025-02-04T02:29:02.928" v="5" actId="1076"/>
-          <ac:picMkLst>
-            <pc:docMk/>
-            <pc:sldMk cId="716627309" sldId="259"/>
-            <ac:picMk id="4" creationId="{11D71314-5AC2-775F-7E2A-492E1ACD8C22}"/>
-          </ac:picMkLst>
-        </pc:picChg>
-        <pc:picChg chg="del">
-          <ac:chgData name="Nitin Jose Paul" userId="3e5c70a5-b6b5-41bb-99a2-9adf087bf86d" providerId="ADAL" clId="{101BEDFC-F414-4159-A66C-8751772522F2}" dt="2025-02-04T02:28:48.235" v="0" actId="478"/>
-          <ac:picMkLst>
-            <pc:docMk/>
-            <pc:sldMk cId="716627309" sldId="259"/>
-            <ac:picMk id="9" creationId="{A58E4DD4-93F5-A642-188B-09998E84D0DA}"/>
-          </ac:picMkLst>
-        </pc:picChg>
-      </pc:sldChg>
-      <pc:sldChg chg="addSp delSp modSp new mod setBg">
-        <pc:chgData name="Nitin Jose Paul" userId="3e5c70a5-b6b5-41bb-99a2-9adf087bf86d" providerId="ADAL" clId="{101BEDFC-F414-4159-A66C-8751772522F2}" dt="2025-02-04T03:22:56.583" v="66" actId="20577"/>
-        <pc:sldMkLst>
-          <pc:docMk/>
-          <pc:sldMk cId="3654080567" sldId="263"/>
-        </pc:sldMkLst>
-        <pc:spChg chg="mod">
-          <ac:chgData name="Nitin Jose Paul" userId="3e5c70a5-b6b5-41bb-99a2-9adf087bf86d" providerId="ADAL" clId="{101BEDFC-F414-4159-A66C-8751772522F2}" dt="2025-02-04T03:22:56.583" v="66" actId="20577"/>
-          <ac:spMkLst>
-            <pc:docMk/>
-            <pc:sldMk cId="3654080567" sldId="263"/>
-            <ac:spMk id="2" creationId="{E1C8CB51-840D-857C-E650-40DF32199FB8}"/>
-          </ac:spMkLst>
-        </pc:spChg>
-        <pc:spChg chg="del">
-          <ac:chgData name="Nitin Jose Paul" userId="3e5c70a5-b6b5-41bb-99a2-9adf087bf86d" providerId="ADAL" clId="{101BEDFC-F414-4159-A66C-8751772522F2}" dt="2025-02-04T03:20:17.833" v="32"/>
-          <ac:spMkLst>
-            <pc:docMk/>
-            <pc:sldMk cId="3654080567" sldId="263"/>
-            <ac:spMk id="3" creationId="{80F95383-9A90-13F2-31E3-2440539913B5}"/>
-          </ac:spMkLst>
-        </pc:spChg>
-        <pc:spChg chg="add del">
-          <ac:chgData name="Nitin Jose Paul" userId="3e5c70a5-b6b5-41bb-99a2-9adf087bf86d" providerId="ADAL" clId="{101BEDFC-F414-4159-A66C-8751772522F2}" dt="2025-02-04T03:21:23.491" v="39" actId="478"/>
-          <ac:spMkLst>
-            <pc:docMk/>
-            <pc:sldMk cId="3654080567" sldId="263"/>
-            <ac:spMk id="9" creationId="{7B58E204-7F38-105B-FFBC-AEEC2617BCAE}"/>
-          </ac:spMkLst>
-        </pc:spChg>
-        <pc:spChg chg="add del">
-          <ac:chgData name="Nitin Jose Paul" userId="3e5c70a5-b6b5-41bb-99a2-9adf087bf86d" providerId="ADAL" clId="{101BEDFC-F414-4159-A66C-8751772522F2}" dt="2025-02-04T03:21:50.707" v="43" actId="26606"/>
-          <ac:spMkLst>
-            <pc:docMk/>
-            <pc:sldMk cId="3654080567" sldId="263"/>
-            <ac:spMk id="19" creationId="{665DBBEF-238B-476B-96AB-8AAC3224ECEA}"/>
-          </ac:spMkLst>
-        </pc:spChg>
-        <pc:spChg chg="add del">
-          <ac:chgData name="Nitin Jose Paul" userId="3e5c70a5-b6b5-41bb-99a2-9adf087bf86d" providerId="ADAL" clId="{101BEDFC-F414-4159-A66C-8751772522F2}" dt="2025-02-04T03:21:50.707" v="43" actId="26606"/>
-          <ac:spMkLst>
-            <pc:docMk/>
-            <pc:sldMk cId="3654080567" sldId="263"/>
-            <ac:spMk id="21" creationId="{3FCFB1DE-0B7E-48CC-BA90-B2AB0889F9D6}"/>
-          </ac:spMkLst>
-        </pc:spChg>
-        <pc:spChg chg="add">
-          <ac:chgData name="Nitin Jose Paul" userId="3e5c70a5-b6b5-41bb-99a2-9adf087bf86d" providerId="ADAL" clId="{101BEDFC-F414-4159-A66C-8751772522F2}" dt="2025-02-04T03:21:50.707" v="43" actId="26606"/>
-          <ac:spMkLst>
-            <pc:docMk/>
-            <pc:sldMk cId="3654080567" sldId="263"/>
-            <ac:spMk id="26" creationId="{BCED4D40-4B67-4331-AC48-79B82B4A47D8}"/>
-          </ac:spMkLst>
-        </pc:spChg>
-        <pc:spChg chg="add">
-          <ac:chgData name="Nitin Jose Paul" userId="3e5c70a5-b6b5-41bb-99a2-9adf087bf86d" providerId="ADAL" clId="{101BEDFC-F414-4159-A66C-8751772522F2}" dt="2025-02-04T03:21:50.707" v="43" actId="26606"/>
-          <ac:spMkLst>
-            <pc:docMk/>
-            <pc:sldMk cId="3654080567" sldId="263"/>
-            <ac:spMk id="28" creationId="{670CEDEF-4F34-412E-84EE-329C1E936AF5}"/>
-          </ac:spMkLst>
-        </pc:spChg>
-        <pc:grpChg chg="add del">
-          <ac:chgData name="Nitin Jose Paul" userId="3e5c70a5-b6b5-41bb-99a2-9adf087bf86d" providerId="ADAL" clId="{101BEDFC-F414-4159-A66C-8751772522F2}" dt="2025-02-04T03:21:33.391" v="40" actId="26606"/>
-          <ac:grpSpMkLst>
-            <pc:docMk/>
-            <pc:sldMk cId="3654080567" sldId="263"/>
-            <ac:grpSpMk id="12" creationId="{6258F736-B256-8039-9DC6-F4E49A5C5AD5}"/>
-          </ac:grpSpMkLst>
-        </pc:grpChg>
-        <pc:picChg chg="add mod">
-          <ac:chgData name="Nitin Jose Paul" userId="3e5c70a5-b6b5-41bb-99a2-9adf087bf86d" providerId="ADAL" clId="{101BEDFC-F414-4159-A66C-8751772522F2}" dt="2025-02-04T03:22:45.460" v="48" actId="1076"/>
-          <ac:picMkLst>
-            <pc:docMk/>
-            <pc:sldMk cId="3654080567" sldId="263"/>
-            <ac:picMk id="5" creationId="{6B51DFE7-9301-FB31-4399-7E9642A27AC1}"/>
-          </ac:picMkLst>
-        </pc:picChg>
-      </pc:sldChg>
-    </pc:docChg>
-  </pc:docChgLst>
 </pc:chgInfo>
 </file>
 
@@ -934,7 +934,7 @@
           <a:p>
             <a:fld id="{D0BF3833-694E-4451-8AB2-37696647E09C}" type="datetimeFigureOut">
               <a:rPr lang="en-US" smtClean="0"/>
-              <a:t>3/11/2025</a:t>
+              <a:t>09-Jul-25</a:t>
             </a:fld>
             <a:endParaRPr lang="en-US"/>
           </a:p>
@@ -1132,7 +1132,7 @@
           <a:p>
             <a:fld id="{D0BF3833-694E-4451-8AB2-37696647E09C}" type="datetimeFigureOut">
               <a:rPr lang="en-US" smtClean="0"/>
-              <a:t>3/11/2025</a:t>
+              <a:t>09-Jul-25</a:t>
             </a:fld>
             <a:endParaRPr lang="en-US"/>
           </a:p>
@@ -1340,7 +1340,7 @@
           <a:p>
             <a:fld id="{D0BF3833-694E-4451-8AB2-37696647E09C}" type="datetimeFigureOut">
               <a:rPr lang="en-US" smtClean="0"/>
-              <a:t>3/11/2025</a:t>
+              <a:t>09-Jul-25</a:t>
             </a:fld>
             <a:endParaRPr lang="en-US"/>
           </a:p>
@@ -1538,7 +1538,7 @@
           <a:p>
             <a:fld id="{D0BF3833-694E-4451-8AB2-37696647E09C}" type="datetimeFigureOut">
               <a:rPr lang="en-US" smtClean="0"/>
-              <a:t>3/11/2025</a:t>
+              <a:t>09-Jul-25</a:t>
             </a:fld>
             <a:endParaRPr lang="en-US"/>
           </a:p>
@@ -1813,7 +1813,7 @@
           <a:p>
             <a:fld id="{D0BF3833-694E-4451-8AB2-37696647E09C}" type="datetimeFigureOut">
               <a:rPr lang="en-US" smtClean="0"/>
-              <a:t>3/11/2025</a:t>
+              <a:t>09-Jul-25</a:t>
             </a:fld>
             <a:endParaRPr lang="en-US"/>
           </a:p>
@@ -2078,7 +2078,7 @@
           <a:p>
             <a:fld id="{D0BF3833-694E-4451-8AB2-37696647E09C}" type="datetimeFigureOut">
               <a:rPr lang="en-US" smtClean="0"/>
-              <a:t>3/11/2025</a:t>
+              <a:t>09-Jul-25</a:t>
             </a:fld>
             <a:endParaRPr lang="en-US"/>
           </a:p>
@@ -2490,7 +2490,7 @@
           <a:p>
             <a:fld id="{D0BF3833-694E-4451-8AB2-37696647E09C}" type="datetimeFigureOut">
               <a:rPr lang="en-US" smtClean="0"/>
-              <a:t>3/11/2025</a:t>
+              <a:t>09-Jul-25</a:t>
             </a:fld>
             <a:endParaRPr lang="en-US"/>
           </a:p>
@@ -2631,7 +2631,7 @@
           <a:p>
             <a:fld id="{D0BF3833-694E-4451-8AB2-37696647E09C}" type="datetimeFigureOut">
               <a:rPr lang="en-US" smtClean="0"/>
-              <a:t>3/11/2025</a:t>
+              <a:t>09-Jul-25</a:t>
             </a:fld>
             <a:endParaRPr lang="en-US"/>
           </a:p>
@@ -2744,7 +2744,7 @@
           <a:p>
             <a:fld id="{D0BF3833-694E-4451-8AB2-37696647E09C}" type="datetimeFigureOut">
               <a:rPr lang="en-US" smtClean="0"/>
-              <a:t>3/11/2025</a:t>
+              <a:t>09-Jul-25</a:t>
             </a:fld>
             <a:endParaRPr lang="en-US"/>
           </a:p>
@@ -3055,7 +3055,7 @@
           <a:p>
             <a:fld id="{D0BF3833-694E-4451-8AB2-37696647E09C}" type="datetimeFigureOut">
               <a:rPr lang="en-US" smtClean="0"/>
-              <a:t>3/11/2025</a:t>
+              <a:t>09-Jul-25</a:t>
             </a:fld>
             <a:endParaRPr lang="en-US"/>
           </a:p>
@@ -3343,7 +3343,7 @@
           <a:p>
             <a:fld id="{D0BF3833-694E-4451-8AB2-37696647E09C}" type="datetimeFigureOut">
               <a:rPr lang="en-US" smtClean="0"/>
-              <a:t>3/11/2025</a:t>
+              <a:t>09-Jul-25</a:t>
             </a:fld>
             <a:endParaRPr lang="en-US"/>
           </a:p>
@@ -3584,7 +3584,7 @@
           <a:p>
             <a:fld id="{D0BF3833-694E-4451-8AB2-37696647E09C}" type="datetimeFigureOut">
               <a:rPr lang="en-US" smtClean="0"/>
-              <a:t>3/11/2025</a:t>
+              <a:t>09-Jul-25</a:t>
             </a:fld>
             <a:endParaRPr lang="en-US"/>
           </a:p>
@@ -4011,10 +4011,10 @@
       </p:grpSpPr>
       <p:sp useBgFill="1">
         <p:nvSpPr>
-          <p:cNvPr id="7" name="Rectangle 6">
-            <a:extLst>
-              <a:ext uri="{FF2B5EF4-FFF2-40B4-BE49-F238E27FC236}">
-                <a16:creationId xmlns:a16="http://schemas.microsoft.com/office/drawing/2014/main" id="{32D45EE4-C4F0-4F72-B1C6-39F596D138A9}"/>
+          <p:cNvPr id="73" name="Rectangle 72">
+            <a:extLst>
+              <a:ext uri="{FF2B5EF4-FFF2-40B4-BE49-F238E27FC236}">
+                <a16:creationId xmlns:a16="http://schemas.microsoft.com/office/drawing/2014/main" id="{0E30439A-8A5B-46EC-8283-9B6B031D40D0}"/>
               </a:ext>
               <a:ext uri="{C183D7F6-B498-43B3-948B-1728B52AA6E4}">
                 <adec:decorative xmlns:adec="http://schemas.microsoft.com/office/drawing/2017/decorative" val="1"/>
@@ -4035,11 +4035,100 @@
         <p:spPr>
           <a:xfrm>
             <a:off x="0" y="0"/>
-            <a:ext cx="12188952" cy="6858000"/>
+            <a:ext cx="12192000" cy="6858000"/>
           </a:xfrm>
           <a:prstGeom prst="rect">
             <a:avLst/>
           </a:prstGeom>
+          <a:ln w="12700" cap="flat" cmpd="sng" algn="ctr">
+            <a:noFill/>
+            <a:prstDash val="solid"/>
+            <a:miter lim="800000"/>
+          </a:ln>
+          <a:effectLst/>
+          <a:extLst>
+            <a:ext uri="{91240B29-F687-4F45-9708-019B960494DF}">
+              <a14:hiddenLine xmlns:a14="http://schemas.microsoft.com/office/drawing/2010/main" w="12700" cap="flat" cmpd="sng" algn="ctr">
+                <a:solidFill>
+                  <a:schemeClr val="accent1">
+                    <a:shade val="50000"/>
+                  </a:schemeClr>
+                </a:solidFill>
+                <a:prstDash val="solid"/>
+                <a:miter lim="800000"/>
+              </a14:hiddenLine>
+            </a:ext>
+          </a:extLst>
+        </p:spPr>
+        <p:style>
+          <a:lnRef idx="2">
+            <a:schemeClr val="accent1">
+              <a:shade val="50000"/>
+            </a:schemeClr>
+          </a:lnRef>
+          <a:fillRef idx="1">
+            <a:schemeClr val="accent1"/>
+          </a:fillRef>
+          <a:effectRef idx="0">
+            <a:schemeClr val="accent1"/>
+          </a:effectRef>
+          <a:fontRef idx="minor">
+            <a:schemeClr val="lt1"/>
+          </a:fontRef>
+        </p:style>
+        <p:txBody>
+          <a:bodyPr rtlCol="0" anchor="ctr"/>
+          <a:lstStyle/>
+          <a:p>
+            <a:pPr algn="ctr"/>
+            <a:endParaRPr lang="en-US"/>
+          </a:p>
+        </p:txBody>
+      </p:sp>
+      <p:sp>
+        <p:nvSpPr>
+          <p:cNvPr id="75" name="Rectangle 74">
+            <a:extLst>
+              <a:ext uri="{FF2B5EF4-FFF2-40B4-BE49-F238E27FC236}">
+                <a16:creationId xmlns:a16="http://schemas.microsoft.com/office/drawing/2014/main" id="{5CEAD642-85CF-4750-8432-7C80C901F001}"/>
+              </a:ext>
+              <a:ext uri="{C183D7F6-B498-43B3-948B-1728B52AA6E4}">
+                <adec:decorative xmlns:adec="http://schemas.microsoft.com/office/drawing/2017/decorative" val="1"/>
+              </a:ext>
+            </a:extLst>
+          </p:cNvPr>
+          <p:cNvSpPr>
+            <a:spLocks noGrp="1" noRot="1" noChangeAspect="1" noMove="1" noResize="1" noEditPoints="1" noAdjustHandles="1" noChangeArrowheads="1" noChangeShapeType="1" noTextEdit="1"/>
+          </p:cNvSpPr>
+          <p:nvPr>
+            <p:extLst>
+              <p:ext uri="{386F3935-93C4-4BCD-93E2-E3B085C9AB24}">
+                <p16:designElem xmlns:p16="http://schemas.microsoft.com/office/powerpoint/2015/main" val="1"/>
+              </p:ext>
+            </p:extLst>
+          </p:nvPr>
+        </p:nvSpPr>
+        <p:spPr>
+          <a:xfrm>
+            <a:off x="0" y="-427"/>
+            <a:ext cx="12192001" cy="6858000"/>
+          </a:xfrm>
+          <a:prstGeom prst="rect">
+            <a:avLst/>
+          </a:prstGeom>
+          <a:gradFill>
+            <a:gsLst>
+              <a:gs pos="0">
+                <a:srgbClr val="000000"/>
+              </a:gs>
+              <a:gs pos="100000">
+                <a:schemeClr val="accent1">
+                  <a:lumMod val="75000"/>
+                </a:schemeClr>
+              </a:gs>
+            </a:gsLst>
+            <a:lin ang="15000000" scaled="0"/>
+          </a:gradFill>
           <a:ln>
             <a:noFill/>
           </a:ln>
@@ -4065,16 +4154,16 @@
           <a:lstStyle/>
           <a:p>
             <a:pPr algn="ctr"/>
-            <a:endParaRPr lang="en-US" dirty="0"/>
-          </a:p>
-        </p:txBody>
-      </p:sp>
-      <p:sp>
-        <p:nvSpPr>
-          <p:cNvPr id="9" name="Oval 8">
-            <a:extLst>
-              <a:ext uri="{FF2B5EF4-FFF2-40B4-BE49-F238E27FC236}">
-                <a16:creationId xmlns:a16="http://schemas.microsoft.com/office/drawing/2014/main" id="{8C459BAD-4279-4A9D-B0C5-662C5F5ED21F}"/>
+            <a:endParaRPr lang="en-US"/>
+          </a:p>
+        </p:txBody>
+      </p:sp>
+      <p:sp>
+        <p:nvSpPr>
+          <p:cNvPr id="77" name="Rectangle 76">
+            <a:extLst>
+              <a:ext uri="{FF2B5EF4-FFF2-40B4-BE49-F238E27FC236}">
+                <a16:creationId xmlns:a16="http://schemas.microsoft.com/office/drawing/2014/main" id="{FA33EEAE-15D5-4119-8C1E-89D943F911EF}"/>
               </a:ext>
               <a:ext uri="{C183D7F6-B498-43B3-948B-1728B52AA6E4}">
                 <adec:decorative xmlns:adec="http://schemas.microsoft.com/office/drawing/2017/decorative" val="1"/>
@@ -4093,117 +4182,31 @@
           </p:nvPr>
         </p:nvSpPr>
         <p:spPr>
-          <a:xfrm rot="5400000" flipV="1">
-            <a:off x="3203463" y="-2060461"/>
-            <a:ext cx="5649003" cy="10651671"/>
+          <a:xfrm rot="10800000" flipH="1">
+            <a:off x="455521" y="-1720"/>
+            <a:ext cx="11750040" cy="6840685"/>
           </a:xfrm>
-          <a:custGeom>
+          <a:prstGeom prst="rect">
             <a:avLst/>
-            <a:gdLst>
-              <a:gd name="connsiteX0" fmla="*/ 0 w 5649003"/>
-              <a:gd name="connsiteY0" fmla="*/ 5325836 h 10651671"/>
-              <a:gd name="connsiteX1" fmla="*/ 2824502 w 5649003"/>
-              <a:gd name="connsiteY1" fmla="*/ 0 h 10651671"/>
-              <a:gd name="connsiteX2" fmla="*/ 5649004 w 5649003"/>
-              <a:gd name="connsiteY2" fmla="*/ 5325836 h 10651671"/>
-              <a:gd name="connsiteX3" fmla="*/ 2824502 w 5649003"/>
-              <a:gd name="connsiteY3" fmla="*/ 10651672 h 10651671"/>
-              <a:gd name="connsiteX4" fmla="*/ 0 w 5649003"/>
-              <a:gd name="connsiteY4" fmla="*/ 5325836 h 10651671"/>
-            </a:gdLst>
-            <a:ahLst/>
-            <a:cxnLst>
-              <a:cxn ang="0">
-                <a:pos x="connsiteX0" y="connsiteY0"/>
-              </a:cxn>
-              <a:cxn ang="0">
-                <a:pos x="connsiteX1" y="connsiteY1"/>
-              </a:cxn>
-              <a:cxn ang="0">
-                <a:pos x="connsiteX2" y="connsiteY2"/>
-              </a:cxn>
-              <a:cxn ang="0">
-                <a:pos x="connsiteX3" y="connsiteY3"/>
-              </a:cxn>
-              <a:cxn ang="0">
-                <a:pos x="connsiteX4" y="connsiteY4"/>
-              </a:cxn>
-            </a:cxnLst>
-            <a:rect l="l" t="t" r="r" b="b"/>
-            <a:pathLst>
-              <a:path w="5649003" h="10651671" fill="none" extrusionOk="0">
-                <a:moveTo>
-                  <a:pt x="0" y="5325836"/>
-                </a:moveTo>
-                <a:cubicBezTo>
-                  <a:pt x="186946" y="2320485"/>
-                  <a:pt x="1438121" y="-52385"/>
-                  <a:pt x="2824502" y="0"/>
-                </a:cubicBezTo>
-                <a:cubicBezTo>
-                  <a:pt x="4703838" y="-43168"/>
-                  <a:pt x="5583840" y="2369660"/>
-                  <a:pt x="5649004" y="5325836"/>
-                </a:cubicBezTo>
-                <a:cubicBezTo>
-                  <a:pt x="5518761" y="8289338"/>
-                  <a:pt x="4285196" y="10894014"/>
-                  <a:pt x="2824502" y="10651672"/>
-                </a:cubicBezTo>
-                <a:cubicBezTo>
-                  <a:pt x="1536945" y="11016699"/>
-                  <a:pt x="142947" y="8418643"/>
-                  <a:pt x="0" y="5325836"/>
-                </a:cubicBezTo>
-                <a:close/>
-              </a:path>
-              <a:path w="5649003" h="10651671" stroke="0" extrusionOk="0">
-                <a:moveTo>
-                  <a:pt x="0" y="5325836"/>
-                </a:moveTo>
-                <a:cubicBezTo>
-                  <a:pt x="-54350" y="2332108"/>
-                  <a:pt x="1351726" y="167869"/>
-                  <a:pt x="2824502" y="0"/>
-                </a:cubicBezTo>
-                <a:cubicBezTo>
-                  <a:pt x="4182679" y="-143942"/>
-                  <a:pt x="5672665" y="2549517"/>
-                  <a:pt x="5649004" y="5325836"/>
-                </a:cubicBezTo>
-                <a:cubicBezTo>
-                  <a:pt x="5518596" y="8280244"/>
-                  <a:pt x="4081190" y="10622204"/>
-                  <a:pt x="2824502" y="10651672"/>
-                </a:cubicBezTo>
-                <a:cubicBezTo>
-                  <a:pt x="1216708" y="10537144"/>
-                  <a:pt x="-100850" y="8264979"/>
-                  <a:pt x="0" y="5325836"/>
-                </a:cubicBezTo>
-                <a:close/>
-              </a:path>
-            </a:pathLst>
-          </a:custGeom>
-          <a:solidFill>
-            <a:schemeClr val="accent2"/>
-          </a:solidFill>
-          <a:ln w="57150">
-            <a:solidFill>
-              <a:schemeClr val="accent2"/>
-            </a:solidFill>
-            <a:extLst>
-              <a:ext uri="{C807C97D-BFC1-408E-A445-0C87EB9F89A2}">
-                <ask:lineSketchStyleProps xmlns:ask="http://schemas.microsoft.com/office/drawing/2018/sketchyshapes" sd="63743190">
-                  <a:prstGeom prst="ellipse">
-                    <a:avLst/>
-                  </a:prstGeom>
-                  <ask:type>
-                    <ask:lineSketchCurved/>
-                  </ask:type>
-                </ask:lineSketchStyleProps>
-              </a:ext>
-            </a:extLst>
+          </a:prstGeom>
+          <a:gradFill>
+            <a:gsLst>
+              <a:gs pos="21000">
+                <a:schemeClr val="accent1">
+                  <a:lumMod val="50000"/>
+                  <a:alpha val="61000"/>
+                </a:schemeClr>
+              </a:gs>
+              <a:gs pos="100000">
+                <a:schemeClr val="accent1">
+                  <a:alpha val="0"/>
+                </a:schemeClr>
+              </a:gs>
+            </a:gsLst>
+            <a:lin ang="21594000" scaled="0"/>
+          </a:gradFill>
+          <a:ln>
+            <a:noFill/>
           </a:ln>
         </p:spPr>
         <p:style>
@@ -4227,63 +4230,16 @@
           <a:lstStyle/>
           <a:p>
             <a:pPr algn="ctr"/>
-            <a:endParaRPr lang="en-US" dirty="0"/>
-          </a:p>
-        </p:txBody>
-      </p:sp>
-      <p:sp>
-        <p:nvSpPr>
-          <p:cNvPr id="2" name="Title 1">
-            <a:extLst>
-              <a:ext uri="{FF2B5EF4-FFF2-40B4-BE49-F238E27FC236}">
-                <a16:creationId xmlns:a16="http://schemas.microsoft.com/office/drawing/2014/main" id="{10E18539-6F39-B84D-850A-039F1600008A}"/>
-              </a:ext>
-            </a:extLst>
-          </p:cNvPr>
-          <p:cNvSpPr>
-            <a:spLocks noGrp="1"/>
-          </p:cNvSpPr>
-          <p:nvPr>
-            <p:ph type="ctrTitle"/>
-          </p:nvPr>
-        </p:nvSpPr>
-        <p:spPr>
-          <a:xfrm>
-            <a:off x="2066544" y="1911096"/>
-            <a:ext cx="8055864" cy="2076651"/>
-          </a:xfrm>
-        </p:spPr>
-        <p:txBody>
-          <a:bodyPr anchor="b">
-            <a:normAutofit/>
-          </a:bodyPr>
-          <a:lstStyle/>
-          <a:p>
-            <a:r>
-              <a:rPr lang="en-US" sz="6600" dirty="0" err="1">
-                <a:solidFill>
-                  <a:srgbClr val="FFFFFF"/>
-                </a:solidFill>
-              </a:rPr>
-              <a:t>ADTest</a:t>
-            </a:r>
-            <a:r>
-              <a:rPr lang="en-US" sz="6600">
-                <a:solidFill>
-                  <a:srgbClr val="FFFFFF"/>
-                </a:solidFill>
-              </a:rPr>
-              <a:t> Framework POC</a:t>
-            </a:r>
-          </a:p>
-        </p:txBody>
-      </p:sp>
-      <p:sp>
-        <p:nvSpPr>
-          <p:cNvPr id="11" name="sketch line">
-            <a:extLst>
-              <a:ext uri="{FF2B5EF4-FFF2-40B4-BE49-F238E27FC236}">
-                <a16:creationId xmlns:a16="http://schemas.microsoft.com/office/drawing/2014/main" id="{0953BC39-9D68-40BE-BF3C-5C4EB782AF94}"/>
+            <a:endParaRPr lang="en-US"/>
+          </a:p>
+        </p:txBody>
+      </p:sp>
+      <p:sp>
+        <p:nvSpPr>
+          <p:cNvPr id="79" name="Rectangle 78">
+            <a:extLst>
+              <a:ext uri="{FF2B5EF4-FFF2-40B4-BE49-F238E27FC236}">
+                <a16:creationId xmlns:a16="http://schemas.microsoft.com/office/drawing/2014/main" id="{730D8B3B-9B80-4025-B934-26DC7D7CD231}"/>
               </a:ext>
               <a:ext uri="{C183D7F6-B498-43B3-948B-1728B52AA6E4}">
                 <adec:decorative xmlns:adec="http://schemas.microsoft.com/office/drawing/2017/decorative" val="1"/>
@@ -4303,297 +4259,362 @@
         </p:nvSpPr>
         <p:spPr>
           <a:xfrm>
-            <a:off x="3974206" y="4173498"/>
-            <a:ext cx="4243589" cy="18288"/>
+            <a:off x="8606054" y="-1291"/>
+            <a:ext cx="3608179" cy="6858864"/>
           </a:xfrm>
-          <a:custGeom>
+          <a:prstGeom prst="rect">
             <a:avLst/>
-            <a:gdLst>
-              <a:gd name="connsiteX0" fmla="*/ 0 w 4243589"/>
-              <a:gd name="connsiteY0" fmla="*/ 0 h 18288"/>
-              <a:gd name="connsiteX1" fmla="*/ 563791 w 4243589"/>
-              <a:gd name="connsiteY1" fmla="*/ 0 h 18288"/>
-              <a:gd name="connsiteX2" fmla="*/ 1042710 w 4243589"/>
-              <a:gd name="connsiteY2" fmla="*/ 0 h 18288"/>
-              <a:gd name="connsiteX3" fmla="*/ 1564066 w 4243589"/>
-              <a:gd name="connsiteY3" fmla="*/ 0 h 18288"/>
-              <a:gd name="connsiteX4" fmla="*/ 2212729 w 4243589"/>
-              <a:gd name="connsiteY4" fmla="*/ 0 h 18288"/>
-              <a:gd name="connsiteX5" fmla="*/ 2776520 w 4243589"/>
-              <a:gd name="connsiteY5" fmla="*/ 0 h 18288"/>
-              <a:gd name="connsiteX6" fmla="*/ 3297875 w 4243589"/>
-              <a:gd name="connsiteY6" fmla="*/ 0 h 18288"/>
-              <a:gd name="connsiteX7" fmla="*/ 4243589 w 4243589"/>
-              <a:gd name="connsiteY7" fmla="*/ 0 h 18288"/>
-              <a:gd name="connsiteX8" fmla="*/ 4243589 w 4243589"/>
-              <a:gd name="connsiteY8" fmla="*/ 18288 h 18288"/>
-              <a:gd name="connsiteX9" fmla="*/ 3637362 w 4243589"/>
-              <a:gd name="connsiteY9" fmla="*/ 18288 h 18288"/>
-              <a:gd name="connsiteX10" fmla="*/ 3116007 w 4243589"/>
-              <a:gd name="connsiteY10" fmla="*/ 18288 h 18288"/>
-              <a:gd name="connsiteX11" fmla="*/ 2424908 w 4243589"/>
-              <a:gd name="connsiteY11" fmla="*/ 18288 h 18288"/>
-              <a:gd name="connsiteX12" fmla="*/ 1861117 w 4243589"/>
-              <a:gd name="connsiteY12" fmla="*/ 18288 h 18288"/>
-              <a:gd name="connsiteX13" fmla="*/ 1382198 w 4243589"/>
-              <a:gd name="connsiteY13" fmla="*/ 18288 h 18288"/>
-              <a:gd name="connsiteX14" fmla="*/ 733535 w 4243589"/>
-              <a:gd name="connsiteY14" fmla="*/ 18288 h 18288"/>
-              <a:gd name="connsiteX15" fmla="*/ 0 w 4243589"/>
-              <a:gd name="connsiteY15" fmla="*/ 18288 h 18288"/>
-              <a:gd name="connsiteX16" fmla="*/ 0 w 4243589"/>
-              <a:gd name="connsiteY16" fmla="*/ 0 h 18288"/>
-            </a:gdLst>
-            <a:ahLst/>
-            <a:cxnLst>
-              <a:cxn ang="0">
-                <a:pos x="connsiteX0" y="connsiteY0"/>
-              </a:cxn>
-              <a:cxn ang="0">
-                <a:pos x="connsiteX1" y="connsiteY1"/>
-              </a:cxn>
-              <a:cxn ang="0">
-                <a:pos x="connsiteX2" y="connsiteY2"/>
-              </a:cxn>
-              <a:cxn ang="0">
-                <a:pos x="connsiteX3" y="connsiteY3"/>
-              </a:cxn>
-              <a:cxn ang="0">
-                <a:pos x="connsiteX4" y="connsiteY4"/>
-              </a:cxn>
-              <a:cxn ang="0">
-                <a:pos x="connsiteX5" y="connsiteY5"/>
-              </a:cxn>
-              <a:cxn ang="0">
-                <a:pos x="connsiteX6" y="connsiteY6"/>
-              </a:cxn>
-              <a:cxn ang="0">
-                <a:pos x="connsiteX7" y="connsiteY7"/>
-              </a:cxn>
-              <a:cxn ang="0">
-                <a:pos x="connsiteX8" y="connsiteY8"/>
-              </a:cxn>
-              <a:cxn ang="0">
-                <a:pos x="connsiteX9" y="connsiteY9"/>
-              </a:cxn>
-              <a:cxn ang="0">
-                <a:pos x="connsiteX10" y="connsiteY10"/>
-              </a:cxn>
-              <a:cxn ang="0">
-                <a:pos x="connsiteX11" y="connsiteY11"/>
-              </a:cxn>
-              <a:cxn ang="0">
-                <a:pos x="connsiteX12" y="connsiteY12"/>
-              </a:cxn>
-              <a:cxn ang="0">
-                <a:pos x="connsiteX13" y="connsiteY13"/>
-              </a:cxn>
-              <a:cxn ang="0">
-                <a:pos x="connsiteX14" y="connsiteY14"/>
-              </a:cxn>
-              <a:cxn ang="0">
-                <a:pos x="connsiteX15" y="connsiteY15"/>
-              </a:cxn>
-              <a:cxn ang="0">
-                <a:pos x="connsiteX16" y="connsiteY16"/>
-              </a:cxn>
-            </a:cxnLst>
-            <a:rect l="l" t="t" r="r" b="b"/>
-            <a:pathLst>
-              <a:path w="4243589" h="18288" fill="none" extrusionOk="0">
-                <a:moveTo>
-                  <a:pt x="0" y="0"/>
-                </a:moveTo>
-                <a:cubicBezTo>
-                  <a:pt x="157351" y="-15653"/>
-                  <a:pt x="378877" y="-5828"/>
-                  <a:pt x="563791" y="0"/>
-                </a:cubicBezTo>
-                <a:cubicBezTo>
-                  <a:pt x="748705" y="5828"/>
-                  <a:pt x="905659" y="-5525"/>
-                  <a:pt x="1042710" y="0"/>
-                </a:cubicBezTo>
-                <a:cubicBezTo>
-                  <a:pt x="1179761" y="5525"/>
-                  <a:pt x="1356845" y="-21288"/>
-                  <a:pt x="1564066" y="0"/>
-                </a:cubicBezTo>
-                <a:cubicBezTo>
-                  <a:pt x="1771287" y="21288"/>
-                  <a:pt x="1912099" y="25135"/>
-                  <a:pt x="2212729" y="0"/>
-                </a:cubicBezTo>
-                <a:cubicBezTo>
-                  <a:pt x="2513359" y="-25135"/>
-                  <a:pt x="2514918" y="-27119"/>
-                  <a:pt x="2776520" y="0"/>
-                </a:cubicBezTo>
-                <a:cubicBezTo>
-                  <a:pt x="3038122" y="27119"/>
-                  <a:pt x="3178771" y="18116"/>
-                  <a:pt x="3297875" y="0"/>
-                </a:cubicBezTo>
-                <a:cubicBezTo>
-                  <a:pt x="3416980" y="-18116"/>
-                  <a:pt x="4012240" y="-40869"/>
-                  <a:pt x="4243589" y="0"/>
-                </a:cubicBezTo>
-                <a:cubicBezTo>
-                  <a:pt x="4243987" y="7429"/>
-                  <a:pt x="4243569" y="10822"/>
-                  <a:pt x="4243589" y="18288"/>
-                </a:cubicBezTo>
-                <a:cubicBezTo>
-                  <a:pt x="4112949" y="-2855"/>
-                  <a:pt x="3928037" y="1831"/>
-                  <a:pt x="3637362" y="18288"/>
-                </a:cubicBezTo>
-                <a:cubicBezTo>
-                  <a:pt x="3346687" y="34745"/>
-                  <a:pt x="3254446" y="26669"/>
-                  <a:pt x="3116007" y="18288"/>
-                </a:cubicBezTo>
-                <a:cubicBezTo>
-                  <a:pt x="2977569" y="9907"/>
-                  <a:pt x="2620228" y="28873"/>
-                  <a:pt x="2424908" y="18288"/>
-                </a:cubicBezTo>
-                <a:cubicBezTo>
-                  <a:pt x="2229588" y="7703"/>
-                  <a:pt x="2088287" y="-3854"/>
-                  <a:pt x="1861117" y="18288"/>
-                </a:cubicBezTo>
-                <a:cubicBezTo>
-                  <a:pt x="1633947" y="40430"/>
-                  <a:pt x="1502447" y="-871"/>
-                  <a:pt x="1382198" y="18288"/>
-                </a:cubicBezTo>
-                <a:cubicBezTo>
-                  <a:pt x="1261949" y="37447"/>
-                  <a:pt x="1045440" y="28353"/>
-                  <a:pt x="733535" y="18288"/>
-                </a:cubicBezTo>
-                <a:cubicBezTo>
-                  <a:pt x="421630" y="8223"/>
-                  <a:pt x="341257" y="-18359"/>
-                  <a:pt x="0" y="18288"/>
-                </a:cubicBezTo>
-                <a:cubicBezTo>
-                  <a:pt x="-591" y="13205"/>
-                  <a:pt x="-663" y="6329"/>
-                  <a:pt x="0" y="0"/>
-                </a:cubicBezTo>
-                <a:close/>
-              </a:path>
-              <a:path w="4243589" h="18288" stroke="0" extrusionOk="0">
-                <a:moveTo>
-                  <a:pt x="0" y="0"/>
-                </a:moveTo>
-                <a:cubicBezTo>
-                  <a:pt x="128164" y="17204"/>
-                  <a:pt x="312653" y="1129"/>
-                  <a:pt x="563791" y="0"/>
-                </a:cubicBezTo>
-                <a:cubicBezTo>
-                  <a:pt x="814929" y="-1129"/>
-                  <a:pt x="837271" y="8503"/>
-                  <a:pt x="1042710" y="0"/>
-                </a:cubicBezTo>
-                <a:cubicBezTo>
-                  <a:pt x="1248149" y="-8503"/>
-                  <a:pt x="1588432" y="-28862"/>
-                  <a:pt x="1733809" y="0"/>
-                </a:cubicBezTo>
-                <a:cubicBezTo>
-                  <a:pt x="1879186" y="28862"/>
-                  <a:pt x="2052815" y="5974"/>
-                  <a:pt x="2297600" y="0"/>
-                </a:cubicBezTo>
-                <a:cubicBezTo>
-                  <a:pt x="2542385" y="-5974"/>
-                  <a:pt x="2699960" y="-23550"/>
-                  <a:pt x="2861391" y="0"/>
-                </a:cubicBezTo>
-                <a:cubicBezTo>
-                  <a:pt x="3022822" y="23550"/>
-                  <a:pt x="3390411" y="25272"/>
-                  <a:pt x="3552490" y="0"/>
-                </a:cubicBezTo>
-                <a:cubicBezTo>
-                  <a:pt x="3714569" y="-25272"/>
-                  <a:pt x="3950585" y="-31327"/>
-                  <a:pt x="4243589" y="0"/>
-                </a:cubicBezTo>
-                <a:cubicBezTo>
-                  <a:pt x="4242703" y="5429"/>
-                  <a:pt x="4244410" y="14046"/>
-                  <a:pt x="4243589" y="18288"/>
-                </a:cubicBezTo>
-                <a:cubicBezTo>
-                  <a:pt x="4130424" y="-1240"/>
-                  <a:pt x="3932803" y="42249"/>
-                  <a:pt x="3722234" y="18288"/>
-                </a:cubicBezTo>
-                <a:cubicBezTo>
-                  <a:pt x="3511665" y="-5673"/>
-                  <a:pt x="3269903" y="45994"/>
-                  <a:pt x="3116007" y="18288"/>
-                </a:cubicBezTo>
-                <a:cubicBezTo>
-                  <a:pt x="2962111" y="-9418"/>
-                  <a:pt x="2744280" y="23224"/>
-                  <a:pt x="2509780" y="18288"/>
-                </a:cubicBezTo>
-                <a:cubicBezTo>
-                  <a:pt x="2275280" y="13352"/>
-                  <a:pt x="2066059" y="43664"/>
-                  <a:pt x="1945989" y="18288"/>
-                </a:cubicBezTo>
-                <a:cubicBezTo>
-                  <a:pt x="1825919" y="-7088"/>
-                  <a:pt x="1407329" y="12616"/>
-                  <a:pt x="1254890" y="18288"/>
-                </a:cubicBezTo>
-                <a:cubicBezTo>
-                  <a:pt x="1102451" y="23960"/>
-                  <a:pt x="837950" y="31673"/>
-                  <a:pt x="563791" y="18288"/>
-                </a:cubicBezTo>
-                <a:cubicBezTo>
-                  <a:pt x="289632" y="4903"/>
-                  <a:pt x="132768" y="7105"/>
-                  <a:pt x="0" y="18288"/>
-                </a:cubicBezTo>
-                <a:cubicBezTo>
-                  <a:pt x="668" y="13665"/>
-                  <a:pt x="578" y="5675"/>
-                  <a:pt x="0" y="0"/>
-                </a:cubicBezTo>
-                <a:close/>
-              </a:path>
-            </a:pathLst>
-          </a:custGeom>
-          <a:solidFill>
-            <a:srgbClr val="FFFFFF"/>
-          </a:solidFill>
-          <a:ln w="41275" cap="rnd">
-            <a:solidFill>
-              <a:srgbClr val="FFFFFF"/>
-            </a:solidFill>
-            <a:round/>
-            <a:extLst>
-              <a:ext uri="{C807C97D-BFC1-408E-A445-0C87EB9F89A2}">
-                <ask:lineSketchStyleProps xmlns:ask="http://schemas.microsoft.com/office/drawing/2018/sketchyshapes" sd="1219033472">
-                  <a:prstGeom prst="rect">
-                    <a:avLst/>
-                  </a:prstGeom>
-                  <ask:type>
-                    <ask:lineSketchFreehand/>
-                  </ask:type>
-                </ask:lineSketchStyleProps>
-              </a:ext>
-            </a:extLst>
+          </a:prstGeom>
+          <a:gradFill>
+            <a:gsLst>
+              <a:gs pos="0">
+                <a:schemeClr val="accent1">
+                  <a:lumMod val="75000"/>
+                  <a:alpha val="0"/>
+                </a:schemeClr>
+              </a:gs>
+              <a:gs pos="99000">
+                <a:srgbClr val="000000">
+                  <a:alpha val="41000"/>
+                </a:srgbClr>
+              </a:gs>
+            </a:gsLst>
+            <a:lin ang="16200000" scaled="0"/>
+          </a:gradFill>
+          <a:ln>
+            <a:noFill/>
+          </a:ln>
+        </p:spPr>
+        <p:style>
+          <a:lnRef idx="2">
+            <a:schemeClr val="accent1">
+              <a:shade val="50000"/>
+            </a:schemeClr>
+          </a:lnRef>
+          <a:fillRef idx="1">
+            <a:schemeClr val="accent1"/>
+          </a:fillRef>
+          <a:effectRef idx="0">
+            <a:schemeClr val="accent1"/>
+          </a:effectRef>
+          <a:fontRef idx="minor">
+            <a:schemeClr val="lt1"/>
+          </a:fontRef>
+        </p:style>
+        <p:txBody>
+          <a:bodyPr rtlCol="0" anchor="ctr"/>
+          <a:lstStyle/>
+          <a:p>
+            <a:pPr algn="ctr"/>
+            <a:endParaRPr lang="en-US"/>
+          </a:p>
+        </p:txBody>
+      </p:sp>
+      <p:sp>
+        <p:nvSpPr>
+          <p:cNvPr id="81" name="Oval 80">
+            <a:extLst>
+              <a:ext uri="{FF2B5EF4-FFF2-40B4-BE49-F238E27FC236}">
+                <a16:creationId xmlns:a16="http://schemas.microsoft.com/office/drawing/2014/main" id="{B5A1B09C-1565-46F8-B70F-621C5EB48A09}"/>
+              </a:ext>
+              <a:ext uri="{C183D7F6-B498-43B3-948B-1728B52AA6E4}">
+                <adec:decorative xmlns:adec="http://schemas.microsoft.com/office/drawing/2017/decorative" val="1"/>
+              </a:ext>
+            </a:extLst>
+          </p:cNvPr>
+          <p:cNvSpPr>
+            <a:spLocks noGrp="1" noRot="1" noChangeAspect="1" noMove="1" noResize="1" noEditPoints="1" noAdjustHandles="1" noChangeArrowheads="1" noChangeShapeType="1" noTextEdit="1"/>
+          </p:cNvSpPr>
+          <p:nvPr>
+            <p:extLst>
+              <p:ext uri="{386F3935-93C4-4BCD-93E2-E3B085C9AB24}">
+                <p16:designElem xmlns:p16="http://schemas.microsoft.com/office/powerpoint/2015/main" val="1"/>
+              </p:ext>
+            </p:extLst>
+          </p:nvPr>
+        </p:nvSpPr>
+        <p:spPr>
+          <a:xfrm rot="15274173">
+            <a:off x="6059728" y="779270"/>
+            <a:ext cx="4967533" cy="4988390"/>
+          </a:xfrm>
+          <a:prstGeom prst="ellipse">
+            <a:avLst/>
+          </a:prstGeom>
+          <a:gradFill>
+            <a:gsLst>
+              <a:gs pos="0">
+                <a:schemeClr val="accent1">
+                  <a:alpha val="24000"/>
+                </a:schemeClr>
+              </a:gs>
+              <a:gs pos="79000">
+                <a:schemeClr val="accent1">
+                  <a:lumMod val="60000"/>
+                  <a:lumOff val="40000"/>
+                  <a:alpha val="0"/>
+                </a:schemeClr>
+              </a:gs>
+            </a:gsLst>
+            <a:lin ang="14400000" scaled="0"/>
+          </a:gradFill>
+          <a:ln>
+            <a:noFill/>
+          </a:ln>
+        </p:spPr>
+        <p:style>
+          <a:lnRef idx="2">
+            <a:schemeClr val="accent1">
+              <a:shade val="50000"/>
+            </a:schemeClr>
+          </a:lnRef>
+          <a:fillRef idx="1">
+            <a:schemeClr val="accent1"/>
+          </a:fillRef>
+          <a:effectRef idx="0">
+            <a:schemeClr val="accent1"/>
+          </a:effectRef>
+          <a:fontRef idx="minor">
+            <a:schemeClr val="lt1"/>
+          </a:fontRef>
+        </p:style>
+        <p:txBody>
+          <a:bodyPr rtlCol="0" anchor="ctr"/>
+          <a:lstStyle/>
+          <a:p>
+            <a:pPr algn="ctr"/>
+            <a:endParaRPr lang="en-US" dirty="0"/>
+          </a:p>
+        </p:txBody>
+      </p:sp>
+      <p:sp>
+        <p:nvSpPr>
+          <p:cNvPr id="2" name="Title 1">
+            <a:extLst>
+              <a:ext uri="{FF2B5EF4-FFF2-40B4-BE49-F238E27FC236}">
+                <a16:creationId xmlns:a16="http://schemas.microsoft.com/office/drawing/2014/main" id="{10E18539-6F39-B84D-850A-039F1600008A}"/>
+              </a:ext>
+            </a:extLst>
+          </p:cNvPr>
+          <p:cNvSpPr>
+            <a:spLocks noGrp="1"/>
+          </p:cNvSpPr>
+          <p:nvPr>
+            <p:ph type="ctrTitle"/>
+          </p:nvPr>
+        </p:nvSpPr>
+        <p:spPr>
+          <a:xfrm>
+            <a:off x="1386865" y="818984"/>
+            <a:ext cx="6596245" cy="3268520"/>
+          </a:xfrm>
+        </p:spPr>
+        <p:txBody>
+          <a:bodyPr vert="horz" lIns="91440" tIns="45720" rIns="91440" bIns="45720" rtlCol="0" anchor="b">
+            <a:normAutofit/>
+          </a:bodyPr>
+          <a:lstStyle/>
+          <a:p>
+            <a:pPr algn="r"/>
+            <a:r>
+              <a:rPr lang="en-US" sz="4800" kern="1200" dirty="0" err="1">
+                <a:solidFill>
+                  <a:srgbClr val="FFFFFF"/>
+                </a:solidFill>
+                <a:latin typeface="+mj-lt"/>
+                <a:ea typeface="+mj-ea"/>
+                <a:cs typeface="+mj-cs"/>
+              </a:rPr>
+              <a:t>ADTest</a:t>
+            </a:r>
+            <a:r>
+              <a:rPr lang="en-US" sz="4800" kern="1200" dirty="0">
+                <a:solidFill>
+                  <a:srgbClr val="FFFFFF"/>
+                </a:solidFill>
+                <a:latin typeface="+mj-lt"/>
+                <a:ea typeface="+mj-ea"/>
+                <a:cs typeface="+mj-cs"/>
+              </a:rPr>
+              <a:t> Framework POC</a:t>
+            </a:r>
+          </a:p>
+        </p:txBody>
+      </p:sp>
+      <p:sp>
+        <p:nvSpPr>
+          <p:cNvPr id="83" name="Rectangle 82">
+            <a:extLst>
+              <a:ext uri="{FF2B5EF4-FFF2-40B4-BE49-F238E27FC236}">
+                <a16:creationId xmlns:a16="http://schemas.microsoft.com/office/drawing/2014/main" id="{8C516CC8-80AC-446C-A56E-9F54B7210402}"/>
+              </a:ext>
+              <a:ext uri="{C183D7F6-B498-43B3-948B-1728B52AA6E4}">
+                <adec:decorative xmlns:adec="http://schemas.microsoft.com/office/drawing/2017/decorative" val="1"/>
+              </a:ext>
+            </a:extLst>
+          </p:cNvPr>
+          <p:cNvSpPr>
+            <a:spLocks noGrp="1" noRot="1" noChangeAspect="1" noMove="1" noResize="1" noEditPoints="1" noAdjustHandles="1" noChangeArrowheads="1" noChangeShapeType="1" noTextEdit="1"/>
+          </p:cNvSpPr>
+          <p:nvPr>
+            <p:extLst>
+              <p:ext uri="{386F3935-93C4-4BCD-93E2-E3B085C9AB24}">
+                <p16:designElem xmlns:p16="http://schemas.microsoft.com/office/powerpoint/2015/main" val="1"/>
+              </p:ext>
+            </p:extLst>
+          </p:nvPr>
+        </p:nvSpPr>
+        <p:spPr>
+          <a:xfrm rot="10800000" flipH="1">
+            <a:off x="6314" y="4480038"/>
+            <a:ext cx="12179371" cy="2377962"/>
+          </a:xfrm>
+          <a:prstGeom prst="rect">
+            <a:avLst/>
+          </a:prstGeom>
+          <a:gradFill>
+            <a:gsLst>
+              <a:gs pos="0">
+                <a:schemeClr val="accent1">
+                  <a:lumMod val="75000"/>
+                  <a:alpha val="50000"/>
+                </a:schemeClr>
+              </a:gs>
+              <a:gs pos="99000">
+                <a:srgbClr val="000000">
+                  <a:alpha val="34000"/>
+                </a:srgbClr>
+              </a:gs>
+            </a:gsLst>
+            <a:lin ang="17400000" scaled="0"/>
+          </a:gradFill>
+          <a:ln>
+            <a:noFill/>
+          </a:ln>
+        </p:spPr>
+        <p:style>
+          <a:lnRef idx="2">
+            <a:schemeClr val="accent1">
+              <a:shade val="50000"/>
+            </a:schemeClr>
+          </a:lnRef>
+          <a:fillRef idx="1">
+            <a:schemeClr val="accent1"/>
+          </a:fillRef>
+          <a:effectRef idx="0">
+            <a:schemeClr val="accent1"/>
+          </a:effectRef>
+          <a:fontRef idx="minor">
+            <a:schemeClr val="lt1"/>
+          </a:fontRef>
+        </p:style>
+        <p:txBody>
+          <a:bodyPr rtlCol="0" anchor="ctr"/>
+          <a:lstStyle/>
+          <a:p>
+            <a:pPr algn="ctr"/>
+            <a:endParaRPr lang="en-US"/>
+          </a:p>
+        </p:txBody>
+      </p:sp>
+      <p:sp>
+        <p:nvSpPr>
+          <p:cNvPr id="5" name="TextBox 4">
+            <a:extLst>
+              <a:ext uri="{FF2B5EF4-FFF2-40B4-BE49-F238E27FC236}">
+                <a16:creationId xmlns:a16="http://schemas.microsoft.com/office/drawing/2014/main" id="{D0D4A432-6BEE-26FE-5190-59CD0D04CADB}"/>
+              </a:ext>
+            </a:extLst>
+          </p:cNvPr>
+          <p:cNvSpPr txBox="1"/>
+          <p:nvPr/>
+        </p:nvSpPr>
+        <p:spPr>
+          <a:xfrm>
+            <a:off x="1931874" y="4797188"/>
+            <a:ext cx="6051236" cy="1241828"/>
+          </a:xfrm>
+          <a:prstGeom prst="rect">
+            <a:avLst/>
+          </a:prstGeom>
+        </p:spPr>
+        <p:txBody>
+          <a:bodyPr vert="horz" lIns="91440" tIns="45720" rIns="91440" bIns="45720" rtlCol="0">
+            <a:normAutofit/>
+          </a:bodyPr>
+          <a:lstStyle/>
+          <a:p>
+            <a:pPr algn="r">
+              <a:lnSpc>
+                <a:spcPct val="90000"/>
+              </a:lnSpc>
+              <a:spcBef>
+                <a:spcPts val="1000"/>
+              </a:spcBef>
+            </a:pPr>
+            <a:r>
+              <a:rPr lang="en-US" sz="2400" kern="1200" dirty="0">
+                <a:solidFill>
+                  <a:srgbClr val="FFFFFF"/>
+                </a:solidFill>
+                <a:latin typeface="+mn-lt"/>
+                <a:ea typeface="+mn-ea"/>
+                <a:cs typeface="+mn-cs"/>
+              </a:rPr>
+              <a:t>NITIN JOSE PAUL</a:t>
+            </a:r>
+          </a:p>
+        </p:txBody>
+      </p:sp>
+      <p:sp>
+        <p:nvSpPr>
+          <p:cNvPr id="85" name="Rectangle 84">
+            <a:extLst>
+              <a:ext uri="{FF2B5EF4-FFF2-40B4-BE49-F238E27FC236}">
+                <a16:creationId xmlns:a16="http://schemas.microsoft.com/office/drawing/2014/main" id="{53947E58-F088-49F1-A3D1-DEA690192E84}"/>
+              </a:ext>
+              <a:ext uri="{C183D7F6-B498-43B3-948B-1728B52AA6E4}">
+                <adec:decorative xmlns:adec="http://schemas.microsoft.com/office/drawing/2017/decorative" val="1"/>
+              </a:ext>
+            </a:extLst>
+          </p:cNvPr>
+          <p:cNvSpPr>
+            <a:spLocks noGrp="1" noRot="1" noChangeAspect="1" noMove="1" noResize="1" noEditPoints="1" noAdjustHandles="1" noChangeArrowheads="1" noChangeShapeType="1" noTextEdit="1"/>
+          </p:cNvSpPr>
+          <p:nvPr>
+            <p:extLst>
+              <p:ext uri="{386F3935-93C4-4BCD-93E2-E3B085C9AB24}">
+                <p16:designElem xmlns:p16="http://schemas.microsoft.com/office/powerpoint/2015/main" val="1"/>
+              </p:ext>
+            </p:extLst>
+          </p:nvPr>
+        </p:nvSpPr>
+        <p:spPr>
+          <a:xfrm rot="16200000" flipH="1">
+            <a:off x="6967085" y="1632660"/>
+            <a:ext cx="6857572" cy="3592258"/>
+          </a:xfrm>
+          <a:prstGeom prst="rect">
+            <a:avLst/>
+          </a:prstGeom>
+          <a:gradFill>
+            <a:gsLst>
+              <a:gs pos="0">
+                <a:schemeClr val="accent1">
+                  <a:lumMod val="75000"/>
+                  <a:alpha val="50000"/>
+                </a:schemeClr>
+              </a:gs>
+              <a:gs pos="99000">
+                <a:srgbClr val="000000">
+                  <a:alpha val="0"/>
+                </a:srgbClr>
+              </a:gs>
+            </a:gsLst>
+            <a:lin ang="15600000" scaled="0"/>
+          </a:gradFill>
+          <a:ln>
+            <a:noFill/>
           </a:ln>
         </p:spPr>
         <p:style>
@@ -4661,10 +4682,10 @@
       </p:grpSpPr>
       <p:sp useBgFill="1">
         <p:nvSpPr>
-          <p:cNvPr id="11" name="Rectangle 10">
-            <a:extLst>
-              <a:ext uri="{FF2B5EF4-FFF2-40B4-BE49-F238E27FC236}">
-                <a16:creationId xmlns:a16="http://schemas.microsoft.com/office/drawing/2014/main" id="{2B97F24A-32CE-4C1C-A50D-3016B394DCFB}"/>
+          <p:cNvPr id="28" name="Rectangle 17">
+            <a:extLst>
+              <a:ext uri="{FF2B5EF4-FFF2-40B4-BE49-F238E27FC236}">
+                <a16:creationId xmlns:a16="http://schemas.microsoft.com/office/drawing/2014/main" id="{3346177D-ADC4-4968-B747-5CFCD390B5B9}"/>
               </a:ext>
               <a:ext uri="{C183D7F6-B498-43B3-948B-1728B52AA6E4}">
                 <adec:decorative xmlns:adec="http://schemas.microsoft.com/office/drawing/2017/decorative" val="1"/>
@@ -4690,6 +4711,256 @@
           <a:prstGeom prst="rect">
             <a:avLst/>
           </a:prstGeom>
+          <a:ln w="12700" cap="flat" cmpd="sng" algn="ctr">
+            <a:noFill/>
+            <a:prstDash val="solid"/>
+            <a:miter lim="800000"/>
+          </a:ln>
+          <a:effectLst/>
+          <a:extLst>
+            <a:ext uri="{91240B29-F687-4F45-9708-019B960494DF}">
+              <a14:hiddenLine xmlns:a14="http://schemas.microsoft.com/office/drawing/2010/main" w="12700" cap="flat" cmpd="sng" algn="ctr">
+                <a:solidFill>
+                  <a:schemeClr val="accent1">
+                    <a:shade val="50000"/>
+                  </a:schemeClr>
+                </a:solidFill>
+                <a:prstDash val="solid"/>
+                <a:miter lim="800000"/>
+              </a14:hiddenLine>
+            </a:ext>
+          </a:extLst>
+        </p:spPr>
+        <p:style>
+          <a:lnRef idx="2">
+            <a:schemeClr val="accent1">
+              <a:shade val="50000"/>
+            </a:schemeClr>
+          </a:lnRef>
+          <a:fillRef idx="1">
+            <a:schemeClr val="accent1"/>
+          </a:fillRef>
+          <a:effectRef idx="0">
+            <a:schemeClr val="accent1"/>
+          </a:effectRef>
+          <a:fontRef idx="minor">
+            <a:schemeClr val="lt1"/>
+          </a:fontRef>
+        </p:style>
+        <p:txBody>
+          <a:bodyPr rtlCol="0" anchor="ctr"/>
+          <a:lstStyle/>
+          <a:p>
+            <a:pPr algn="ctr"/>
+            <a:endParaRPr lang="en-US"/>
+          </a:p>
+        </p:txBody>
+      </p:sp>
+      <p:sp>
+        <p:nvSpPr>
+          <p:cNvPr id="2" name="Title 1">
+            <a:extLst>
+              <a:ext uri="{FF2B5EF4-FFF2-40B4-BE49-F238E27FC236}">
+                <a16:creationId xmlns:a16="http://schemas.microsoft.com/office/drawing/2014/main" id="{06950487-884B-72CE-D4E1-27CDBD5751C8}"/>
+              </a:ext>
+            </a:extLst>
+          </p:cNvPr>
+          <p:cNvSpPr>
+            <a:spLocks noGrp="1"/>
+          </p:cNvSpPr>
+          <p:nvPr>
+            <p:ph type="title"/>
+          </p:nvPr>
+        </p:nvSpPr>
+        <p:spPr>
+          <a:xfrm>
+            <a:off x="5596501" y="489508"/>
+            <a:ext cx="5754896" cy="1667569"/>
+          </a:xfrm>
+        </p:spPr>
+        <p:txBody>
+          <a:bodyPr anchor="b">
+            <a:normAutofit/>
+          </a:bodyPr>
+          <a:lstStyle/>
+          <a:p>
+            <a:r>
+              <a:rPr lang="en-US" sz="4000" dirty="0"/>
+              <a:t>Features &amp; Components</a:t>
+            </a:r>
+          </a:p>
+        </p:txBody>
+      </p:sp>
+      <p:pic>
+        <p:nvPicPr>
+          <p:cNvPr id="10" name="Picture 9">
+            <a:extLst>
+              <a:ext uri="{FF2B5EF4-FFF2-40B4-BE49-F238E27FC236}">
+                <a16:creationId xmlns:a16="http://schemas.microsoft.com/office/drawing/2014/main" id="{7B028AED-4497-DBC5-5729-41E6EA338616}"/>
+              </a:ext>
+            </a:extLst>
+          </p:cNvPr>
+          <p:cNvPicPr>
+            <a:picLocks noChangeAspect="1"/>
+          </p:cNvPicPr>
+          <p:nvPr/>
+        </p:nvPicPr>
+        <p:blipFill>
+          <a:blip r:embed="rId2"/>
+          <a:stretch>
+            <a:fillRect/>
+          </a:stretch>
+        </p:blipFill>
+        <p:spPr>
+          <a:xfrm>
+            <a:off x="507847" y="757382"/>
+            <a:ext cx="5088654" cy="4581237"/>
+          </a:xfrm>
+          <a:prstGeom prst="rect">
+            <a:avLst/>
+          </a:prstGeom>
+        </p:spPr>
+      </p:pic>
+      <p:sp>
+        <p:nvSpPr>
+          <p:cNvPr id="3" name="Content Placeholder 2">
+            <a:extLst>
+              <a:ext uri="{FF2B5EF4-FFF2-40B4-BE49-F238E27FC236}">
+                <a16:creationId xmlns:a16="http://schemas.microsoft.com/office/drawing/2014/main" id="{B23FB75D-03AF-7829-33CA-627576D01683}"/>
+              </a:ext>
+            </a:extLst>
+          </p:cNvPr>
+          <p:cNvSpPr>
+            <a:spLocks noGrp="1"/>
+          </p:cNvSpPr>
+          <p:nvPr>
+            <p:ph idx="1"/>
+          </p:nvPr>
+        </p:nvSpPr>
+        <p:spPr>
+          <a:xfrm>
+            <a:off x="5596502" y="2405894"/>
+            <a:ext cx="5754896" cy="3197464"/>
+          </a:xfrm>
+        </p:spPr>
+        <p:txBody>
+          <a:bodyPr anchor="t">
+            <a:normAutofit/>
+          </a:bodyPr>
+          <a:lstStyle/>
+          <a:p>
+            <a:pPr marL="457200" lvl="1" indent="0">
+              <a:buNone/>
+            </a:pPr>
+            <a:endParaRPr lang="en-US" sz="2000"/>
+          </a:p>
+          <a:p>
+            <a:r>
+              <a:rPr lang="en-US" sz="2000"/>
+              <a:t>A small UI developed using Python Tkinter</a:t>
+            </a:r>
+          </a:p>
+          <a:p>
+            <a:pPr lvl="1"/>
+            <a:r>
+              <a:rPr lang="en-US" sz="2000" b="1"/>
+              <a:t>Test </a:t>
+            </a:r>
+            <a:r>
+              <a:rPr lang="en-US" sz="2000"/>
+              <a:t>section</a:t>
+            </a:r>
+            <a:r>
+              <a:rPr lang="en-US" sz="2000" b="1"/>
+              <a:t> </a:t>
+            </a:r>
+            <a:r>
+              <a:rPr lang="en-US" sz="2000"/>
+              <a:t>to configure and</a:t>
+            </a:r>
+            <a:r>
+              <a:rPr lang="en-US" sz="2000" b="1"/>
+              <a:t> </a:t>
+            </a:r>
+            <a:r>
+              <a:rPr lang="en-US" sz="2000"/>
+              <a:t>start test execution.</a:t>
+            </a:r>
+          </a:p>
+          <a:p>
+            <a:pPr lvl="1"/>
+            <a:r>
+              <a:rPr lang="en-US" sz="2000" b="1"/>
+              <a:t>Logs </a:t>
+            </a:r>
+            <a:r>
+              <a:rPr lang="en-US" sz="2000"/>
+              <a:t>section</a:t>
+            </a:r>
+            <a:r>
+              <a:rPr lang="en-US" sz="2000" b="1"/>
+              <a:t> </a:t>
+            </a:r>
+            <a:r>
+              <a:rPr lang="en-US" sz="2000"/>
+              <a:t>with high level logs.</a:t>
+            </a:r>
+          </a:p>
+          <a:p>
+            <a:pPr lvl="1"/>
+            <a:r>
+              <a:rPr lang="en-US" sz="2000" b="1"/>
+              <a:t>Status Bar</a:t>
+            </a:r>
+            <a:r>
+              <a:rPr lang="en-US" sz="2000"/>
+              <a:t> with execution status.</a:t>
+            </a:r>
+          </a:p>
+        </p:txBody>
+      </p:sp>
+      <p:sp>
+        <p:nvSpPr>
+          <p:cNvPr id="29" name="Rectangle 19">
+            <a:extLst>
+              <a:ext uri="{FF2B5EF4-FFF2-40B4-BE49-F238E27FC236}">
+                <a16:creationId xmlns:a16="http://schemas.microsoft.com/office/drawing/2014/main" id="{0844A943-BF79-4FEA-ABB1-3BD54D236606}"/>
+              </a:ext>
+              <a:ext uri="{C183D7F6-B498-43B3-948B-1728B52AA6E4}">
+                <adec:decorative xmlns:adec="http://schemas.microsoft.com/office/drawing/2017/decorative" val="1"/>
+              </a:ext>
+            </a:extLst>
+          </p:cNvPr>
+          <p:cNvSpPr>
+            <a:spLocks noGrp="1" noRot="1" noChangeAspect="1" noMove="1" noResize="1" noEditPoints="1" noAdjustHandles="1" noChangeArrowheads="1" noChangeShapeType="1" noTextEdit="1"/>
+          </p:cNvSpPr>
+          <p:nvPr>
+            <p:extLst>
+              <p:ext uri="{386F3935-93C4-4BCD-93E2-E3B085C9AB24}">
+                <p16:designElem xmlns:p16="http://schemas.microsoft.com/office/powerpoint/2015/main" val="1"/>
+              </p:ext>
+            </p:extLst>
+          </p:nvPr>
+        </p:nvSpPr>
+        <p:spPr>
+          <a:xfrm rot="10800000" flipH="1">
+            <a:off x="0" y="6400799"/>
+            <a:ext cx="12192000" cy="456773"/>
+          </a:xfrm>
+          <a:prstGeom prst="rect">
+            <a:avLst/>
+          </a:prstGeom>
+          <a:gradFill>
+            <a:gsLst>
+              <a:gs pos="0">
+                <a:schemeClr val="accent1"/>
+              </a:gs>
+              <a:gs pos="90000">
+                <a:srgbClr val="000000"/>
+              </a:gs>
+            </a:gsLst>
+            <a:lin ang="2400000" scaled="0"/>
+          </a:gradFill>
           <a:ln>
             <a:noFill/>
           </a:ln>
@@ -4721,45 +4992,10 @@
       </p:sp>
       <p:sp>
         <p:nvSpPr>
-          <p:cNvPr id="2" name="Title 1">
-            <a:extLst>
-              <a:ext uri="{FF2B5EF4-FFF2-40B4-BE49-F238E27FC236}">
-                <a16:creationId xmlns:a16="http://schemas.microsoft.com/office/drawing/2014/main" id="{06950487-884B-72CE-D4E1-27CDBD5751C8}"/>
-              </a:ext>
-            </a:extLst>
-          </p:cNvPr>
-          <p:cNvSpPr>
-            <a:spLocks noGrp="1"/>
-          </p:cNvSpPr>
-          <p:nvPr>
-            <p:ph type="title"/>
-          </p:nvPr>
-        </p:nvSpPr>
-        <p:spPr>
-          <a:xfrm>
-            <a:off x="630936" y="639520"/>
-            <a:ext cx="3429000" cy="1719072"/>
-          </a:xfrm>
-        </p:spPr>
-        <p:txBody>
-          <a:bodyPr anchor="b">
-            <a:normAutofit/>
-          </a:bodyPr>
-          <a:lstStyle/>
-          <a:p>
-            <a:r>
-              <a:rPr lang="en-US" sz="4600" dirty="0"/>
-              <a:t>Features &amp; Components</a:t>
-            </a:r>
-          </a:p>
-        </p:txBody>
-      </p:sp>
-      <p:sp>
-        <p:nvSpPr>
-          <p:cNvPr id="13" name="sketch line">
-            <a:extLst>
-              <a:ext uri="{FF2B5EF4-FFF2-40B4-BE49-F238E27FC236}">
-                <a16:creationId xmlns:a16="http://schemas.microsoft.com/office/drawing/2014/main" id="{CD8B4F24-440B-49E9-B85D-733523DC064B}"/>
+          <p:cNvPr id="30" name="Rectangle 21">
+            <a:extLst>
+              <a:ext uri="{FF2B5EF4-FFF2-40B4-BE49-F238E27FC236}">
+                <a16:creationId xmlns:a16="http://schemas.microsoft.com/office/drawing/2014/main" id="{6437CC72-F4A8-4DC3-AFAB-D22C482C8100}"/>
               </a:ext>
               <a:ext uri="{C183D7F6-B498-43B3-948B-1728B52AA6E4}">
                 <adec:decorative xmlns:adec="http://schemas.microsoft.com/office/drawing/2017/decorative" val="1"/>
@@ -4778,228 +5014,30 @@
           </p:nvPr>
         </p:nvSpPr>
         <p:spPr>
-          <a:xfrm>
-            <a:off x="643278" y="2573756"/>
-            <a:ext cx="3255095" cy="18288"/>
+          <a:xfrm flipH="1">
+            <a:off x="4038600" y="6400799"/>
+            <a:ext cx="8153398" cy="456772"/>
           </a:xfrm>
-          <a:custGeom>
+          <a:prstGeom prst="rect">
             <a:avLst/>
-            <a:gdLst>
-              <a:gd name="connsiteX0" fmla="*/ 0 w 3255095"/>
-              <a:gd name="connsiteY0" fmla="*/ 0 h 18288"/>
-              <a:gd name="connsiteX1" fmla="*/ 618468 w 3255095"/>
-              <a:gd name="connsiteY1" fmla="*/ 0 h 18288"/>
-              <a:gd name="connsiteX2" fmla="*/ 1269487 w 3255095"/>
-              <a:gd name="connsiteY2" fmla="*/ 0 h 18288"/>
-              <a:gd name="connsiteX3" fmla="*/ 1953057 w 3255095"/>
-              <a:gd name="connsiteY3" fmla="*/ 0 h 18288"/>
-              <a:gd name="connsiteX4" fmla="*/ 2636627 w 3255095"/>
-              <a:gd name="connsiteY4" fmla="*/ 0 h 18288"/>
-              <a:gd name="connsiteX5" fmla="*/ 3255095 w 3255095"/>
-              <a:gd name="connsiteY5" fmla="*/ 0 h 18288"/>
-              <a:gd name="connsiteX6" fmla="*/ 3255095 w 3255095"/>
-              <a:gd name="connsiteY6" fmla="*/ 18288 h 18288"/>
-              <a:gd name="connsiteX7" fmla="*/ 2538974 w 3255095"/>
-              <a:gd name="connsiteY7" fmla="*/ 18288 h 18288"/>
-              <a:gd name="connsiteX8" fmla="*/ 1822853 w 3255095"/>
-              <a:gd name="connsiteY8" fmla="*/ 18288 h 18288"/>
-              <a:gd name="connsiteX9" fmla="*/ 1171834 w 3255095"/>
-              <a:gd name="connsiteY9" fmla="*/ 18288 h 18288"/>
-              <a:gd name="connsiteX10" fmla="*/ 0 w 3255095"/>
-              <a:gd name="connsiteY10" fmla="*/ 18288 h 18288"/>
-              <a:gd name="connsiteX11" fmla="*/ 0 w 3255095"/>
-              <a:gd name="connsiteY11" fmla="*/ 0 h 18288"/>
-            </a:gdLst>
-            <a:ahLst/>
-            <a:cxnLst>
-              <a:cxn ang="0">
-                <a:pos x="connsiteX0" y="connsiteY0"/>
-              </a:cxn>
-              <a:cxn ang="0">
-                <a:pos x="connsiteX1" y="connsiteY1"/>
-              </a:cxn>
-              <a:cxn ang="0">
-                <a:pos x="connsiteX2" y="connsiteY2"/>
-              </a:cxn>
-              <a:cxn ang="0">
-                <a:pos x="connsiteX3" y="connsiteY3"/>
-              </a:cxn>
-              <a:cxn ang="0">
-                <a:pos x="connsiteX4" y="connsiteY4"/>
-              </a:cxn>
-              <a:cxn ang="0">
-                <a:pos x="connsiteX5" y="connsiteY5"/>
-              </a:cxn>
-              <a:cxn ang="0">
-                <a:pos x="connsiteX6" y="connsiteY6"/>
-              </a:cxn>
-              <a:cxn ang="0">
-                <a:pos x="connsiteX7" y="connsiteY7"/>
-              </a:cxn>
-              <a:cxn ang="0">
-                <a:pos x="connsiteX8" y="connsiteY8"/>
-              </a:cxn>
-              <a:cxn ang="0">
-                <a:pos x="connsiteX9" y="connsiteY9"/>
-              </a:cxn>
-              <a:cxn ang="0">
-                <a:pos x="connsiteX10" y="connsiteY10"/>
-              </a:cxn>
-              <a:cxn ang="0">
-                <a:pos x="connsiteX11" y="connsiteY11"/>
-              </a:cxn>
-            </a:cxnLst>
-            <a:rect l="l" t="t" r="r" b="b"/>
-            <a:pathLst>
-              <a:path w="3255095" h="18288" fill="none" extrusionOk="0">
-                <a:moveTo>
-                  <a:pt x="0" y="0"/>
-                </a:moveTo>
-                <a:cubicBezTo>
-                  <a:pt x="240201" y="-22123"/>
-                  <a:pt x="462021" y="-19623"/>
-                  <a:pt x="618468" y="0"/>
-                </a:cubicBezTo>
-                <a:cubicBezTo>
-                  <a:pt x="774915" y="19623"/>
-                  <a:pt x="974734" y="2035"/>
-                  <a:pt x="1269487" y="0"/>
-                </a:cubicBezTo>
-                <a:cubicBezTo>
-                  <a:pt x="1564240" y="-2035"/>
-                  <a:pt x="1733579" y="10639"/>
-                  <a:pt x="1953057" y="0"/>
-                </a:cubicBezTo>
-                <a:cubicBezTo>
-                  <a:pt x="2172535" y="-10639"/>
-                  <a:pt x="2453962" y="14018"/>
-                  <a:pt x="2636627" y="0"/>
-                </a:cubicBezTo>
-                <a:cubicBezTo>
-                  <a:pt x="2819292" y="-14018"/>
-                  <a:pt x="3121375" y="5399"/>
-                  <a:pt x="3255095" y="0"/>
-                </a:cubicBezTo>
-                <a:cubicBezTo>
-                  <a:pt x="3254386" y="8157"/>
-                  <a:pt x="3254682" y="12125"/>
-                  <a:pt x="3255095" y="18288"/>
-                </a:cubicBezTo>
-                <a:cubicBezTo>
-                  <a:pt x="3088545" y="23203"/>
-                  <a:pt x="2687475" y="7419"/>
-                  <a:pt x="2538974" y="18288"/>
-                </a:cubicBezTo>
-                <a:cubicBezTo>
-                  <a:pt x="2390473" y="29157"/>
-                  <a:pt x="2137381" y="-8959"/>
-                  <a:pt x="1822853" y="18288"/>
-                </a:cubicBezTo>
-                <a:cubicBezTo>
-                  <a:pt x="1508325" y="45535"/>
-                  <a:pt x="1466437" y="20385"/>
-                  <a:pt x="1171834" y="18288"/>
-                </a:cubicBezTo>
-                <a:cubicBezTo>
-                  <a:pt x="877231" y="16191"/>
-                  <a:pt x="561097" y="37643"/>
-                  <a:pt x="0" y="18288"/>
-                </a:cubicBezTo>
-                <a:cubicBezTo>
-                  <a:pt x="-46" y="12483"/>
-                  <a:pt x="-203" y="6491"/>
-                  <a:pt x="0" y="0"/>
-                </a:cubicBezTo>
-                <a:close/>
-              </a:path>
-              <a:path w="3255095" h="18288" stroke="0" extrusionOk="0">
-                <a:moveTo>
-                  <a:pt x="0" y="0"/>
-                </a:moveTo>
-                <a:cubicBezTo>
-                  <a:pt x="291965" y="19429"/>
-                  <a:pt x="363155" y="8568"/>
-                  <a:pt x="618468" y="0"/>
-                </a:cubicBezTo>
-                <a:cubicBezTo>
-                  <a:pt x="873781" y="-8568"/>
-                  <a:pt x="904459" y="-19505"/>
-                  <a:pt x="1171834" y="0"/>
-                </a:cubicBezTo>
-                <a:cubicBezTo>
-                  <a:pt x="1439209" y="19505"/>
-                  <a:pt x="1744369" y="9790"/>
-                  <a:pt x="1887955" y="0"/>
-                </a:cubicBezTo>
-                <a:cubicBezTo>
-                  <a:pt x="2031541" y="-9790"/>
-                  <a:pt x="2346378" y="21240"/>
-                  <a:pt x="2506423" y="0"/>
-                </a:cubicBezTo>
-                <a:cubicBezTo>
-                  <a:pt x="2666468" y="-21240"/>
-                  <a:pt x="2990257" y="30414"/>
-                  <a:pt x="3255095" y="0"/>
-                </a:cubicBezTo>
-                <a:cubicBezTo>
-                  <a:pt x="3254831" y="4493"/>
-                  <a:pt x="3255479" y="9472"/>
-                  <a:pt x="3255095" y="18288"/>
-                </a:cubicBezTo>
-                <a:cubicBezTo>
-                  <a:pt x="3120743" y="16690"/>
-                  <a:pt x="2759628" y="42462"/>
-                  <a:pt x="2604076" y="18288"/>
-                </a:cubicBezTo>
-                <a:cubicBezTo>
-                  <a:pt x="2448524" y="-5886"/>
-                  <a:pt x="2184336" y="19599"/>
-                  <a:pt x="1887955" y="18288"/>
-                </a:cubicBezTo>
-                <a:cubicBezTo>
-                  <a:pt x="1591574" y="16977"/>
-                  <a:pt x="1548845" y="6870"/>
-                  <a:pt x="1334589" y="18288"/>
-                </a:cubicBezTo>
-                <a:cubicBezTo>
-                  <a:pt x="1120333" y="29706"/>
-                  <a:pt x="996014" y="9662"/>
-                  <a:pt x="683570" y="18288"/>
-                </a:cubicBezTo>
-                <a:cubicBezTo>
-                  <a:pt x="371126" y="26914"/>
-                  <a:pt x="198687" y="16167"/>
-                  <a:pt x="0" y="18288"/>
-                </a:cubicBezTo>
-                <a:cubicBezTo>
-                  <a:pt x="843" y="9577"/>
-                  <a:pt x="371" y="6900"/>
-                  <a:pt x="0" y="0"/>
-                </a:cubicBezTo>
-                <a:close/>
-              </a:path>
-            </a:pathLst>
-          </a:custGeom>
-          <a:solidFill>
-            <a:schemeClr val="accent2"/>
-          </a:solidFill>
-          <a:ln w="38100" cap="rnd">
-            <a:solidFill>
-              <a:schemeClr val="accent2"/>
-            </a:solidFill>
-            <a:round/>
-            <a:extLst>
-              <a:ext uri="{C807C97D-BFC1-408E-A445-0C87EB9F89A2}">
-                <ask:lineSketchStyleProps xmlns:ask="http://schemas.microsoft.com/office/drawing/2018/sketchyshapes" sd="1219033472">
-                  <a:prstGeom prst="rect">
-                    <a:avLst/>
-                  </a:prstGeom>
-                  <ask:type>
-                    <ask:lineSketchFreehand/>
-                  </ask:type>
-                </ask:lineSketchStyleProps>
-              </a:ext>
-            </a:extLst>
+          </a:prstGeom>
+          <a:gradFill>
+            <a:gsLst>
+              <a:gs pos="0">
+                <a:srgbClr val="000000">
+                  <a:alpha val="50000"/>
+                </a:srgbClr>
+              </a:gs>
+              <a:gs pos="100000">
+                <a:schemeClr val="accent1">
+                  <a:lumMod val="75000"/>
+                </a:schemeClr>
+              </a:gs>
+            </a:gsLst>
+            <a:lin ang="13800000" scaled="0"/>
+          </a:gradFill>
+          <a:ln>
+            <a:noFill/>
           </a:ln>
         </p:spPr>
         <p:style>
@@ -5027,134 +5065,6 @@
           </a:p>
         </p:txBody>
       </p:sp>
-      <p:sp>
-        <p:nvSpPr>
-          <p:cNvPr id="3" name="Content Placeholder 2">
-            <a:extLst>
-              <a:ext uri="{FF2B5EF4-FFF2-40B4-BE49-F238E27FC236}">
-                <a16:creationId xmlns:a16="http://schemas.microsoft.com/office/drawing/2014/main" id="{B23FB75D-03AF-7829-33CA-627576D01683}"/>
-              </a:ext>
-            </a:extLst>
-          </p:cNvPr>
-          <p:cNvSpPr>
-            <a:spLocks noGrp="1"/>
-          </p:cNvSpPr>
-          <p:nvPr>
-            <p:ph idx="1"/>
-          </p:nvPr>
-        </p:nvSpPr>
-        <p:spPr>
-          <a:xfrm>
-            <a:off x="630936" y="2807208"/>
-            <a:ext cx="3429000" cy="3410712"/>
-          </a:xfrm>
-        </p:spPr>
-        <p:txBody>
-          <a:bodyPr anchor="t">
-            <a:normAutofit lnSpcReduction="10000"/>
-          </a:bodyPr>
-          <a:lstStyle/>
-          <a:p>
-            <a:pPr marL="457200" lvl="1" indent="0">
-              <a:buNone/>
-            </a:pPr>
-            <a:endParaRPr lang="en-US" sz="2200" dirty="0"/>
-          </a:p>
-          <a:p>
-            <a:r>
-              <a:rPr lang="en-US" sz="2200" dirty="0"/>
-              <a:t>A small UI developed using Python Tkinter</a:t>
-            </a:r>
-          </a:p>
-          <a:p>
-            <a:pPr lvl="1"/>
-            <a:r>
-              <a:rPr lang="en-US" sz="2200" b="1" dirty="0"/>
-              <a:t>Test </a:t>
-            </a:r>
-            <a:r>
-              <a:rPr lang="en-US" sz="2200" dirty="0"/>
-              <a:t>section</a:t>
-            </a:r>
-            <a:r>
-              <a:rPr lang="en-US" sz="2200" b="1" dirty="0"/>
-              <a:t> </a:t>
-            </a:r>
-            <a:r>
-              <a:rPr lang="en-US" sz="2200" dirty="0"/>
-              <a:t>to configure and</a:t>
-            </a:r>
-            <a:r>
-              <a:rPr lang="en-US" sz="2200" b="1" dirty="0"/>
-              <a:t> </a:t>
-            </a:r>
-            <a:r>
-              <a:rPr lang="en-US" sz="2200" dirty="0"/>
-              <a:t>start test execution.</a:t>
-            </a:r>
-          </a:p>
-          <a:p>
-            <a:pPr lvl="1"/>
-            <a:r>
-              <a:rPr lang="en-US" sz="2200" b="1" dirty="0"/>
-              <a:t>Logs </a:t>
-            </a:r>
-            <a:r>
-              <a:rPr lang="en-US" sz="2200" dirty="0"/>
-              <a:t>section</a:t>
-            </a:r>
-            <a:r>
-              <a:rPr lang="en-US" sz="2200" b="1" dirty="0"/>
-              <a:t> </a:t>
-            </a:r>
-            <a:r>
-              <a:rPr lang="en-US" sz="2200" dirty="0"/>
-              <a:t>with high level logs.</a:t>
-            </a:r>
-          </a:p>
-          <a:p>
-            <a:pPr lvl="1"/>
-            <a:r>
-              <a:rPr lang="en-US" sz="2200" b="1" dirty="0"/>
-              <a:t>Status Bar</a:t>
-            </a:r>
-            <a:r>
-              <a:rPr lang="en-US" sz="2200" dirty="0"/>
-              <a:t> with execution status.</a:t>
-            </a:r>
-          </a:p>
-        </p:txBody>
-      </p:sp>
-      <p:pic>
-        <p:nvPicPr>
-          <p:cNvPr id="10" name="Picture 9">
-            <a:extLst>
-              <a:ext uri="{FF2B5EF4-FFF2-40B4-BE49-F238E27FC236}">
-                <a16:creationId xmlns:a16="http://schemas.microsoft.com/office/drawing/2014/main" id="{7B028AED-4497-DBC5-5729-41E6EA338616}"/>
-              </a:ext>
-            </a:extLst>
-          </p:cNvPr>
-          <p:cNvPicPr>
-            <a:picLocks noChangeAspect="1"/>
-          </p:cNvPicPr>
-          <p:nvPr/>
-        </p:nvPicPr>
-        <p:blipFill>
-          <a:blip r:embed="rId2"/>
-          <a:stretch>
-            <a:fillRect/>
-          </a:stretch>
-        </p:blipFill>
-        <p:spPr>
-          <a:xfrm>
-            <a:off x="4690872" y="419100"/>
-            <a:ext cx="6686550" cy="6019800"/>
-          </a:xfrm>
-          <a:prstGeom prst="rect">
-            <a:avLst/>
-          </a:prstGeom>
-        </p:spPr>
-      </p:pic>
     </p:spTree>
     <p:extLst>
       <p:ext uri="{BB962C8B-B14F-4D97-AF65-F5344CB8AC3E}">
@@ -5195,10 +5105,10 @@
       </p:grpSpPr>
       <p:sp useBgFill="1">
         <p:nvSpPr>
-          <p:cNvPr id="11" name="Rectangle 10">
-            <a:extLst>
-              <a:ext uri="{FF2B5EF4-FFF2-40B4-BE49-F238E27FC236}">
-                <a16:creationId xmlns:a16="http://schemas.microsoft.com/office/drawing/2014/main" id="{2B97F24A-32CE-4C1C-A50D-3016B394DCFB}"/>
+          <p:cNvPr id="18" name="Rectangle 17">
+            <a:extLst>
+              <a:ext uri="{FF2B5EF4-FFF2-40B4-BE49-F238E27FC236}">
+                <a16:creationId xmlns:a16="http://schemas.microsoft.com/office/drawing/2014/main" id="{979E27D9-03C7-44E2-9FF8-15D0C8506AF7}"/>
               </a:ext>
               <a:ext uri="{C183D7F6-B498-43B3-948B-1728B52AA6E4}">
                 <adec:decorative xmlns:adec="http://schemas.microsoft.com/office/drawing/2017/decorative" val="1"/>
@@ -5224,9 +5134,25 @@
           <a:prstGeom prst="rect">
             <a:avLst/>
           </a:prstGeom>
-          <a:ln>
+          <a:ln w="12700" cap="flat" cmpd="sng" algn="ctr">
             <a:noFill/>
+            <a:prstDash val="solid"/>
+            <a:miter lim="800000"/>
           </a:ln>
+          <a:effectLst/>
+          <a:extLst>
+            <a:ext uri="{91240B29-F687-4F45-9708-019B960494DF}">
+              <a14:hiddenLine xmlns:a14="http://schemas.microsoft.com/office/drawing/2010/main" w="12700" cap="flat" cmpd="sng" algn="ctr">
+                <a:solidFill>
+                  <a:schemeClr val="accent1">
+                    <a:shade val="50000"/>
+                  </a:schemeClr>
+                </a:solidFill>
+                <a:prstDash val="solid"/>
+                <a:miter lim="800000"/>
+              </a14:hiddenLine>
+            </a:ext>
+          </a:extLst>
         </p:spPr>
         <p:style>
           <a:lnRef idx="2">
@@ -5271,8 +5197,8 @@
         </p:nvSpPr>
         <p:spPr>
           <a:xfrm>
-            <a:off x="630936" y="639520"/>
-            <a:ext cx="3429000" cy="1719072"/>
+            <a:off x="1136397" y="502021"/>
+            <a:ext cx="4959603" cy="1642969"/>
           </a:xfrm>
         </p:spPr>
         <p:txBody>
@@ -5282,7 +5208,7 @@
           <a:lstStyle/>
           <a:p>
             <a:r>
-              <a:rPr lang="en-US" sz="4600" kern="1200" dirty="0">
+              <a:rPr lang="en-US" sz="4000" kern="1200" dirty="0">
                 <a:solidFill>
                   <a:schemeClr val="tx1"/>
                 </a:solidFill>
@@ -5297,295 +5223,22 @@
       </p:sp>
       <p:sp>
         <p:nvSpPr>
-          <p:cNvPr id="13" name="sketch line">
-            <a:extLst>
-              <a:ext uri="{FF2B5EF4-FFF2-40B4-BE49-F238E27FC236}">
-                <a16:creationId xmlns:a16="http://schemas.microsoft.com/office/drawing/2014/main" id="{CD8B4F24-440B-49E9-B85D-733523DC064B}"/>
-              </a:ext>
-              <a:ext uri="{C183D7F6-B498-43B3-948B-1728B52AA6E4}">
-                <adec:decorative xmlns:adec="http://schemas.microsoft.com/office/drawing/2017/decorative" val="1"/>
-              </a:ext>
-            </a:extLst>
-          </p:cNvPr>
-          <p:cNvSpPr>
-            <a:spLocks noGrp="1" noRot="1" noChangeAspect="1" noMove="1" noResize="1" noEditPoints="1" noAdjustHandles="1" noChangeArrowheads="1" noChangeShapeType="1" noTextEdit="1"/>
-          </p:cNvSpPr>
-          <p:nvPr>
-            <p:extLst>
-              <p:ext uri="{386F3935-93C4-4BCD-93E2-E3B085C9AB24}">
-                <p16:designElem xmlns:p16="http://schemas.microsoft.com/office/powerpoint/2015/main" val="1"/>
-              </p:ext>
-            </p:extLst>
-          </p:nvPr>
+          <p:cNvPr id="6" name="Content Placeholder 2">
+            <a:extLst>
+              <a:ext uri="{FF2B5EF4-FFF2-40B4-BE49-F238E27FC236}">
+                <a16:creationId xmlns:a16="http://schemas.microsoft.com/office/drawing/2014/main" id="{4B181B6B-C5A4-2BA2-8829-3E3243FEE3B8}"/>
+              </a:ext>
+            </a:extLst>
+          </p:cNvPr>
+          <p:cNvSpPr txBox="1">
+            <a:spLocks/>
+          </p:cNvSpPr>
+          <p:nvPr/>
         </p:nvSpPr>
         <p:spPr>
           <a:xfrm>
-            <a:off x="643278" y="2573756"/>
-            <a:ext cx="3255095" cy="18288"/>
-          </a:xfrm>
-          <a:custGeom>
-            <a:avLst/>
-            <a:gdLst>
-              <a:gd name="connsiteX0" fmla="*/ 0 w 3255095"/>
-              <a:gd name="connsiteY0" fmla="*/ 0 h 18288"/>
-              <a:gd name="connsiteX1" fmla="*/ 618468 w 3255095"/>
-              <a:gd name="connsiteY1" fmla="*/ 0 h 18288"/>
-              <a:gd name="connsiteX2" fmla="*/ 1269487 w 3255095"/>
-              <a:gd name="connsiteY2" fmla="*/ 0 h 18288"/>
-              <a:gd name="connsiteX3" fmla="*/ 1953057 w 3255095"/>
-              <a:gd name="connsiteY3" fmla="*/ 0 h 18288"/>
-              <a:gd name="connsiteX4" fmla="*/ 2636627 w 3255095"/>
-              <a:gd name="connsiteY4" fmla="*/ 0 h 18288"/>
-              <a:gd name="connsiteX5" fmla="*/ 3255095 w 3255095"/>
-              <a:gd name="connsiteY5" fmla="*/ 0 h 18288"/>
-              <a:gd name="connsiteX6" fmla="*/ 3255095 w 3255095"/>
-              <a:gd name="connsiteY6" fmla="*/ 18288 h 18288"/>
-              <a:gd name="connsiteX7" fmla="*/ 2538974 w 3255095"/>
-              <a:gd name="connsiteY7" fmla="*/ 18288 h 18288"/>
-              <a:gd name="connsiteX8" fmla="*/ 1822853 w 3255095"/>
-              <a:gd name="connsiteY8" fmla="*/ 18288 h 18288"/>
-              <a:gd name="connsiteX9" fmla="*/ 1171834 w 3255095"/>
-              <a:gd name="connsiteY9" fmla="*/ 18288 h 18288"/>
-              <a:gd name="connsiteX10" fmla="*/ 0 w 3255095"/>
-              <a:gd name="connsiteY10" fmla="*/ 18288 h 18288"/>
-              <a:gd name="connsiteX11" fmla="*/ 0 w 3255095"/>
-              <a:gd name="connsiteY11" fmla="*/ 0 h 18288"/>
-            </a:gdLst>
-            <a:ahLst/>
-            <a:cxnLst>
-              <a:cxn ang="0">
-                <a:pos x="connsiteX0" y="connsiteY0"/>
-              </a:cxn>
-              <a:cxn ang="0">
-                <a:pos x="connsiteX1" y="connsiteY1"/>
-              </a:cxn>
-              <a:cxn ang="0">
-                <a:pos x="connsiteX2" y="connsiteY2"/>
-              </a:cxn>
-              <a:cxn ang="0">
-                <a:pos x="connsiteX3" y="connsiteY3"/>
-              </a:cxn>
-              <a:cxn ang="0">
-                <a:pos x="connsiteX4" y="connsiteY4"/>
-              </a:cxn>
-              <a:cxn ang="0">
-                <a:pos x="connsiteX5" y="connsiteY5"/>
-              </a:cxn>
-              <a:cxn ang="0">
-                <a:pos x="connsiteX6" y="connsiteY6"/>
-              </a:cxn>
-              <a:cxn ang="0">
-                <a:pos x="connsiteX7" y="connsiteY7"/>
-              </a:cxn>
-              <a:cxn ang="0">
-                <a:pos x="connsiteX8" y="connsiteY8"/>
-              </a:cxn>
-              <a:cxn ang="0">
-                <a:pos x="connsiteX9" y="connsiteY9"/>
-              </a:cxn>
-              <a:cxn ang="0">
-                <a:pos x="connsiteX10" y="connsiteY10"/>
-              </a:cxn>
-              <a:cxn ang="0">
-                <a:pos x="connsiteX11" y="connsiteY11"/>
-              </a:cxn>
-            </a:cxnLst>
-            <a:rect l="l" t="t" r="r" b="b"/>
-            <a:pathLst>
-              <a:path w="3255095" h="18288" fill="none" extrusionOk="0">
-                <a:moveTo>
-                  <a:pt x="0" y="0"/>
-                </a:moveTo>
-                <a:cubicBezTo>
-                  <a:pt x="240201" y="-22123"/>
-                  <a:pt x="462021" y="-19623"/>
-                  <a:pt x="618468" y="0"/>
-                </a:cubicBezTo>
-                <a:cubicBezTo>
-                  <a:pt x="774915" y="19623"/>
-                  <a:pt x="974734" y="2035"/>
-                  <a:pt x="1269487" y="0"/>
-                </a:cubicBezTo>
-                <a:cubicBezTo>
-                  <a:pt x="1564240" y="-2035"/>
-                  <a:pt x="1733579" y="10639"/>
-                  <a:pt x="1953057" y="0"/>
-                </a:cubicBezTo>
-                <a:cubicBezTo>
-                  <a:pt x="2172535" y="-10639"/>
-                  <a:pt x="2453962" y="14018"/>
-                  <a:pt x="2636627" y="0"/>
-                </a:cubicBezTo>
-                <a:cubicBezTo>
-                  <a:pt x="2819292" y="-14018"/>
-                  <a:pt x="3121375" y="5399"/>
-                  <a:pt x="3255095" y="0"/>
-                </a:cubicBezTo>
-                <a:cubicBezTo>
-                  <a:pt x="3254386" y="8157"/>
-                  <a:pt x="3254682" y="12125"/>
-                  <a:pt x="3255095" y="18288"/>
-                </a:cubicBezTo>
-                <a:cubicBezTo>
-                  <a:pt x="3088545" y="23203"/>
-                  <a:pt x="2687475" y="7419"/>
-                  <a:pt x="2538974" y="18288"/>
-                </a:cubicBezTo>
-                <a:cubicBezTo>
-                  <a:pt x="2390473" y="29157"/>
-                  <a:pt x="2137381" y="-8959"/>
-                  <a:pt x="1822853" y="18288"/>
-                </a:cubicBezTo>
-                <a:cubicBezTo>
-                  <a:pt x="1508325" y="45535"/>
-                  <a:pt x="1466437" y="20385"/>
-                  <a:pt x="1171834" y="18288"/>
-                </a:cubicBezTo>
-                <a:cubicBezTo>
-                  <a:pt x="877231" y="16191"/>
-                  <a:pt x="561097" y="37643"/>
-                  <a:pt x="0" y="18288"/>
-                </a:cubicBezTo>
-                <a:cubicBezTo>
-                  <a:pt x="-46" y="12483"/>
-                  <a:pt x="-203" y="6491"/>
-                  <a:pt x="0" y="0"/>
-                </a:cubicBezTo>
-                <a:close/>
-              </a:path>
-              <a:path w="3255095" h="18288" stroke="0" extrusionOk="0">
-                <a:moveTo>
-                  <a:pt x="0" y="0"/>
-                </a:moveTo>
-                <a:cubicBezTo>
-                  <a:pt x="291965" y="19429"/>
-                  <a:pt x="363155" y="8568"/>
-                  <a:pt x="618468" y="0"/>
-                </a:cubicBezTo>
-                <a:cubicBezTo>
-                  <a:pt x="873781" y="-8568"/>
-                  <a:pt x="904459" y="-19505"/>
-                  <a:pt x="1171834" y="0"/>
-                </a:cubicBezTo>
-                <a:cubicBezTo>
-                  <a:pt x="1439209" y="19505"/>
-                  <a:pt x="1744369" y="9790"/>
-                  <a:pt x="1887955" y="0"/>
-                </a:cubicBezTo>
-                <a:cubicBezTo>
-                  <a:pt x="2031541" y="-9790"/>
-                  <a:pt x="2346378" y="21240"/>
-                  <a:pt x="2506423" y="0"/>
-                </a:cubicBezTo>
-                <a:cubicBezTo>
-                  <a:pt x="2666468" y="-21240"/>
-                  <a:pt x="2990257" y="30414"/>
-                  <a:pt x="3255095" y="0"/>
-                </a:cubicBezTo>
-                <a:cubicBezTo>
-                  <a:pt x="3254831" y="4493"/>
-                  <a:pt x="3255479" y="9472"/>
-                  <a:pt x="3255095" y="18288"/>
-                </a:cubicBezTo>
-                <a:cubicBezTo>
-                  <a:pt x="3120743" y="16690"/>
-                  <a:pt x="2759628" y="42462"/>
-                  <a:pt x="2604076" y="18288"/>
-                </a:cubicBezTo>
-                <a:cubicBezTo>
-                  <a:pt x="2448524" y="-5886"/>
-                  <a:pt x="2184336" y="19599"/>
-                  <a:pt x="1887955" y="18288"/>
-                </a:cubicBezTo>
-                <a:cubicBezTo>
-                  <a:pt x="1591574" y="16977"/>
-                  <a:pt x="1548845" y="6870"/>
-                  <a:pt x="1334589" y="18288"/>
-                </a:cubicBezTo>
-                <a:cubicBezTo>
-                  <a:pt x="1120333" y="29706"/>
-                  <a:pt x="996014" y="9662"/>
-                  <a:pt x="683570" y="18288"/>
-                </a:cubicBezTo>
-                <a:cubicBezTo>
-                  <a:pt x="371126" y="26914"/>
-                  <a:pt x="198687" y="16167"/>
-                  <a:pt x="0" y="18288"/>
-                </a:cubicBezTo>
-                <a:cubicBezTo>
-                  <a:pt x="843" y="9577"/>
-                  <a:pt x="371" y="6900"/>
-                  <a:pt x="0" y="0"/>
-                </a:cubicBezTo>
-                <a:close/>
-              </a:path>
-            </a:pathLst>
-          </a:custGeom>
-          <a:solidFill>
-            <a:schemeClr val="accent2"/>
-          </a:solidFill>
-          <a:ln w="38100" cap="rnd">
-            <a:solidFill>
-              <a:schemeClr val="accent2"/>
-            </a:solidFill>
-            <a:round/>
-            <a:extLst>
-              <a:ext uri="{C807C97D-BFC1-408E-A445-0C87EB9F89A2}">
-                <ask:lineSketchStyleProps xmlns:ask="http://schemas.microsoft.com/office/drawing/2018/sketchyshapes" sd="1219033472">
-                  <a:prstGeom prst="rect">
-                    <a:avLst/>
-                  </a:prstGeom>
-                  <ask:type>
-                    <ask:lineSketchFreehand/>
-                  </ask:type>
-                </ask:lineSketchStyleProps>
-              </a:ext>
-            </a:extLst>
-          </a:ln>
-        </p:spPr>
-        <p:style>
-          <a:lnRef idx="2">
-            <a:schemeClr val="accent1">
-              <a:shade val="50000"/>
-            </a:schemeClr>
-          </a:lnRef>
-          <a:fillRef idx="1">
-            <a:schemeClr val="accent1"/>
-          </a:fillRef>
-          <a:effectRef idx="0">
-            <a:schemeClr val="accent1"/>
-          </a:effectRef>
-          <a:fontRef idx="minor">
-            <a:schemeClr val="lt1"/>
-          </a:fontRef>
-        </p:style>
-        <p:txBody>
-          <a:bodyPr rtlCol="0" anchor="ctr"/>
-          <a:lstStyle/>
-          <a:p>
-            <a:pPr algn="ctr"/>
-            <a:endParaRPr lang="en-US"/>
-          </a:p>
-        </p:txBody>
-      </p:sp>
-      <p:sp>
-        <p:nvSpPr>
-          <p:cNvPr id="6" name="Content Placeholder 2">
-            <a:extLst>
-              <a:ext uri="{FF2B5EF4-FFF2-40B4-BE49-F238E27FC236}">
-                <a16:creationId xmlns:a16="http://schemas.microsoft.com/office/drawing/2014/main" id="{4B181B6B-C5A4-2BA2-8829-3E3243FEE3B8}"/>
-              </a:ext>
-            </a:extLst>
-          </p:cNvPr>
-          <p:cNvSpPr txBox="1">
-            <a:spLocks/>
-          </p:cNvSpPr>
-          <p:nvPr/>
-        </p:nvSpPr>
-        <p:spPr>
-          <a:xfrm>
-            <a:off x="630936" y="2807208"/>
-            <a:ext cx="3429000" cy="3410712"/>
+            <a:off x="1136397" y="2418408"/>
+            <a:ext cx="4959603" cy="3522569"/>
           </a:xfrm>
           <a:prstGeom prst="rect">
             <a:avLst/>
@@ -5761,33 +5414,33 @@
           </a:lstStyle>
           <a:p>
             <a:pPr marL="0"/>
-            <a:endParaRPr lang="en-US" sz="2200" dirty="0"/>
-          </a:p>
-          <a:p>
-            <a:r>
-              <a:rPr lang="en-US" sz="2200" dirty="0"/>
+            <a:endParaRPr lang="en-US" sz="2000"/>
+          </a:p>
+          <a:p>
+            <a:r>
+              <a:rPr lang="en-US" sz="2000"/>
               <a:t>Provision to run specific test suites or all together.</a:t>
             </a:r>
           </a:p>
           <a:p>
             <a:pPr lvl="1"/>
             <a:r>
-              <a:rPr lang="en-US" sz="2200" dirty="0"/>
+              <a:rPr lang="en-US" sz="2000"/>
               <a:t>Each test suite will be a class</a:t>
             </a:r>
           </a:p>
           <a:p>
             <a:pPr lvl="1"/>
             <a:r>
-              <a:rPr lang="en-US" sz="2200" dirty="0"/>
+              <a:rPr lang="en-US" sz="2000"/>
               <a:t>Each test case will be a method</a:t>
             </a:r>
           </a:p>
           <a:p>
-            <a:endParaRPr lang="en-US" sz="2200" dirty="0"/>
-          </a:p>
-          <a:p>
-            <a:endParaRPr lang="en-US" sz="2200" dirty="0"/>
+            <a:endParaRPr lang="en-US" sz="2000"/>
+          </a:p>
+          <a:p>
+            <a:endParaRPr lang="en-US" sz="2000"/>
           </a:p>
         </p:txBody>
       </p:sp>
@@ -5815,14 +5468,160 @@
         </p:blipFill>
         <p:spPr>
           <a:xfrm>
-            <a:off x="4787646" y="1592076"/>
-            <a:ext cx="5353321" cy="3673848"/>
+            <a:off x="6512442" y="1437457"/>
+            <a:ext cx="5201023" cy="3569329"/>
           </a:xfrm>
           <a:prstGeom prst="rect">
             <a:avLst/>
           </a:prstGeom>
         </p:spPr>
       </p:pic>
+      <p:sp>
+        <p:nvSpPr>
+          <p:cNvPr id="20" name="Rectangle 19">
+            <a:extLst>
+              <a:ext uri="{FF2B5EF4-FFF2-40B4-BE49-F238E27FC236}">
+                <a16:creationId xmlns:a16="http://schemas.microsoft.com/office/drawing/2014/main" id="{EEBF1590-3B36-48EE-A89D-3B6F3CB256AB}"/>
+              </a:ext>
+              <a:ext uri="{C183D7F6-B498-43B3-948B-1728B52AA6E4}">
+                <adec:decorative xmlns:adec="http://schemas.microsoft.com/office/drawing/2017/decorative" val="1"/>
+              </a:ext>
+            </a:extLst>
+          </p:cNvPr>
+          <p:cNvSpPr>
+            <a:spLocks noGrp="1" noRot="1" noChangeAspect="1" noMove="1" noResize="1" noEditPoints="1" noAdjustHandles="1" noChangeArrowheads="1" noChangeShapeType="1" noTextEdit="1"/>
+          </p:cNvSpPr>
+          <p:nvPr>
+            <p:extLst>
+              <p:ext uri="{386F3935-93C4-4BCD-93E2-E3B085C9AB24}">
+                <p16:designElem xmlns:p16="http://schemas.microsoft.com/office/powerpoint/2015/main" val="1"/>
+              </p:ext>
+            </p:extLst>
+          </p:nvPr>
+        </p:nvSpPr>
+        <p:spPr>
+          <a:xfrm rot="10800000" flipH="1">
+            <a:off x="0" y="6400799"/>
+            <a:ext cx="12192000" cy="456773"/>
+          </a:xfrm>
+          <a:prstGeom prst="rect">
+            <a:avLst/>
+          </a:prstGeom>
+          <a:gradFill>
+            <a:gsLst>
+              <a:gs pos="0">
+                <a:schemeClr val="accent1"/>
+              </a:gs>
+              <a:gs pos="78000">
+                <a:srgbClr val="000000"/>
+              </a:gs>
+            </a:gsLst>
+            <a:lin ang="2400000" scaled="0"/>
+          </a:gradFill>
+          <a:ln>
+            <a:noFill/>
+          </a:ln>
+        </p:spPr>
+        <p:style>
+          <a:lnRef idx="2">
+            <a:schemeClr val="accent1">
+              <a:shade val="50000"/>
+            </a:schemeClr>
+          </a:lnRef>
+          <a:fillRef idx="1">
+            <a:schemeClr val="accent1"/>
+          </a:fillRef>
+          <a:effectRef idx="0">
+            <a:schemeClr val="accent1"/>
+          </a:effectRef>
+          <a:fontRef idx="minor">
+            <a:schemeClr val="lt1"/>
+          </a:fontRef>
+        </p:style>
+        <p:txBody>
+          <a:bodyPr rtlCol="0" anchor="ctr"/>
+          <a:lstStyle/>
+          <a:p>
+            <a:pPr algn="ctr"/>
+            <a:endParaRPr lang="en-US"/>
+          </a:p>
+        </p:txBody>
+      </p:sp>
+      <p:sp>
+        <p:nvSpPr>
+          <p:cNvPr id="22" name="Rectangle 21">
+            <a:extLst>
+              <a:ext uri="{FF2B5EF4-FFF2-40B4-BE49-F238E27FC236}">
+                <a16:creationId xmlns:a16="http://schemas.microsoft.com/office/drawing/2014/main" id="{AC8F6C8C-AB5A-4548-942D-E3FD40ACBC49}"/>
+              </a:ext>
+              <a:ext uri="{C183D7F6-B498-43B3-948B-1728B52AA6E4}">
+                <adec:decorative xmlns:adec="http://schemas.microsoft.com/office/drawing/2017/decorative" val="1"/>
+              </a:ext>
+            </a:extLst>
+          </p:cNvPr>
+          <p:cNvSpPr>
+            <a:spLocks noGrp="1" noRot="1" noChangeAspect="1" noMove="1" noResize="1" noEditPoints="1" noAdjustHandles="1" noChangeArrowheads="1" noChangeShapeType="1" noTextEdit="1"/>
+          </p:cNvSpPr>
+          <p:nvPr>
+            <p:extLst>
+              <p:ext uri="{386F3935-93C4-4BCD-93E2-E3B085C9AB24}">
+                <p16:designElem xmlns:p16="http://schemas.microsoft.com/office/powerpoint/2015/main" val="1"/>
+              </p:ext>
+            </p:extLst>
+          </p:nvPr>
+        </p:nvSpPr>
+        <p:spPr>
+          <a:xfrm flipH="1">
+            <a:off x="4038600" y="6400799"/>
+            <a:ext cx="8153398" cy="456772"/>
+          </a:xfrm>
+          <a:prstGeom prst="rect">
+            <a:avLst/>
+          </a:prstGeom>
+          <a:gradFill>
+            <a:gsLst>
+              <a:gs pos="0">
+                <a:srgbClr val="000000">
+                  <a:alpha val="63000"/>
+                </a:srgbClr>
+              </a:gs>
+              <a:gs pos="100000">
+                <a:schemeClr val="accent1">
+                  <a:lumMod val="75000"/>
+                </a:schemeClr>
+              </a:gs>
+            </a:gsLst>
+            <a:lin ang="13800000" scaled="0"/>
+          </a:gradFill>
+          <a:ln>
+            <a:noFill/>
+          </a:ln>
+        </p:spPr>
+        <p:style>
+          <a:lnRef idx="2">
+            <a:schemeClr val="accent1">
+              <a:shade val="50000"/>
+            </a:schemeClr>
+          </a:lnRef>
+          <a:fillRef idx="1">
+            <a:schemeClr val="accent1"/>
+          </a:fillRef>
+          <a:effectRef idx="0">
+            <a:schemeClr val="accent1"/>
+          </a:effectRef>
+          <a:fontRef idx="minor">
+            <a:schemeClr val="lt1"/>
+          </a:fontRef>
+        </p:style>
+        <p:txBody>
+          <a:bodyPr rtlCol="0" anchor="ctr"/>
+          <a:lstStyle/>
+          <a:p>
+            <a:pPr algn="ctr"/>
+            <a:endParaRPr lang="en-US"/>
+          </a:p>
+        </p:txBody>
+      </p:sp>
     </p:spTree>
     <p:extLst>
       <p:ext uri="{BB962C8B-B14F-4D97-AF65-F5344CB8AC3E}">
@@ -5863,10 +5662,86 @@
       </p:grpSpPr>
       <p:sp useBgFill="1">
         <p:nvSpPr>
-          <p:cNvPr id="8" name="Rectangle 7">
-            <a:extLst>
-              <a:ext uri="{FF2B5EF4-FFF2-40B4-BE49-F238E27FC236}">
-                <a16:creationId xmlns:a16="http://schemas.microsoft.com/office/drawing/2014/main" id="{100EDD19-6802-4EC3-95CE-CFFAB042CFD6}"/>
+          <p:cNvPr id="28" name="Rectangle 14">
+            <a:extLst>
+              <a:ext uri="{FF2B5EF4-FFF2-40B4-BE49-F238E27FC236}">
+                <a16:creationId xmlns:a16="http://schemas.microsoft.com/office/drawing/2014/main" id="{09588DA8-065E-4F6F-8EFD-43104AB2E0CF}"/>
+              </a:ext>
+              <a:ext uri="{C183D7F6-B498-43B3-948B-1728B52AA6E4}">
+                <adec:decorative xmlns:adec="http://schemas.microsoft.com/office/drawing/2017/decorative" val="1"/>
+              </a:ext>
+            </a:extLst>
+          </p:cNvPr>
+          <p:cNvSpPr>
+            <a:spLocks noGrp="1" noRot="1" noChangeAspect="1" noMove="1" noResize="1" noEditPoints="1" noAdjustHandles="1" noChangeArrowheads="1" noChangeShapeType="1" noTextEdit="1"/>
+          </p:cNvSpPr>
+          <p:nvPr>
+            <p:extLst>
+              <p:ext uri="{386F3935-93C4-4BCD-93E2-E3B085C9AB24}">
+                <p16:designElem xmlns:p16="http://schemas.microsoft.com/office/powerpoint/2015/main" val="1"/>
+              </p:ext>
+            </p:extLst>
+          </p:nvPr>
+        </p:nvSpPr>
+        <p:spPr>
+          <a:xfrm>
+            <a:off x="0" y="0"/>
+            <a:ext cx="12192000" cy="6858000"/>
+          </a:xfrm>
+          <a:prstGeom prst="rect">
+            <a:avLst/>
+          </a:prstGeom>
+          <a:ln w="12700" cap="flat" cmpd="sng" algn="ctr">
+            <a:noFill/>
+            <a:prstDash val="solid"/>
+            <a:miter lim="800000"/>
+          </a:ln>
+          <a:effectLst/>
+          <a:extLst>
+            <a:ext uri="{91240B29-F687-4F45-9708-019B960494DF}">
+              <a14:hiddenLine xmlns:a14="http://schemas.microsoft.com/office/drawing/2010/main" w="12700" cap="flat" cmpd="sng" algn="ctr">
+                <a:solidFill>
+                  <a:schemeClr val="accent1">
+                    <a:shade val="50000"/>
+                  </a:schemeClr>
+                </a:solidFill>
+                <a:prstDash val="solid"/>
+                <a:miter lim="800000"/>
+              </a14:hiddenLine>
+            </a:ext>
+          </a:extLst>
+        </p:spPr>
+        <p:style>
+          <a:lnRef idx="2">
+            <a:schemeClr val="accent1">
+              <a:shade val="50000"/>
+            </a:schemeClr>
+          </a:lnRef>
+          <a:fillRef idx="1">
+            <a:schemeClr val="accent1"/>
+          </a:fillRef>
+          <a:effectRef idx="0">
+            <a:schemeClr val="accent1"/>
+          </a:effectRef>
+          <a:fontRef idx="minor">
+            <a:schemeClr val="lt1"/>
+          </a:fontRef>
+        </p:style>
+        <p:txBody>
+          <a:bodyPr rtlCol="0" anchor="ctr"/>
+          <a:lstStyle/>
+          <a:p>
+            <a:pPr algn="ctr"/>
+            <a:endParaRPr lang="en-US"/>
+          </a:p>
+        </p:txBody>
+      </p:sp>
+      <p:sp useBgFill="1">
+        <p:nvSpPr>
+          <p:cNvPr id="29" name="Rectangle 16">
+            <a:extLst>
+              <a:ext uri="{FF2B5EF4-FFF2-40B4-BE49-F238E27FC236}">
+                <a16:creationId xmlns:a16="http://schemas.microsoft.com/office/drawing/2014/main" id="{C4285719-470E-454C-AF62-8323075F1F5B}"/>
               </a:ext>
               <a:ext uri="{C183D7F6-B498-43B3-948B-1728B52AA6E4}">
                 <adec:decorative xmlns:adec="http://schemas.microsoft.com/office/drawing/2017/decorative" val="1"/>
@@ -5892,6 +5767,95 @@
           <a:prstGeom prst="rect">
             <a:avLst/>
           </a:prstGeom>
+          <a:ln w="12700" cap="flat" cmpd="sng" algn="ctr">
+            <a:noFill/>
+            <a:prstDash val="solid"/>
+            <a:miter lim="800000"/>
+          </a:ln>
+          <a:effectLst/>
+          <a:extLst>
+            <a:ext uri="{91240B29-F687-4F45-9708-019B960494DF}">
+              <a14:hiddenLine xmlns:a14="http://schemas.microsoft.com/office/drawing/2010/main" w="12700" cap="flat" cmpd="sng" algn="ctr">
+                <a:solidFill>
+                  <a:schemeClr val="accent1">
+                    <a:shade val="50000"/>
+                  </a:schemeClr>
+                </a:solidFill>
+                <a:prstDash val="solid"/>
+                <a:miter lim="800000"/>
+              </a14:hiddenLine>
+            </a:ext>
+          </a:extLst>
+        </p:spPr>
+        <p:style>
+          <a:lnRef idx="2">
+            <a:schemeClr val="accent1">
+              <a:shade val="50000"/>
+            </a:schemeClr>
+          </a:lnRef>
+          <a:fillRef idx="1">
+            <a:schemeClr val="accent1"/>
+          </a:fillRef>
+          <a:effectRef idx="0">
+            <a:schemeClr val="accent1"/>
+          </a:effectRef>
+          <a:fontRef idx="minor">
+            <a:schemeClr val="lt1"/>
+          </a:fontRef>
+        </p:style>
+        <p:txBody>
+          <a:bodyPr rtlCol="0" anchor="ctr"/>
+          <a:lstStyle/>
+          <a:p>
+            <a:pPr algn="ctr"/>
+            <a:endParaRPr lang="en-US"/>
+          </a:p>
+        </p:txBody>
+      </p:sp>
+      <p:sp>
+        <p:nvSpPr>
+          <p:cNvPr id="30" name="Rectangle 18">
+            <a:extLst>
+              <a:ext uri="{FF2B5EF4-FFF2-40B4-BE49-F238E27FC236}">
+                <a16:creationId xmlns:a16="http://schemas.microsoft.com/office/drawing/2014/main" id="{CD9FE4EF-C4D8-49A0-B2FF-81D8DB7D8A24}"/>
+              </a:ext>
+              <a:ext uri="{C183D7F6-B498-43B3-948B-1728B52AA6E4}">
+                <adec:decorative xmlns:adec="http://schemas.microsoft.com/office/drawing/2017/decorative" val="1"/>
+              </a:ext>
+            </a:extLst>
+          </p:cNvPr>
+          <p:cNvSpPr>
+            <a:spLocks noGrp="1" noRot="1" noChangeAspect="1" noMove="1" noResize="1" noEditPoints="1" noAdjustHandles="1" noChangeArrowheads="1" noChangeShapeType="1" noTextEdit="1"/>
+          </p:cNvSpPr>
+          <p:nvPr>
+            <p:extLst>
+              <p:ext uri="{386F3935-93C4-4BCD-93E2-E3B085C9AB24}">
+                <p16:designElem xmlns:p16="http://schemas.microsoft.com/office/powerpoint/2015/main" val="1"/>
+              </p:ext>
+            </p:extLst>
+          </p:nvPr>
+        </p:nvSpPr>
+        <p:spPr>
+          <a:xfrm rot="5400000" flipH="1">
+            <a:off x="-1410084" y="1410082"/>
+            <a:ext cx="6858000" cy="4037836"/>
+          </a:xfrm>
+          <a:prstGeom prst="rect">
+            <a:avLst/>
+          </a:prstGeom>
+          <a:gradFill>
+            <a:gsLst>
+              <a:gs pos="8000">
+                <a:srgbClr val="000000"/>
+              </a:gs>
+              <a:gs pos="100000">
+                <a:schemeClr val="accent1">
+                  <a:lumMod val="75000"/>
+                </a:schemeClr>
+              </a:gs>
+            </a:gsLst>
+            <a:lin ang="3000000" scaled="0"/>
+          </a:gradFill>
           <a:ln>
             <a:noFill/>
           </a:ln>
@@ -5923,45 +5887,10 @@
       </p:sp>
       <p:sp>
         <p:nvSpPr>
-          <p:cNvPr id="2" name="Title 1">
-            <a:extLst>
-              <a:ext uri="{FF2B5EF4-FFF2-40B4-BE49-F238E27FC236}">
-                <a16:creationId xmlns:a16="http://schemas.microsoft.com/office/drawing/2014/main" id="{8917698C-BD50-5226-031C-3588F2A9B40D}"/>
-              </a:ext>
-            </a:extLst>
-          </p:cNvPr>
-          <p:cNvSpPr>
-            <a:spLocks noGrp="1"/>
-          </p:cNvSpPr>
-          <p:nvPr>
-            <p:ph type="title"/>
-          </p:nvPr>
-        </p:nvSpPr>
-        <p:spPr>
-          <a:xfrm>
-            <a:off x="838200" y="365125"/>
-            <a:ext cx="10515600" cy="1325563"/>
-          </a:xfrm>
-        </p:spPr>
-        <p:txBody>
-          <a:bodyPr>
-            <a:normAutofit/>
-          </a:bodyPr>
-          <a:lstStyle/>
-          <a:p>
-            <a:r>
-              <a:rPr lang="en-US" sz="4600" dirty="0"/>
-              <a:t>Features &amp; Components</a:t>
-            </a:r>
-          </a:p>
-        </p:txBody>
-      </p:sp>
-      <p:sp>
-        <p:nvSpPr>
-          <p:cNvPr id="10" name="sketch line">
-            <a:extLst>
-              <a:ext uri="{FF2B5EF4-FFF2-40B4-BE49-F238E27FC236}">
-                <a16:creationId xmlns:a16="http://schemas.microsoft.com/office/drawing/2014/main" id="{DB17E863-922E-4C26-BD64-E8FD41D28661}"/>
+          <p:cNvPr id="31" name="Rectangle 20">
+            <a:extLst>
+              <a:ext uri="{FF2B5EF4-FFF2-40B4-BE49-F238E27FC236}">
+                <a16:creationId xmlns:a16="http://schemas.microsoft.com/office/drawing/2014/main" id="{4300840D-0A0B-4512-BACA-B439D5B9C57C}"/>
               </a:ext>
               <a:ext uri="{C183D7F6-B498-43B3-948B-1728B52AA6E4}">
                 <adec:decorative xmlns:adec="http://schemas.microsoft.com/office/drawing/2017/decorative" val="1"/>
@@ -5980,85 +5909,181 @@
           </p:nvPr>
         </p:nvSpPr>
         <p:spPr>
-          <a:xfrm>
-            <a:off x="669036" y="1677373"/>
-            <a:ext cx="10853928" cy="18288"/>
+          <a:xfrm rot="5400000" flipH="1">
+            <a:off x="-1410085" y="1420219"/>
+            <a:ext cx="6857999" cy="4037839"/>
+          </a:xfrm>
+          <a:prstGeom prst="rect">
+            <a:avLst/>
+          </a:prstGeom>
+          <a:gradFill>
+            <a:gsLst>
+              <a:gs pos="0">
+                <a:srgbClr val="000000">
+                  <a:alpha val="0"/>
+                </a:srgbClr>
+              </a:gs>
+              <a:gs pos="99000">
+                <a:schemeClr val="accent1">
+                  <a:alpha val="46000"/>
+                </a:schemeClr>
+              </a:gs>
+            </a:gsLst>
+            <a:lin ang="1800000" scaled="0"/>
+          </a:gradFill>
+          <a:ln>
+            <a:noFill/>
+          </a:ln>
+        </p:spPr>
+        <p:style>
+          <a:lnRef idx="2">
+            <a:schemeClr val="accent1">
+              <a:shade val="50000"/>
+            </a:schemeClr>
+          </a:lnRef>
+          <a:fillRef idx="1">
+            <a:schemeClr val="accent1"/>
+          </a:fillRef>
+          <a:effectRef idx="0">
+            <a:schemeClr val="accent1"/>
+          </a:effectRef>
+          <a:fontRef idx="minor">
+            <a:schemeClr val="lt1"/>
+          </a:fontRef>
+        </p:style>
+        <p:txBody>
+          <a:bodyPr rtlCol="0" anchor="ctr"/>
+          <a:lstStyle/>
+          <a:p>
+            <a:pPr algn="ctr"/>
+            <a:endParaRPr lang="en-US"/>
+          </a:p>
+        </p:txBody>
+      </p:sp>
+      <p:sp>
+        <p:nvSpPr>
+          <p:cNvPr id="32" name="Rectangle 22">
+            <a:extLst>
+              <a:ext uri="{FF2B5EF4-FFF2-40B4-BE49-F238E27FC236}">
+                <a16:creationId xmlns:a16="http://schemas.microsoft.com/office/drawing/2014/main" id="{D2B78728-A580-49A7-84F9-6EF6F583ADE0}"/>
+              </a:ext>
+              <a:ext uri="{C183D7F6-B498-43B3-948B-1728B52AA6E4}">
+                <adec:decorative xmlns:adec="http://schemas.microsoft.com/office/drawing/2017/decorative" val="1"/>
+              </a:ext>
+            </a:extLst>
+          </p:cNvPr>
+          <p:cNvSpPr>
+            <a:spLocks noGrp="1" noRot="1" noChangeAspect="1" noMove="1" noResize="1" noEditPoints="1" noAdjustHandles="1" noChangeArrowheads="1" noChangeShapeType="1" noTextEdit="1"/>
+          </p:cNvSpPr>
+          <p:nvPr>
+            <p:extLst>
+              <p:ext uri="{386F3935-93C4-4BCD-93E2-E3B085C9AB24}">
+                <p16:designElem xmlns:p16="http://schemas.microsoft.com/office/powerpoint/2015/main" val="1"/>
+              </p:ext>
+            </p:extLst>
+          </p:nvPr>
+        </p:nvSpPr>
+        <p:spPr>
+          <a:xfrm rot="5400000" flipH="1">
+            <a:off x="767923" y="3588085"/>
+            <a:ext cx="2501979" cy="4037841"/>
+          </a:xfrm>
+          <a:prstGeom prst="rect">
+            <a:avLst/>
+          </a:prstGeom>
+          <a:gradFill>
+            <a:gsLst>
+              <a:gs pos="2000">
+                <a:schemeClr val="accent1">
+                  <a:alpha val="29000"/>
+                </a:schemeClr>
+              </a:gs>
+              <a:gs pos="100000">
+                <a:srgbClr val="000000">
+                  <a:alpha val="30000"/>
+                </a:srgbClr>
+              </a:gs>
+            </a:gsLst>
+            <a:lin ang="7800000" scaled="0"/>
+          </a:gradFill>
+          <a:ln>
+            <a:noFill/>
+          </a:ln>
+        </p:spPr>
+        <p:style>
+          <a:lnRef idx="2">
+            <a:schemeClr val="accent1">
+              <a:shade val="50000"/>
+            </a:schemeClr>
+          </a:lnRef>
+          <a:fillRef idx="1">
+            <a:schemeClr val="accent1"/>
+          </a:fillRef>
+          <a:effectRef idx="0">
+            <a:schemeClr val="accent1"/>
+          </a:effectRef>
+          <a:fontRef idx="minor">
+            <a:schemeClr val="lt1"/>
+          </a:fontRef>
+        </p:style>
+        <p:txBody>
+          <a:bodyPr rtlCol="0" anchor="ctr"/>
+          <a:lstStyle/>
+          <a:p>
+            <a:pPr algn="ctr"/>
+            <a:endParaRPr lang="en-US" dirty="0"/>
+          </a:p>
+        </p:txBody>
+      </p:sp>
+      <p:sp>
+        <p:nvSpPr>
+          <p:cNvPr id="33" name="Freeform: Shape 24">
+            <a:extLst>
+              <a:ext uri="{FF2B5EF4-FFF2-40B4-BE49-F238E27FC236}">
+                <a16:creationId xmlns:a16="http://schemas.microsoft.com/office/drawing/2014/main" id="{38FAA1A1-D861-433F-88FA-1E9D6FD31D11}"/>
+              </a:ext>
+              <a:ext uri="{C183D7F6-B498-43B3-948B-1728B52AA6E4}">
+                <adec:decorative xmlns:adec="http://schemas.microsoft.com/office/drawing/2017/decorative" val="1"/>
+              </a:ext>
+            </a:extLst>
+          </p:cNvPr>
+          <p:cNvSpPr>
+            <a:spLocks noGrp="1" noRot="1" noChangeAspect="1" noMove="1" noResize="1" noEditPoints="1" noAdjustHandles="1" noChangeArrowheads="1" noChangeShapeType="1" noTextEdit="1"/>
+          </p:cNvSpPr>
+          <p:nvPr>
+            <p:extLst>
+              <p:ext uri="{386F3935-93C4-4BCD-93E2-E3B085C9AB24}">
+                <p16:designElem xmlns:p16="http://schemas.microsoft.com/office/powerpoint/2015/main" val="1"/>
+              </p:ext>
+            </p:extLst>
+          </p:nvPr>
+        </p:nvSpPr>
+        <p:spPr>
+          <a:xfrm rot="20635413">
+            <a:off x="-501737" y="969718"/>
+            <a:ext cx="3900357" cy="4178958"/>
           </a:xfrm>
           <a:custGeom>
             <a:avLst/>
             <a:gdLst>
-              <a:gd name="connsiteX0" fmla="*/ 0 w 10853928"/>
-              <a:gd name="connsiteY0" fmla="*/ 0 h 18288"/>
-              <a:gd name="connsiteX1" fmla="*/ 461292 w 10853928"/>
-              <a:gd name="connsiteY1" fmla="*/ 0 h 18288"/>
-              <a:gd name="connsiteX2" fmla="*/ 1139662 w 10853928"/>
-              <a:gd name="connsiteY2" fmla="*/ 0 h 18288"/>
-              <a:gd name="connsiteX3" fmla="*/ 1926572 w 10853928"/>
-              <a:gd name="connsiteY3" fmla="*/ 0 h 18288"/>
-              <a:gd name="connsiteX4" fmla="*/ 2279325 w 10853928"/>
-              <a:gd name="connsiteY4" fmla="*/ 0 h 18288"/>
-              <a:gd name="connsiteX5" fmla="*/ 2632078 w 10853928"/>
-              <a:gd name="connsiteY5" fmla="*/ 0 h 18288"/>
-              <a:gd name="connsiteX6" fmla="*/ 3527527 w 10853928"/>
-              <a:gd name="connsiteY6" fmla="*/ 0 h 18288"/>
-              <a:gd name="connsiteX7" fmla="*/ 4205897 w 10853928"/>
-              <a:gd name="connsiteY7" fmla="*/ 0 h 18288"/>
-              <a:gd name="connsiteX8" fmla="*/ 4558650 w 10853928"/>
-              <a:gd name="connsiteY8" fmla="*/ 0 h 18288"/>
-              <a:gd name="connsiteX9" fmla="*/ 5237020 w 10853928"/>
-              <a:gd name="connsiteY9" fmla="*/ 0 h 18288"/>
-              <a:gd name="connsiteX10" fmla="*/ 6132469 w 10853928"/>
-              <a:gd name="connsiteY10" fmla="*/ 0 h 18288"/>
-              <a:gd name="connsiteX11" fmla="*/ 6702301 w 10853928"/>
-              <a:gd name="connsiteY11" fmla="*/ 0 h 18288"/>
-              <a:gd name="connsiteX12" fmla="*/ 7272132 w 10853928"/>
-              <a:gd name="connsiteY12" fmla="*/ 0 h 18288"/>
-              <a:gd name="connsiteX13" fmla="*/ 7950502 w 10853928"/>
-              <a:gd name="connsiteY13" fmla="*/ 0 h 18288"/>
-              <a:gd name="connsiteX14" fmla="*/ 8737412 w 10853928"/>
-              <a:gd name="connsiteY14" fmla="*/ 0 h 18288"/>
-              <a:gd name="connsiteX15" fmla="*/ 9524322 w 10853928"/>
-              <a:gd name="connsiteY15" fmla="*/ 0 h 18288"/>
-              <a:gd name="connsiteX16" fmla="*/ 10853928 w 10853928"/>
-              <a:gd name="connsiteY16" fmla="*/ 0 h 18288"/>
-              <a:gd name="connsiteX17" fmla="*/ 10853928 w 10853928"/>
-              <a:gd name="connsiteY17" fmla="*/ 18288 h 18288"/>
-              <a:gd name="connsiteX18" fmla="*/ 10392636 w 10853928"/>
-              <a:gd name="connsiteY18" fmla="*/ 18288 h 18288"/>
-              <a:gd name="connsiteX19" fmla="*/ 9497187 w 10853928"/>
-              <a:gd name="connsiteY19" fmla="*/ 18288 h 18288"/>
-              <a:gd name="connsiteX20" fmla="*/ 8818817 w 10853928"/>
-              <a:gd name="connsiteY20" fmla="*/ 18288 h 18288"/>
-              <a:gd name="connsiteX21" fmla="*/ 8466064 w 10853928"/>
-              <a:gd name="connsiteY21" fmla="*/ 18288 h 18288"/>
-              <a:gd name="connsiteX22" fmla="*/ 7787693 w 10853928"/>
-              <a:gd name="connsiteY22" fmla="*/ 18288 h 18288"/>
-              <a:gd name="connsiteX23" fmla="*/ 7217862 w 10853928"/>
-              <a:gd name="connsiteY23" fmla="*/ 18288 h 18288"/>
-              <a:gd name="connsiteX24" fmla="*/ 6648031 w 10853928"/>
-              <a:gd name="connsiteY24" fmla="*/ 18288 h 18288"/>
-              <a:gd name="connsiteX25" fmla="*/ 6078200 w 10853928"/>
-              <a:gd name="connsiteY25" fmla="*/ 18288 h 18288"/>
-              <a:gd name="connsiteX26" fmla="*/ 5508368 w 10853928"/>
-              <a:gd name="connsiteY26" fmla="*/ 18288 h 18288"/>
-              <a:gd name="connsiteX27" fmla="*/ 4721459 w 10853928"/>
-              <a:gd name="connsiteY27" fmla="*/ 18288 h 18288"/>
-              <a:gd name="connsiteX28" fmla="*/ 4043088 w 10853928"/>
-              <a:gd name="connsiteY28" fmla="*/ 18288 h 18288"/>
-              <a:gd name="connsiteX29" fmla="*/ 3690336 w 10853928"/>
-              <a:gd name="connsiteY29" fmla="*/ 18288 h 18288"/>
-              <a:gd name="connsiteX30" fmla="*/ 3120504 w 10853928"/>
-              <a:gd name="connsiteY30" fmla="*/ 18288 h 18288"/>
-              <a:gd name="connsiteX31" fmla="*/ 2333595 w 10853928"/>
-              <a:gd name="connsiteY31" fmla="*/ 18288 h 18288"/>
-              <a:gd name="connsiteX32" fmla="*/ 1872303 w 10853928"/>
-              <a:gd name="connsiteY32" fmla="*/ 18288 h 18288"/>
-              <a:gd name="connsiteX33" fmla="*/ 976854 w 10853928"/>
-              <a:gd name="connsiteY33" fmla="*/ 18288 h 18288"/>
-              <a:gd name="connsiteX34" fmla="*/ 0 w 10853928"/>
-              <a:gd name="connsiteY34" fmla="*/ 18288 h 18288"/>
-              <a:gd name="connsiteX35" fmla="*/ 0 w 10853928"/>
-              <a:gd name="connsiteY35" fmla="*/ 0 h 18288"/>
+              <a:gd name="connsiteX0" fmla="*/ 2432225 w 3900357"/>
+              <a:gd name="connsiteY0" fmla="*/ 93939 h 4178958"/>
+              <a:gd name="connsiteX1" fmla="*/ 3900357 w 3900357"/>
+              <a:gd name="connsiteY1" fmla="*/ 2089479 h 4178958"/>
+              <a:gd name="connsiteX2" fmla="*/ 1810878 w 3900357"/>
+              <a:gd name="connsiteY2" fmla="*/ 4178958 h 4178958"/>
+              <a:gd name="connsiteX3" fmla="*/ 78249 w 3900357"/>
+              <a:gd name="connsiteY3" fmla="*/ 3257727 h 4178958"/>
+              <a:gd name="connsiteX4" fmla="*/ 0 w 3900357"/>
+              <a:gd name="connsiteY4" fmla="*/ 3128923 h 4178958"/>
+              <a:gd name="connsiteX5" fmla="*/ 831324 w 3900357"/>
+              <a:gd name="connsiteY5" fmla="*/ 244281 h 4178958"/>
+              <a:gd name="connsiteX6" fmla="*/ 997559 w 3900357"/>
+              <a:gd name="connsiteY6" fmla="*/ 164202 h 4178958"/>
+              <a:gd name="connsiteX7" fmla="*/ 1810878 w 3900357"/>
+              <a:gd name="connsiteY7" fmla="*/ 0 h 4178958"/>
+              <a:gd name="connsiteX8" fmla="*/ 2432225 w 3900357"/>
+              <a:gd name="connsiteY8" fmla="*/ 93939 h 4178958"/>
             </a:gdLst>
             <a:ahLst/>
             <a:cxnLst>
@@ -6089,484 +6114,68 @@
               <a:cxn ang="0">
                 <a:pos x="connsiteX8" y="connsiteY8"/>
               </a:cxn>
-              <a:cxn ang="0">
-                <a:pos x="connsiteX9" y="connsiteY9"/>
-              </a:cxn>
-              <a:cxn ang="0">
-                <a:pos x="connsiteX10" y="connsiteY10"/>
-              </a:cxn>
-              <a:cxn ang="0">
-                <a:pos x="connsiteX11" y="connsiteY11"/>
-              </a:cxn>
-              <a:cxn ang="0">
-                <a:pos x="connsiteX12" y="connsiteY12"/>
-              </a:cxn>
-              <a:cxn ang="0">
-                <a:pos x="connsiteX13" y="connsiteY13"/>
-              </a:cxn>
-              <a:cxn ang="0">
-                <a:pos x="connsiteX14" y="connsiteY14"/>
-              </a:cxn>
-              <a:cxn ang="0">
-                <a:pos x="connsiteX15" y="connsiteY15"/>
-              </a:cxn>
-              <a:cxn ang="0">
-                <a:pos x="connsiteX16" y="connsiteY16"/>
-              </a:cxn>
-              <a:cxn ang="0">
-                <a:pos x="connsiteX17" y="connsiteY17"/>
-              </a:cxn>
-              <a:cxn ang="0">
-                <a:pos x="connsiteX18" y="connsiteY18"/>
-              </a:cxn>
-              <a:cxn ang="0">
-                <a:pos x="connsiteX19" y="connsiteY19"/>
-              </a:cxn>
-              <a:cxn ang="0">
-                <a:pos x="connsiteX20" y="connsiteY20"/>
-              </a:cxn>
-              <a:cxn ang="0">
-                <a:pos x="connsiteX21" y="connsiteY21"/>
-              </a:cxn>
-              <a:cxn ang="0">
-                <a:pos x="connsiteX22" y="connsiteY22"/>
-              </a:cxn>
-              <a:cxn ang="0">
-                <a:pos x="connsiteX23" y="connsiteY23"/>
-              </a:cxn>
-              <a:cxn ang="0">
-                <a:pos x="connsiteX24" y="connsiteY24"/>
-              </a:cxn>
-              <a:cxn ang="0">
-                <a:pos x="connsiteX25" y="connsiteY25"/>
-              </a:cxn>
-              <a:cxn ang="0">
-                <a:pos x="connsiteX26" y="connsiteY26"/>
-              </a:cxn>
-              <a:cxn ang="0">
-                <a:pos x="connsiteX27" y="connsiteY27"/>
-              </a:cxn>
-              <a:cxn ang="0">
-                <a:pos x="connsiteX28" y="connsiteY28"/>
-              </a:cxn>
-              <a:cxn ang="0">
-                <a:pos x="connsiteX29" y="connsiteY29"/>
-              </a:cxn>
-              <a:cxn ang="0">
-                <a:pos x="connsiteX30" y="connsiteY30"/>
-              </a:cxn>
-              <a:cxn ang="0">
-                <a:pos x="connsiteX31" y="connsiteY31"/>
-              </a:cxn>
-              <a:cxn ang="0">
-                <a:pos x="connsiteX32" y="connsiteY32"/>
-              </a:cxn>
-              <a:cxn ang="0">
-                <a:pos x="connsiteX33" y="connsiteY33"/>
-              </a:cxn>
-              <a:cxn ang="0">
-                <a:pos x="connsiteX34" y="connsiteY34"/>
-              </a:cxn>
-              <a:cxn ang="0">
-                <a:pos x="connsiteX35" y="connsiteY35"/>
-              </a:cxn>
             </a:cxnLst>
             <a:rect l="l" t="t" r="r" b="b"/>
             <a:pathLst>
-              <a:path w="10853928" h="18288" fill="none" extrusionOk="0">
+              <a:path w="3900357" h="4178958">
                 <a:moveTo>
-                  <a:pt x="0" y="0"/>
+                  <a:pt x="2432225" y="93939"/>
                 </a:moveTo>
                 <a:cubicBezTo>
-                  <a:pt x="146993" y="-19076"/>
-                  <a:pt x="347684" y="-4790"/>
-                  <a:pt x="461292" y="0"/>
+                  <a:pt x="3282786" y="358491"/>
+                  <a:pt x="3900357" y="1151865"/>
+                  <a:pt x="3900357" y="2089479"/>
                 </a:cubicBezTo>
                 <a:cubicBezTo>
-                  <a:pt x="574900" y="4790"/>
-                  <a:pt x="808367" y="19821"/>
-                  <a:pt x="1139662" y="0"/>
+                  <a:pt x="3900357" y="3243466"/>
+                  <a:pt x="2964865" y="4178958"/>
+                  <a:pt x="1810878" y="4178958"/>
                 </a:cubicBezTo>
                 <a:cubicBezTo>
-                  <a:pt x="1470957" y="-19821"/>
-                  <a:pt x="1627405" y="5721"/>
-                  <a:pt x="1926572" y="0"/>
+                  <a:pt x="1089636" y="4178958"/>
+                  <a:pt x="453744" y="3813531"/>
+                  <a:pt x="78249" y="3257727"/>
+                </a:cubicBezTo>
+                <a:lnTo>
+                  <a:pt x="0" y="3128923"/>
+                </a:lnTo>
+                <a:lnTo>
+                  <a:pt x="831324" y="244281"/>
+                </a:lnTo>
+                <a:lnTo>
+                  <a:pt x="997559" y="164202"/>
+                </a:lnTo>
+                <a:cubicBezTo>
+                  <a:pt x="1247540" y="58468"/>
+                  <a:pt x="1522381" y="0"/>
+                  <a:pt x="1810878" y="0"/>
                 </a:cubicBezTo>
                 <a:cubicBezTo>
-                  <a:pt x="2225739" y="-5721"/>
-                  <a:pt x="2137730" y="-3235"/>
-                  <a:pt x="2279325" y="0"/>
-                </a:cubicBezTo>
-                <a:cubicBezTo>
-                  <a:pt x="2420920" y="3235"/>
-                  <a:pt x="2456518" y="9685"/>
-                  <a:pt x="2632078" y="0"/>
-                </a:cubicBezTo>
-                <a:cubicBezTo>
-                  <a:pt x="2807638" y="-9685"/>
-                  <a:pt x="3211516" y="-43007"/>
-                  <a:pt x="3527527" y="0"/>
-                </a:cubicBezTo>
-                <a:cubicBezTo>
-                  <a:pt x="3843538" y="43007"/>
-                  <a:pt x="4058833" y="22042"/>
-                  <a:pt x="4205897" y="0"/>
-                </a:cubicBezTo>
-                <a:cubicBezTo>
-                  <a:pt x="4352961" y="-22042"/>
-                  <a:pt x="4474805" y="-11846"/>
-                  <a:pt x="4558650" y="0"/>
-                </a:cubicBezTo>
-                <a:cubicBezTo>
-                  <a:pt x="4642495" y="11846"/>
-                  <a:pt x="5041928" y="-6069"/>
-                  <a:pt x="5237020" y="0"/>
-                </a:cubicBezTo>
-                <a:cubicBezTo>
-                  <a:pt x="5432112" y="6069"/>
-                  <a:pt x="5943266" y="-17479"/>
-                  <a:pt x="6132469" y="0"/>
-                </a:cubicBezTo>
-                <a:cubicBezTo>
-                  <a:pt x="6321672" y="17479"/>
-                  <a:pt x="6483872" y="26234"/>
-                  <a:pt x="6702301" y="0"/>
-                </a:cubicBezTo>
-                <a:cubicBezTo>
-                  <a:pt x="6920730" y="-26234"/>
-                  <a:pt x="6991194" y="-15156"/>
-                  <a:pt x="7272132" y="0"/>
-                </a:cubicBezTo>
-                <a:cubicBezTo>
-                  <a:pt x="7553070" y="15156"/>
-                  <a:pt x="7684444" y="-32961"/>
-                  <a:pt x="7950502" y="0"/>
-                </a:cubicBezTo>
-                <a:cubicBezTo>
-                  <a:pt x="8216560" y="32961"/>
-                  <a:pt x="8493290" y="-10491"/>
-                  <a:pt x="8737412" y="0"/>
-                </a:cubicBezTo>
-                <a:cubicBezTo>
-                  <a:pt x="8981534" y="10491"/>
-                  <a:pt x="9191586" y="-13899"/>
-                  <a:pt x="9524322" y="0"/>
-                </a:cubicBezTo>
-                <a:cubicBezTo>
-                  <a:pt x="9857058" y="13899"/>
-                  <a:pt x="10297509" y="7485"/>
-                  <a:pt x="10853928" y="0"/>
-                </a:cubicBezTo>
-                <a:cubicBezTo>
-                  <a:pt x="10854574" y="4451"/>
-                  <a:pt x="10854418" y="9226"/>
-                  <a:pt x="10853928" y="18288"/>
-                </a:cubicBezTo>
-                <a:cubicBezTo>
-                  <a:pt x="10691638" y="28522"/>
-                  <a:pt x="10574319" y="29578"/>
-                  <a:pt x="10392636" y="18288"/>
-                </a:cubicBezTo>
-                <a:cubicBezTo>
-                  <a:pt x="10210953" y="6998"/>
-                  <a:pt x="9836277" y="-16742"/>
-                  <a:pt x="9497187" y="18288"/>
-                </a:cubicBezTo>
-                <a:cubicBezTo>
-                  <a:pt x="9158097" y="53318"/>
-                  <a:pt x="9119479" y="30714"/>
-                  <a:pt x="8818817" y="18288"/>
-                </a:cubicBezTo>
-                <a:cubicBezTo>
-                  <a:pt x="8518155" y="5863"/>
-                  <a:pt x="8640037" y="6483"/>
-                  <a:pt x="8466064" y="18288"/>
-                </a:cubicBezTo>
-                <a:cubicBezTo>
-                  <a:pt x="8292091" y="30093"/>
-                  <a:pt x="7997656" y="18914"/>
-                  <a:pt x="7787693" y="18288"/>
-                </a:cubicBezTo>
-                <a:cubicBezTo>
-                  <a:pt x="7577730" y="17662"/>
-                  <a:pt x="7412468" y="21416"/>
-                  <a:pt x="7217862" y="18288"/>
-                </a:cubicBezTo>
-                <a:cubicBezTo>
-                  <a:pt x="7023256" y="15160"/>
-                  <a:pt x="6898018" y="14824"/>
-                  <a:pt x="6648031" y="18288"/>
-                </a:cubicBezTo>
-                <a:cubicBezTo>
-                  <a:pt x="6398044" y="21752"/>
-                  <a:pt x="6254402" y="38625"/>
-                  <a:pt x="6078200" y="18288"/>
-                </a:cubicBezTo>
-                <a:cubicBezTo>
-                  <a:pt x="5901998" y="-2049"/>
-                  <a:pt x="5622886" y="3213"/>
-                  <a:pt x="5508368" y="18288"/>
-                </a:cubicBezTo>
-                <a:cubicBezTo>
-                  <a:pt x="5393850" y="33363"/>
-                  <a:pt x="5036260" y="26830"/>
-                  <a:pt x="4721459" y="18288"/>
-                </a:cubicBezTo>
-                <a:cubicBezTo>
-                  <a:pt x="4406658" y="9746"/>
-                  <a:pt x="4239221" y="41551"/>
-                  <a:pt x="4043088" y="18288"/>
-                </a:cubicBezTo>
-                <a:cubicBezTo>
-                  <a:pt x="3846955" y="-4975"/>
-                  <a:pt x="3818802" y="34658"/>
-                  <a:pt x="3690336" y="18288"/>
-                </a:cubicBezTo>
-                <a:cubicBezTo>
-                  <a:pt x="3561870" y="1918"/>
-                  <a:pt x="3265491" y="42194"/>
-                  <a:pt x="3120504" y="18288"/>
-                </a:cubicBezTo>
-                <a:cubicBezTo>
-                  <a:pt x="2975517" y="-5618"/>
-                  <a:pt x="2720254" y="36673"/>
-                  <a:pt x="2333595" y="18288"/>
-                </a:cubicBezTo>
-                <a:cubicBezTo>
-                  <a:pt x="1946936" y="-97"/>
-                  <a:pt x="2097241" y="5776"/>
-                  <a:pt x="1872303" y="18288"/>
-                </a:cubicBezTo>
-                <a:cubicBezTo>
-                  <a:pt x="1647365" y="30800"/>
-                  <a:pt x="1282708" y="45380"/>
-                  <a:pt x="976854" y="18288"/>
-                </a:cubicBezTo>
-                <a:cubicBezTo>
-                  <a:pt x="671000" y="-8804"/>
-                  <a:pt x="408401" y="-12775"/>
-                  <a:pt x="0" y="18288"/>
-                </a:cubicBezTo>
-                <a:cubicBezTo>
-                  <a:pt x="-213" y="9468"/>
-                  <a:pt x="187" y="4459"/>
-                  <a:pt x="0" y="0"/>
-                </a:cubicBezTo>
-                <a:close/>
-              </a:path>
-              <a:path w="10853928" h="18288" stroke="0" extrusionOk="0">
-                <a:moveTo>
-                  <a:pt x="0" y="0"/>
-                </a:moveTo>
-                <a:cubicBezTo>
-                  <a:pt x="267322" y="15284"/>
-                  <a:pt x="415388" y="-21048"/>
-                  <a:pt x="569831" y="0"/>
-                </a:cubicBezTo>
-                <a:cubicBezTo>
-                  <a:pt x="724274" y="21048"/>
-                  <a:pt x="769333" y="-2353"/>
-                  <a:pt x="922584" y="0"/>
-                </a:cubicBezTo>
-                <a:cubicBezTo>
-                  <a:pt x="1075835" y="2353"/>
-                  <a:pt x="1399490" y="-145"/>
-                  <a:pt x="1818033" y="0"/>
-                </a:cubicBezTo>
-                <a:cubicBezTo>
-                  <a:pt x="2236576" y="145"/>
-                  <a:pt x="2145330" y="5482"/>
-                  <a:pt x="2387864" y="0"/>
-                </a:cubicBezTo>
-                <a:cubicBezTo>
-                  <a:pt x="2630398" y="-5482"/>
-                  <a:pt x="2793207" y="18487"/>
-                  <a:pt x="2957695" y="0"/>
-                </a:cubicBezTo>
-                <a:cubicBezTo>
-                  <a:pt x="3122183" y="-18487"/>
-                  <a:pt x="3579141" y="19003"/>
-                  <a:pt x="3853144" y="0"/>
-                </a:cubicBezTo>
-                <a:cubicBezTo>
-                  <a:pt x="4127147" y="-19003"/>
-                  <a:pt x="4209857" y="12211"/>
-                  <a:pt x="4314436" y="0"/>
-                </a:cubicBezTo>
-                <a:cubicBezTo>
-                  <a:pt x="4419015" y="-12211"/>
-                  <a:pt x="4762459" y="-17220"/>
-                  <a:pt x="5209885" y="0"/>
-                </a:cubicBezTo>
-                <a:cubicBezTo>
-                  <a:pt x="5657311" y="17220"/>
-                  <a:pt x="5692663" y="-3290"/>
-                  <a:pt x="6105335" y="0"/>
-                </a:cubicBezTo>
-                <a:cubicBezTo>
-                  <a:pt x="6518007" y="3290"/>
-                  <a:pt x="6455516" y="-5124"/>
-                  <a:pt x="6783705" y="0"/>
-                </a:cubicBezTo>
-                <a:cubicBezTo>
-                  <a:pt x="7111894" y="5124"/>
-                  <a:pt x="7441941" y="-17829"/>
-                  <a:pt x="7679154" y="0"/>
-                </a:cubicBezTo>
-                <a:cubicBezTo>
-                  <a:pt x="7916367" y="17829"/>
-                  <a:pt x="8102967" y="-24363"/>
-                  <a:pt x="8248985" y="0"/>
-                </a:cubicBezTo>
-                <a:cubicBezTo>
-                  <a:pt x="8395003" y="24363"/>
-                  <a:pt x="8552393" y="25505"/>
-                  <a:pt x="8818817" y="0"/>
-                </a:cubicBezTo>
-                <a:cubicBezTo>
-                  <a:pt x="9085241" y="-25505"/>
-                  <a:pt x="9411308" y="38000"/>
-                  <a:pt x="9605726" y="0"/>
-                </a:cubicBezTo>
-                <a:cubicBezTo>
-                  <a:pt x="9800144" y="-38000"/>
-                  <a:pt x="10006468" y="-25741"/>
-                  <a:pt x="10175558" y="0"/>
-                </a:cubicBezTo>
-                <a:cubicBezTo>
-                  <a:pt x="10344648" y="25741"/>
-                  <a:pt x="10696282" y="695"/>
-                  <a:pt x="10853928" y="0"/>
-                </a:cubicBezTo>
-                <a:cubicBezTo>
-                  <a:pt x="10853521" y="8690"/>
-                  <a:pt x="10853774" y="14141"/>
-                  <a:pt x="10853928" y="18288"/>
-                </a:cubicBezTo>
-                <a:cubicBezTo>
-                  <a:pt x="10608124" y="24255"/>
-                  <a:pt x="10343415" y="22307"/>
-                  <a:pt x="10067018" y="18288"/>
-                </a:cubicBezTo>
-                <a:cubicBezTo>
-                  <a:pt x="9790621" y="14270"/>
-                  <a:pt x="9843266" y="3564"/>
-                  <a:pt x="9714266" y="18288"/>
-                </a:cubicBezTo>
-                <a:cubicBezTo>
-                  <a:pt x="9585266" y="33012"/>
-                  <a:pt x="9379484" y="1875"/>
-                  <a:pt x="9252974" y="18288"/>
-                </a:cubicBezTo>
-                <a:cubicBezTo>
-                  <a:pt x="9126464" y="34701"/>
-                  <a:pt x="8580678" y="-4904"/>
-                  <a:pt x="8357525" y="18288"/>
-                </a:cubicBezTo>
-                <a:cubicBezTo>
-                  <a:pt x="8134372" y="41480"/>
-                  <a:pt x="7903199" y="26458"/>
-                  <a:pt x="7679154" y="18288"/>
-                </a:cubicBezTo>
-                <a:cubicBezTo>
-                  <a:pt x="7455109" y="10118"/>
-                  <a:pt x="7435944" y="27109"/>
-                  <a:pt x="7217862" y="18288"/>
-                </a:cubicBezTo>
-                <a:cubicBezTo>
-                  <a:pt x="6999780" y="9467"/>
-                  <a:pt x="6680409" y="18985"/>
-                  <a:pt x="6539492" y="18288"/>
-                </a:cubicBezTo>
-                <a:cubicBezTo>
-                  <a:pt x="6398575" y="17592"/>
-                  <a:pt x="6312077" y="33018"/>
-                  <a:pt x="6186739" y="18288"/>
-                </a:cubicBezTo>
-                <a:cubicBezTo>
-                  <a:pt x="6061401" y="3558"/>
-                  <a:pt x="5947033" y="12075"/>
-                  <a:pt x="5833986" y="18288"/>
-                </a:cubicBezTo>
-                <a:cubicBezTo>
-                  <a:pt x="5720939" y="24501"/>
-                  <a:pt x="5482226" y="8586"/>
-                  <a:pt x="5155616" y="18288"/>
-                </a:cubicBezTo>
-                <a:cubicBezTo>
-                  <a:pt x="4829006" y="27991"/>
-                  <a:pt x="4841274" y="29316"/>
-                  <a:pt x="4694324" y="18288"/>
-                </a:cubicBezTo>
-                <a:cubicBezTo>
-                  <a:pt x="4547374" y="7260"/>
-                  <a:pt x="4077675" y="7013"/>
-                  <a:pt x="3907414" y="18288"/>
-                </a:cubicBezTo>
-                <a:cubicBezTo>
-                  <a:pt x="3737153" y="29564"/>
-                  <a:pt x="3538393" y="21630"/>
-                  <a:pt x="3446122" y="18288"/>
-                </a:cubicBezTo>
-                <a:cubicBezTo>
-                  <a:pt x="3353851" y="14946"/>
-                  <a:pt x="2990320" y="-8091"/>
-                  <a:pt x="2659212" y="18288"/>
-                </a:cubicBezTo>
-                <a:cubicBezTo>
-                  <a:pt x="2328104" y="44667"/>
-                  <a:pt x="2427653" y="9607"/>
-                  <a:pt x="2306460" y="18288"/>
-                </a:cubicBezTo>
-                <a:cubicBezTo>
-                  <a:pt x="2185267" y="26969"/>
-                  <a:pt x="1719763" y="3717"/>
-                  <a:pt x="1519550" y="18288"/>
-                </a:cubicBezTo>
-                <a:cubicBezTo>
-                  <a:pt x="1319337" y="32860"/>
-                  <a:pt x="1167371" y="17040"/>
-                  <a:pt x="1058258" y="18288"/>
-                </a:cubicBezTo>
-                <a:cubicBezTo>
-                  <a:pt x="949145" y="19536"/>
-                  <a:pt x="780234" y="31447"/>
-                  <a:pt x="705505" y="18288"/>
-                </a:cubicBezTo>
-                <a:cubicBezTo>
-                  <a:pt x="630776" y="5129"/>
-                  <a:pt x="215796" y="30056"/>
-                  <a:pt x="0" y="18288"/>
-                </a:cubicBezTo>
-                <a:cubicBezTo>
-                  <a:pt x="-53" y="11301"/>
-                  <a:pt x="-649" y="7756"/>
-                  <a:pt x="0" y="0"/>
+                  <a:pt x="2027251" y="0"/>
+                  <a:pt x="2235942" y="32888"/>
+                  <a:pt x="2432225" y="93939"/>
                 </a:cubicBezTo>
                 <a:close/>
               </a:path>
             </a:pathLst>
           </a:custGeom>
-          <a:solidFill>
-            <a:schemeClr val="accent2"/>
-          </a:solidFill>
-          <a:ln w="41275" cap="rnd">
-            <a:solidFill>
-              <a:schemeClr val="accent2"/>
-            </a:solidFill>
-            <a:round/>
-            <a:extLst>
-              <a:ext uri="{C807C97D-BFC1-408E-A445-0C87EB9F89A2}">
-                <ask:lineSketchStyleProps xmlns:ask="http://schemas.microsoft.com/office/drawing/2018/sketchyshapes" sd="1219033472">
-                  <a:prstGeom prst="rect">
-                    <a:avLst/>
-                  </a:prstGeom>
-                  <ask:type>
-                    <ask:lineSketchFreehand/>
-                  </ask:type>
-                </ask:lineSketchStyleProps>
-              </a:ext>
-            </a:extLst>
+          <a:gradFill>
+            <a:gsLst>
+              <a:gs pos="29000">
+                <a:srgbClr val="000000">
+                  <a:alpha val="0"/>
+                </a:srgbClr>
+              </a:gs>
+              <a:gs pos="100000">
+                <a:schemeClr val="accent1">
+                  <a:alpha val="43000"/>
+                </a:schemeClr>
+              </a:gs>
+            </a:gsLst>
+            <a:lin ang="1800000" scaled="0"/>
+          </a:gradFill>
+          <a:ln>
+            <a:noFill/>
           </a:ln>
         </p:spPr>
         <p:style>
@@ -6586,6 +6195,85 @@
           </a:fontRef>
         </p:style>
         <p:txBody>
+          <a:bodyPr wrap="square" rtlCol="0" anchor="ctr">
+            <a:noAutofit/>
+          </a:bodyPr>
+          <a:lstStyle/>
+          <a:p>
+            <a:pPr algn="ctr"/>
+            <a:endParaRPr lang="en-US" dirty="0"/>
+          </a:p>
+        </p:txBody>
+      </p:sp>
+      <p:sp>
+        <p:nvSpPr>
+          <p:cNvPr id="27" name="Rectangle 26">
+            <a:extLst>
+              <a:ext uri="{FF2B5EF4-FFF2-40B4-BE49-F238E27FC236}">
+                <a16:creationId xmlns:a16="http://schemas.microsoft.com/office/drawing/2014/main" id="{8D71EDA1-87BF-4D5D-AB79-F346FD19278A}"/>
+              </a:ext>
+              <a:ext uri="{C183D7F6-B498-43B3-948B-1728B52AA6E4}">
+                <adec:decorative xmlns:adec="http://schemas.microsoft.com/office/drawing/2017/decorative" val="1"/>
+              </a:ext>
+            </a:extLst>
+          </p:cNvPr>
+          <p:cNvSpPr>
+            <a:spLocks noGrp="1" noRot="1" noChangeAspect="1" noMove="1" noResize="1" noEditPoints="1" noAdjustHandles="1" noChangeArrowheads="1" noChangeShapeType="1" noTextEdit="1"/>
+          </p:cNvSpPr>
+          <p:nvPr>
+            <p:extLst>
+              <p:ext uri="{386F3935-93C4-4BCD-93E2-E3B085C9AB24}">
+                <p16:designElem xmlns:p16="http://schemas.microsoft.com/office/powerpoint/2015/main" val="1"/>
+              </p:ext>
+            </p:extLst>
+          </p:nvPr>
+        </p:nvSpPr>
+        <p:spPr>
+          <a:xfrm rot="5400000" flipH="1">
+            <a:off x="-1410093" y="1399943"/>
+            <a:ext cx="6858003" cy="4037835"/>
+          </a:xfrm>
+          <a:prstGeom prst="rect">
+            <a:avLst/>
+          </a:prstGeom>
+          <a:gradFill>
+            <a:gsLst>
+              <a:gs pos="0">
+                <a:srgbClr val="000000">
+                  <a:alpha val="0"/>
+                </a:srgbClr>
+              </a:gs>
+              <a:gs pos="99000">
+                <a:schemeClr val="accent1">
+                  <a:lumMod val="60000"/>
+                  <a:lumOff val="40000"/>
+                  <a:alpha val="11000"/>
+                </a:schemeClr>
+              </a:gs>
+            </a:gsLst>
+            <a:lin ang="7200000" scaled="0"/>
+          </a:gradFill>
+          <a:ln>
+            <a:noFill/>
+          </a:ln>
+        </p:spPr>
+        <p:style>
+          <a:lnRef idx="2">
+            <a:schemeClr val="accent1">
+              <a:shade val="50000"/>
+            </a:schemeClr>
+          </a:lnRef>
+          <a:fillRef idx="1">
+            <a:schemeClr val="accent1"/>
+          </a:fillRef>
+          <a:effectRef idx="0">
+            <a:schemeClr val="accent1"/>
+          </a:effectRef>
+          <a:fontRef idx="minor">
+            <a:schemeClr val="lt1"/>
+          </a:fontRef>
+        </p:style>
+        <p:txBody>
           <a:bodyPr rtlCol="0" anchor="ctr"/>
           <a:lstStyle/>
           <a:p>
@@ -6596,10 +6284,10 @@
       </p:sp>
       <p:sp>
         <p:nvSpPr>
-          <p:cNvPr id="3" name="Content Placeholder 2">
-            <a:extLst>
-              <a:ext uri="{FF2B5EF4-FFF2-40B4-BE49-F238E27FC236}">
-                <a16:creationId xmlns:a16="http://schemas.microsoft.com/office/drawing/2014/main" id="{DC644AED-04E2-53D5-69B3-14B4257C6E67}"/>
+          <p:cNvPr id="2" name="Title 1">
+            <a:extLst>
+              <a:ext uri="{FF2B5EF4-FFF2-40B4-BE49-F238E27FC236}">
+                <a16:creationId xmlns:a16="http://schemas.microsoft.com/office/drawing/2014/main" id="{8917698C-BD50-5226-031C-3588F2A9B40D}"/>
               </a:ext>
             </a:extLst>
           </p:cNvPr>
@@ -6607,54 +6295,94 @@
             <a:spLocks noGrp="1"/>
           </p:cNvSpPr>
           <p:nvPr>
-            <p:ph idx="1"/>
+            <p:ph type="title"/>
           </p:nvPr>
         </p:nvSpPr>
         <p:spPr>
           <a:xfrm>
-            <a:off x="838200" y="1929384"/>
-            <a:ext cx="10515600" cy="4251960"/>
+            <a:off x="466722" y="586855"/>
+            <a:ext cx="3201366" cy="3387497"/>
           </a:xfrm>
         </p:spPr>
         <p:txBody>
-          <a:bodyPr>
+          <a:bodyPr anchor="b">
             <a:normAutofit/>
           </a:bodyPr>
           <a:lstStyle/>
           <a:p>
-            <a:r>
-              <a:rPr lang="en-US" sz="2200" dirty="0"/>
+            <a:pPr algn="r"/>
+            <a:r>
+              <a:rPr lang="en-US" sz="4000" dirty="0">
+                <a:solidFill>
+                  <a:srgbClr val="FFFFFF"/>
+                </a:solidFill>
+              </a:rPr>
+              <a:t>Features &amp; Components</a:t>
+            </a:r>
+          </a:p>
+        </p:txBody>
+      </p:sp>
+      <p:sp>
+        <p:nvSpPr>
+          <p:cNvPr id="3" name="Content Placeholder 2">
+            <a:extLst>
+              <a:ext uri="{FF2B5EF4-FFF2-40B4-BE49-F238E27FC236}">
+                <a16:creationId xmlns:a16="http://schemas.microsoft.com/office/drawing/2014/main" id="{DC644AED-04E2-53D5-69B3-14B4257C6E67}"/>
+              </a:ext>
+            </a:extLst>
+          </p:cNvPr>
+          <p:cNvSpPr>
+            <a:spLocks noGrp="1"/>
+          </p:cNvSpPr>
+          <p:nvPr>
+            <p:ph idx="1"/>
+          </p:nvPr>
+        </p:nvSpPr>
+        <p:spPr>
+          <a:xfrm>
+            <a:off x="4810259" y="649480"/>
+            <a:ext cx="6555347" cy="5546047"/>
+          </a:xfrm>
+        </p:spPr>
+        <p:txBody>
+          <a:bodyPr anchor="ctr">
+            <a:normAutofit/>
+          </a:bodyPr>
+          <a:lstStyle/>
+          <a:p>
+            <a:r>
+              <a:rPr lang="en-US" sz="2000"/>
               <a:t>Logger with multiple handlers</a:t>
             </a:r>
           </a:p>
           <a:p>
             <a:pPr lvl="1"/>
             <a:r>
-              <a:rPr lang="en-US" sz="2200" dirty="0"/>
+              <a:rPr lang="en-US" sz="2000"/>
               <a:t>high level console logging and detailed file logging</a:t>
             </a:r>
           </a:p>
           <a:p>
             <a:pPr lvl="1"/>
             <a:r>
-              <a:rPr lang="en-US" sz="2200" dirty="0"/>
+              <a:rPr lang="en-US" sz="2000"/>
               <a:t>Filtered on basis of log level (DEBUG, INFO, WARNING, ERROR)</a:t>
             </a:r>
           </a:p>
           <a:p>
             <a:pPr lvl="1"/>
-            <a:endParaRPr lang="en-US" sz="2200" dirty="0"/>
-          </a:p>
-          <a:p>
-            <a:r>
-              <a:rPr lang="en-US" sz="2200" dirty="0"/>
+            <a:endParaRPr lang="en-US" sz="2000"/>
+          </a:p>
+          <a:p>
+            <a:r>
+              <a:rPr lang="en-US" sz="2000"/>
               <a:t>Test Executor module</a:t>
             </a:r>
           </a:p>
           <a:p>
             <a:pPr lvl="1"/>
             <a:r>
-              <a:rPr lang="en-US" sz="2200" b="0" i="0" dirty="0">
+              <a:rPr lang="en-US" sz="2000" b="0" i="0">
                 <a:effectLst/>
                 <a:latin typeface="ui-sans-serif"/>
               </a:rPr>
@@ -6664,7 +6392,7 @@
           <a:p>
             <a:pPr lvl="1"/>
             <a:r>
-              <a:rPr lang="en-US" sz="2200" dirty="0">
+              <a:rPr lang="en-US" sz="2000">
                 <a:latin typeface="ui-sans-serif"/>
               </a:rPr>
               <a:t>Executes test suites based on selection</a:t>
@@ -6672,26 +6400,26 @@
           </a:p>
           <a:p>
             <a:pPr lvl="1"/>
-            <a:endParaRPr lang="en-US" sz="2200" dirty="0">
+            <a:endParaRPr lang="en-US" sz="2000">
               <a:latin typeface="ui-sans-serif"/>
             </a:endParaRPr>
           </a:p>
           <a:p>
             <a:r>
-              <a:rPr lang="en-US" sz="2200" dirty="0"/>
+              <a:rPr lang="en-US" sz="2000"/>
               <a:t>Bundled using pyinstaller</a:t>
             </a:r>
           </a:p>
           <a:p>
             <a:pPr lvl="1"/>
             <a:r>
-              <a:rPr lang="en-US" sz="2200" dirty="0"/>
+              <a:rPr lang="en-US" sz="2000"/>
               <a:t>App can run on test setups without installing Python</a:t>
             </a:r>
           </a:p>
           <a:p>
             <a:pPr lvl="1"/>
-            <a:endParaRPr lang="en-US" sz="2200" b="0" i="0" dirty="0">
+            <a:endParaRPr lang="en-US" sz="2000" b="0" i="0">
               <a:effectLst/>
               <a:latin typeface="ui-sans-serif"/>
             </a:endParaRPr>
@@ -6738,10 +6466,10 @@
       </p:grpSpPr>
       <p:sp useBgFill="1">
         <p:nvSpPr>
-          <p:cNvPr id="10" name="Rectangle 9">
-            <a:extLst>
-              <a:ext uri="{FF2B5EF4-FFF2-40B4-BE49-F238E27FC236}">
-                <a16:creationId xmlns:a16="http://schemas.microsoft.com/office/drawing/2014/main" id="{2B97F24A-32CE-4C1C-A50D-3016B394DCFB}"/>
+          <p:cNvPr id="17" name="Rectangle 16">
+            <a:extLst>
+              <a:ext uri="{FF2B5EF4-FFF2-40B4-BE49-F238E27FC236}">
+                <a16:creationId xmlns:a16="http://schemas.microsoft.com/office/drawing/2014/main" id="{2596F992-698C-48C0-9D89-70DA4CE927EF}"/>
               </a:ext>
               <a:ext uri="{C183D7F6-B498-43B3-948B-1728B52AA6E4}">
                 <adec:decorative xmlns:adec="http://schemas.microsoft.com/office/drawing/2017/decorative" val="1"/>
@@ -6767,6 +6495,229 @@
           <a:prstGeom prst="rect">
             <a:avLst/>
           </a:prstGeom>
+          <a:ln w="12700" cap="flat" cmpd="sng" algn="ctr">
+            <a:noFill/>
+            <a:prstDash val="solid"/>
+            <a:miter lim="800000"/>
+          </a:ln>
+          <a:effectLst/>
+          <a:extLst>
+            <a:ext uri="{91240B29-F687-4F45-9708-019B960494DF}">
+              <a14:hiddenLine xmlns:a14="http://schemas.microsoft.com/office/drawing/2010/main" w="12700" cap="flat" cmpd="sng" algn="ctr">
+                <a:solidFill>
+                  <a:schemeClr val="accent1">
+                    <a:shade val="50000"/>
+                  </a:schemeClr>
+                </a:solidFill>
+                <a:prstDash val="solid"/>
+                <a:miter lim="800000"/>
+              </a14:hiddenLine>
+            </a:ext>
+          </a:extLst>
+        </p:spPr>
+        <p:style>
+          <a:lnRef idx="2">
+            <a:schemeClr val="accent1">
+              <a:shade val="50000"/>
+            </a:schemeClr>
+          </a:lnRef>
+          <a:fillRef idx="1">
+            <a:schemeClr val="accent1"/>
+          </a:fillRef>
+          <a:effectRef idx="0">
+            <a:schemeClr val="accent1"/>
+          </a:effectRef>
+          <a:fontRef idx="minor">
+            <a:schemeClr val="lt1"/>
+          </a:fontRef>
+        </p:style>
+        <p:txBody>
+          <a:bodyPr rtlCol="0" anchor="ctr"/>
+          <a:lstStyle/>
+          <a:p>
+            <a:pPr algn="ctr"/>
+            <a:endParaRPr lang="en-US"/>
+          </a:p>
+        </p:txBody>
+      </p:sp>
+      <p:sp>
+        <p:nvSpPr>
+          <p:cNvPr id="2" name="Title 1">
+            <a:extLst>
+              <a:ext uri="{FF2B5EF4-FFF2-40B4-BE49-F238E27FC236}">
+                <a16:creationId xmlns:a16="http://schemas.microsoft.com/office/drawing/2014/main" id="{39FDCB1E-5F91-8B82-0A08-DEF84F38B13B}"/>
+              </a:ext>
+            </a:extLst>
+          </p:cNvPr>
+          <p:cNvSpPr>
+            <a:spLocks noGrp="1"/>
+          </p:cNvSpPr>
+          <p:nvPr>
+            <p:ph type="title"/>
+          </p:nvPr>
+        </p:nvSpPr>
+        <p:spPr>
+          <a:xfrm>
+            <a:off x="914402" y="489508"/>
+            <a:ext cx="5181597" cy="1655482"/>
+          </a:xfrm>
+        </p:spPr>
+        <p:txBody>
+          <a:bodyPr anchor="b">
+            <a:normAutofit/>
+          </a:bodyPr>
+          <a:lstStyle/>
+          <a:p>
+            <a:pPr algn="r"/>
+            <a:r>
+              <a:rPr lang="en-US" sz="4000" dirty="0"/>
+              <a:t>Input files for </a:t>
+            </a:r>
+            <a:r>
+              <a:rPr lang="en-US" sz="4000" dirty="0" err="1"/>
+              <a:t>ADTest</a:t>
+            </a:r>
+            <a:endParaRPr lang="en-US" sz="4000" dirty="0"/>
+          </a:p>
+        </p:txBody>
+      </p:sp>
+      <p:sp>
+        <p:nvSpPr>
+          <p:cNvPr id="3" name="Content Placeholder 2">
+            <a:extLst>
+              <a:ext uri="{FF2B5EF4-FFF2-40B4-BE49-F238E27FC236}">
+                <a16:creationId xmlns:a16="http://schemas.microsoft.com/office/drawing/2014/main" id="{77817575-9AFB-0481-6676-16C8E2A20071}"/>
+              </a:ext>
+            </a:extLst>
+          </p:cNvPr>
+          <p:cNvSpPr>
+            <a:spLocks noGrp="1"/>
+          </p:cNvSpPr>
+          <p:nvPr>
+            <p:ph idx="1"/>
+          </p:nvPr>
+        </p:nvSpPr>
+        <p:spPr>
+          <a:xfrm>
+            <a:off x="914402" y="2418408"/>
+            <a:ext cx="5181598" cy="3409898"/>
+          </a:xfrm>
+        </p:spPr>
+        <p:txBody>
+          <a:bodyPr anchor="t">
+            <a:normAutofit/>
+          </a:bodyPr>
+          <a:lstStyle/>
+          <a:p>
+            <a:pPr lvl="1" algn="r"/>
+            <a:endParaRPr lang="en-US" sz="2000"/>
+          </a:p>
+          <a:p>
+            <a:pPr algn="r"/>
+            <a:r>
+              <a:rPr lang="en-US" sz="2000"/>
+              <a:t>AD XML File</a:t>
+            </a:r>
+          </a:p>
+          <a:p>
+            <a:pPr lvl="1" algn="r"/>
+            <a:r>
+              <a:rPr lang="en-US" sz="2000"/>
+              <a:t>Config file used for ADInstall</a:t>
+            </a:r>
+          </a:p>
+          <a:p>
+            <a:pPr lvl="1" algn="r"/>
+            <a:endParaRPr lang="en-US" sz="2000"/>
+          </a:p>
+          <a:p>
+            <a:pPr algn="r"/>
+            <a:r>
+              <a:rPr lang="en-US" sz="2000"/>
+              <a:t>Server INI file</a:t>
+            </a:r>
+          </a:p>
+          <a:p>
+            <a:pPr lvl="1" algn="r"/>
+            <a:r>
+              <a:rPr lang="en-US" sz="2000"/>
+              <a:t>Details for each server in a setup</a:t>
+            </a:r>
+          </a:p>
+        </p:txBody>
+      </p:sp>
+      <p:pic>
+        <p:nvPicPr>
+          <p:cNvPr id="5" name="Picture 4">
+            <a:extLst>
+              <a:ext uri="{FF2B5EF4-FFF2-40B4-BE49-F238E27FC236}">
+                <a16:creationId xmlns:a16="http://schemas.microsoft.com/office/drawing/2014/main" id="{69B577DF-04D4-409B-6E14-AC2604DCE0B1}"/>
+              </a:ext>
+            </a:extLst>
+          </p:cNvPr>
+          <p:cNvPicPr>
+            <a:picLocks noChangeAspect="1"/>
+          </p:cNvPicPr>
+          <p:nvPr/>
+        </p:nvPicPr>
+        <p:blipFill>
+          <a:blip r:embed="rId2"/>
+          <a:stretch>
+            <a:fillRect/>
+          </a:stretch>
+        </p:blipFill>
+        <p:spPr>
+          <a:xfrm>
+            <a:off x="7242247" y="644056"/>
+            <a:ext cx="3823383" cy="5184250"/>
+          </a:xfrm>
+          <a:prstGeom prst="rect">
+            <a:avLst/>
+          </a:prstGeom>
+        </p:spPr>
+      </p:pic>
+      <p:sp>
+        <p:nvSpPr>
+          <p:cNvPr id="19" name="Rectangle 18">
+            <a:extLst>
+              <a:ext uri="{FF2B5EF4-FFF2-40B4-BE49-F238E27FC236}">
+                <a16:creationId xmlns:a16="http://schemas.microsoft.com/office/drawing/2014/main" id="{A344AAA5-41F4-4862-97EF-688D31DC7567}"/>
+              </a:ext>
+              <a:ext uri="{C183D7F6-B498-43B3-948B-1728B52AA6E4}">
+                <adec:decorative xmlns:adec="http://schemas.microsoft.com/office/drawing/2017/decorative" val="1"/>
+              </a:ext>
+            </a:extLst>
+          </p:cNvPr>
+          <p:cNvSpPr>
+            <a:spLocks noGrp="1" noRot="1" noChangeAspect="1" noMove="1" noResize="1" noEditPoints="1" noAdjustHandles="1" noChangeArrowheads="1" noChangeShapeType="1" noTextEdit="1"/>
+          </p:cNvSpPr>
+          <p:nvPr>
+            <p:extLst>
+              <p:ext uri="{386F3935-93C4-4BCD-93E2-E3B085C9AB24}">
+                <p16:designElem xmlns:p16="http://schemas.microsoft.com/office/powerpoint/2015/main" val="1"/>
+              </p:ext>
+            </p:extLst>
+          </p:nvPr>
+        </p:nvSpPr>
+        <p:spPr>
+          <a:xfrm rot="10800000" flipH="1">
+            <a:off x="0" y="6400799"/>
+            <a:ext cx="12192000" cy="456773"/>
+          </a:xfrm>
+          <a:prstGeom prst="rect">
+            <a:avLst/>
+          </a:prstGeom>
+          <a:gradFill>
+            <a:gsLst>
+              <a:gs pos="0">
+                <a:schemeClr val="accent1"/>
+              </a:gs>
+              <a:gs pos="85000">
+                <a:srgbClr val="000000"/>
+              </a:gs>
+            </a:gsLst>
+            <a:lin ang="2400000" scaled="0"/>
+          </a:gradFill>
           <a:ln>
             <a:noFill/>
           </a:ln>
@@ -6792,51 +6743,16 @@
           <a:lstStyle/>
           <a:p>
             <a:pPr algn="ctr"/>
-            <a:endParaRPr lang="en-US" dirty="0"/>
-          </a:p>
-        </p:txBody>
-      </p:sp>
-      <p:sp>
-        <p:nvSpPr>
-          <p:cNvPr id="2" name="Title 1">
-            <a:extLst>
-              <a:ext uri="{FF2B5EF4-FFF2-40B4-BE49-F238E27FC236}">
-                <a16:creationId xmlns:a16="http://schemas.microsoft.com/office/drawing/2014/main" id="{39FDCB1E-5F91-8B82-0A08-DEF84F38B13B}"/>
-              </a:ext>
-            </a:extLst>
-          </p:cNvPr>
-          <p:cNvSpPr>
-            <a:spLocks noGrp="1"/>
-          </p:cNvSpPr>
-          <p:nvPr>
-            <p:ph type="title"/>
-          </p:nvPr>
-        </p:nvSpPr>
-        <p:spPr>
-          <a:xfrm>
-            <a:off x="630936" y="639520"/>
-            <a:ext cx="3429000" cy="1719072"/>
-          </a:xfrm>
-        </p:spPr>
-        <p:txBody>
-          <a:bodyPr anchor="b">
-            <a:normAutofit/>
-          </a:bodyPr>
-          <a:lstStyle/>
-          <a:p>
-            <a:r>
-              <a:rPr lang="en-US" sz="4600" dirty="0"/>
-              <a:t>Input files for ADTest</a:t>
-            </a:r>
-          </a:p>
-        </p:txBody>
-      </p:sp>
-      <p:sp>
-        <p:nvSpPr>
-          <p:cNvPr id="12" name="sketch line">
-            <a:extLst>
-              <a:ext uri="{FF2B5EF4-FFF2-40B4-BE49-F238E27FC236}">
-                <a16:creationId xmlns:a16="http://schemas.microsoft.com/office/drawing/2014/main" id="{CD8B4F24-440B-49E9-B85D-733523DC064B}"/>
+            <a:endParaRPr lang="en-US"/>
+          </a:p>
+        </p:txBody>
+      </p:sp>
+      <p:sp>
+        <p:nvSpPr>
+          <p:cNvPr id="21" name="Rectangle 20">
+            <a:extLst>
+              <a:ext uri="{FF2B5EF4-FFF2-40B4-BE49-F238E27FC236}">
+                <a16:creationId xmlns:a16="http://schemas.microsoft.com/office/drawing/2014/main" id="{69E1A62C-2AAF-4B3E-8CDB-65E237080997}"/>
               </a:ext>
               <a:ext uri="{C183D7F6-B498-43B3-948B-1728B52AA6E4}">
                 <adec:decorative xmlns:adec="http://schemas.microsoft.com/office/drawing/2017/decorative" val="1"/>
@@ -6855,228 +6771,30 @@
           </p:nvPr>
         </p:nvSpPr>
         <p:spPr>
-          <a:xfrm>
-            <a:off x="643278" y="2573756"/>
-            <a:ext cx="3255095" cy="18288"/>
+          <a:xfrm flipH="1">
+            <a:off x="4038600" y="6400799"/>
+            <a:ext cx="8153398" cy="456772"/>
           </a:xfrm>
-          <a:custGeom>
+          <a:prstGeom prst="rect">
             <a:avLst/>
-            <a:gdLst>
-              <a:gd name="connsiteX0" fmla="*/ 0 w 3255095"/>
-              <a:gd name="connsiteY0" fmla="*/ 0 h 18288"/>
-              <a:gd name="connsiteX1" fmla="*/ 618468 w 3255095"/>
-              <a:gd name="connsiteY1" fmla="*/ 0 h 18288"/>
-              <a:gd name="connsiteX2" fmla="*/ 1269487 w 3255095"/>
-              <a:gd name="connsiteY2" fmla="*/ 0 h 18288"/>
-              <a:gd name="connsiteX3" fmla="*/ 1953057 w 3255095"/>
-              <a:gd name="connsiteY3" fmla="*/ 0 h 18288"/>
-              <a:gd name="connsiteX4" fmla="*/ 2636627 w 3255095"/>
-              <a:gd name="connsiteY4" fmla="*/ 0 h 18288"/>
-              <a:gd name="connsiteX5" fmla="*/ 3255095 w 3255095"/>
-              <a:gd name="connsiteY5" fmla="*/ 0 h 18288"/>
-              <a:gd name="connsiteX6" fmla="*/ 3255095 w 3255095"/>
-              <a:gd name="connsiteY6" fmla="*/ 18288 h 18288"/>
-              <a:gd name="connsiteX7" fmla="*/ 2538974 w 3255095"/>
-              <a:gd name="connsiteY7" fmla="*/ 18288 h 18288"/>
-              <a:gd name="connsiteX8" fmla="*/ 1822853 w 3255095"/>
-              <a:gd name="connsiteY8" fmla="*/ 18288 h 18288"/>
-              <a:gd name="connsiteX9" fmla="*/ 1171834 w 3255095"/>
-              <a:gd name="connsiteY9" fmla="*/ 18288 h 18288"/>
-              <a:gd name="connsiteX10" fmla="*/ 0 w 3255095"/>
-              <a:gd name="connsiteY10" fmla="*/ 18288 h 18288"/>
-              <a:gd name="connsiteX11" fmla="*/ 0 w 3255095"/>
-              <a:gd name="connsiteY11" fmla="*/ 0 h 18288"/>
-            </a:gdLst>
-            <a:ahLst/>
-            <a:cxnLst>
-              <a:cxn ang="0">
-                <a:pos x="connsiteX0" y="connsiteY0"/>
-              </a:cxn>
-              <a:cxn ang="0">
-                <a:pos x="connsiteX1" y="connsiteY1"/>
-              </a:cxn>
-              <a:cxn ang="0">
-                <a:pos x="connsiteX2" y="connsiteY2"/>
-              </a:cxn>
-              <a:cxn ang="0">
-                <a:pos x="connsiteX3" y="connsiteY3"/>
-              </a:cxn>
-              <a:cxn ang="0">
-                <a:pos x="connsiteX4" y="connsiteY4"/>
-              </a:cxn>
-              <a:cxn ang="0">
-                <a:pos x="connsiteX5" y="connsiteY5"/>
-              </a:cxn>
-              <a:cxn ang="0">
-                <a:pos x="connsiteX6" y="connsiteY6"/>
-              </a:cxn>
-              <a:cxn ang="0">
-                <a:pos x="connsiteX7" y="connsiteY7"/>
-              </a:cxn>
-              <a:cxn ang="0">
-                <a:pos x="connsiteX8" y="connsiteY8"/>
-              </a:cxn>
-              <a:cxn ang="0">
-                <a:pos x="connsiteX9" y="connsiteY9"/>
-              </a:cxn>
-              <a:cxn ang="0">
-                <a:pos x="connsiteX10" y="connsiteY10"/>
-              </a:cxn>
-              <a:cxn ang="0">
-                <a:pos x="connsiteX11" y="connsiteY11"/>
-              </a:cxn>
-            </a:cxnLst>
-            <a:rect l="l" t="t" r="r" b="b"/>
-            <a:pathLst>
-              <a:path w="3255095" h="18288" fill="none" extrusionOk="0">
-                <a:moveTo>
-                  <a:pt x="0" y="0"/>
-                </a:moveTo>
-                <a:cubicBezTo>
-                  <a:pt x="240201" y="-22123"/>
-                  <a:pt x="462021" y="-19623"/>
-                  <a:pt x="618468" y="0"/>
-                </a:cubicBezTo>
-                <a:cubicBezTo>
-                  <a:pt x="774915" y="19623"/>
-                  <a:pt x="974734" y="2035"/>
-                  <a:pt x="1269487" y="0"/>
-                </a:cubicBezTo>
-                <a:cubicBezTo>
-                  <a:pt x="1564240" y="-2035"/>
-                  <a:pt x="1733579" y="10639"/>
-                  <a:pt x="1953057" y="0"/>
-                </a:cubicBezTo>
-                <a:cubicBezTo>
-                  <a:pt x="2172535" y="-10639"/>
-                  <a:pt x="2453962" y="14018"/>
-                  <a:pt x="2636627" y="0"/>
-                </a:cubicBezTo>
-                <a:cubicBezTo>
-                  <a:pt x="2819292" y="-14018"/>
-                  <a:pt x="3121375" y="5399"/>
-                  <a:pt x="3255095" y="0"/>
-                </a:cubicBezTo>
-                <a:cubicBezTo>
-                  <a:pt x="3254386" y="8157"/>
-                  <a:pt x="3254682" y="12125"/>
-                  <a:pt x="3255095" y="18288"/>
-                </a:cubicBezTo>
-                <a:cubicBezTo>
-                  <a:pt x="3088545" y="23203"/>
-                  <a:pt x="2687475" y="7419"/>
-                  <a:pt x="2538974" y="18288"/>
-                </a:cubicBezTo>
-                <a:cubicBezTo>
-                  <a:pt x="2390473" y="29157"/>
-                  <a:pt x="2137381" y="-8959"/>
-                  <a:pt x="1822853" y="18288"/>
-                </a:cubicBezTo>
-                <a:cubicBezTo>
-                  <a:pt x="1508325" y="45535"/>
-                  <a:pt x="1466437" y="20385"/>
-                  <a:pt x="1171834" y="18288"/>
-                </a:cubicBezTo>
-                <a:cubicBezTo>
-                  <a:pt x="877231" y="16191"/>
-                  <a:pt x="561097" y="37643"/>
-                  <a:pt x="0" y="18288"/>
-                </a:cubicBezTo>
-                <a:cubicBezTo>
-                  <a:pt x="-46" y="12483"/>
-                  <a:pt x="-203" y="6491"/>
-                  <a:pt x="0" y="0"/>
-                </a:cubicBezTo>
-                <a:close/>
-              </a:path>
-              <a:path w="3255095" h="18288" stroke="0" extrusionOk="0">
-                <a:moveTo>
-                  <a:pt x="0" y="0"/>
-                </a:moveTo>
-                <a:cubicBezTo>
-                  <a:pt x="291965" y="19429"/>
-                  <a:pt x="363155" y="8568"/>
-                  <a:pt x="618468" y="0"/>
-                </a:cubicBezTo>
-                <a:cubicBezTo>
-                  <a:pt x="873781" y="-8568"/>
-                  <a:pt x="904459" y="-19505"/>
-                  <a:pt x="1171834" y="0"/>
-                </a:cubicBezTo>
-                <a:cubicBezTo>
-                  <a:pt x="1439209" y="19505"/>
-                  <a:pt x="1744369" y="9790"/>
-                  <a:pt x="1887955" y="0"/>
-                </a:cubicBezTo>
-                <a:cubicBezTo>
-                  <a:pt x="2031541" y="-9790"/>
-                  <a:pt x="2346378" y="21240"/>
-                  <a:pt x="2506423" y="0"/>
-                </a:cubicBezTo>
-                <a:cubicBezTo>
-                  <a:pt x="2666468" y="-21240"/>
-                  <a:pt x="2990257" y="30414"/>
-                  <a:pt x="3255095" y="0"/>
-                </a:cubicBezTo>
-                <a:cubicBezTo>
-                  <a:pt x="3254831" y="4493"/>
-                  <a:pt x="3255479" y="9472"/>
-                  <a:pt x="3255095" y="18288"/>
-                </a:cubicBezTo>
-                <a:cubicBezTo>
-                  <a:pt x="3120743" y="16690"/>
-                  <a:pt x="2759628" y="42462"/>
-                  <a:pt x="2604076" y="18288"/>
-                </a:cubicBezTo>
-                <a:cubicBezTo>
-                  <a:pt x="2448524" y="-5886"/>
-                  <a:pt x="2184336" y="19599"/>
-                  <a:pt x="1887955" y="18288"/>
-                </a:cubicBezTo>
-                <a:cubicBezTo>
-                  <a:pt x="1591574" y="16977"/>
-                  <a:pt x="1548845" y="6870"/>
-                  <a:pt x="1334589" y="18288"/>
-                </a:cubicBezTo>
-                <a:cubicBezTo>
-                  <a:pt x="1120333" y="29706"/>
-                  <a:pt x="996014" y="9662"/>
-                  <a:pt x="683570" y="18288"/>
-                </a:cubicBezTo>
-                <a:cubicBezTo>
-                  <a:pt x="371126" y="26914"/>
-                  <a:pt x="198687" y="16167"/>
-                  <a:pt x="0" y="18288"/>
-                </a:cubicBezTo>
-                <a:cubicBezTo>
-                  <a:pt x="843" y="9577"/>
-                  <a:pt x="371" y="6900"/>
-                  <a:pt x="0" y="0"/>
-                </a:cubicBezTo>
-                <a:close/>
-              </a:path>
-            </a:pathLst>
-          </a:custGeom>
-          <a:solidFill>
-            <a:schemeClr val="accent2"/>
-          </a:solidFill>
-          <a:ln w="38100" cap="rnd">
-            <a:solidFill>
-              <a:schemeClr val="accent2"/>
-            </a:solidFill>
-            <a:round/>
-            <a:extLst>
-              <a:ext uri="{C807C97D-BFC1-408E-A445-0C87EB9F89A2}">
-                <ask:lineSketchStyleProps xmlns:ask="http://schemas.microsoft.com/office/drawing/2018/sketchyshapes" sd="1219033472">
-                  <a:prstGeom prst="rect">
-                    <a:avLst/>
-                  </a:prstGeom>
-                  <ask:type>
-                    <ask:lineSketchFreehand/>
-                  </ask:type>
-                </ask:lineSketchStyleProps>
-              </a:ext>
-            </a:extLst>
+          </a:prstGeom>
+          <a:gradFill>
+            <a:gsLst>
+              <a:gs pos="0">
+                <a:srgbClr val="000000">
+                  <a:alpha val="26000"/>
+                </a:srgbClr>
+              </a:gs>
+              <a:gs pos="100000">
+                <a:schemeClr val="accent1">
+                  <a:lumMod val="75000"/>
+                </a:schemeClr>
+              </a:gs>
+            </a:gsLst>
+            <a:lin ang="13800000" scaled="0"/>
+          </a:gradFill>
+          <a:ln>
+            <a:noFill/>
           </a:ln>
         </p:spPr>
         <p:style>
@@ -7100,108 +6818,10 @@
           <a:lstStyle/>
           <a:p>
             <a:pPr algn="ctr"/>
-            <a:endParaRPr lang="en-US" dirty="0"/>
-          </a:p>
-        </p:txBody>
-      </p:sp>
-      <p:sp>
-        <p:nvSpPr>
-          <p:cNvPr id="3" name="Content Placeholder 2">
-            <a:extLst>
-              <a:ext uri="{FF2B5EF4-FFF2-40B4-BE49-F238E27FC236}">
-                <a16:creationId xmlns:a16="http://schemas.microsoft.com/office/drawing/2014/main" id="{77817575-9AFB-0481-6676-16C8E2A20071}"/>
-              </a:ext>
-            </a:extLst>
-          </p:cNvPr>
-          <p:cNvSpPr>
-            <a:spLocks noGrp="1"/>
-          </p:cNvSpPr>
-          <p:nvPr>
-            <p:ph idx="1"/>
-          </p:nvPr>
-        </p:nvSpPr>
-        <p:spPr>
-          <a:xfrm>
-            <a:off x="630936" y="2807208"/>
-            <a:ext cx="3429000" cy="3410712"/>
-          </a:xfrm>
-        </p:spPr>
-        <p:txBody>
-          <a:bodyPr anchor="t">
-            <a:normAutofit/>
-          </a:bodyPr>
-          <a:lstStyle/>
-          <a:p>
-            <a:pPr lvl="1"/>
-            <a:endParaRPr lang="en-US" sz="2200" dirty="0"/>
-          </a:p>
-          <a:p>
-            <a:r>
-              <a:rPr lang="en-US" sz="2200" dirty="0"/>
-              <a:t>AD XML File</a:t>
-            </a:r>
-          </a:p>
-          <a:p>
-            <a:pPr lvl="1"/>
-            <a:r>
-              <a:rPr lang="en-US" sz="2200" dirty="0"/>
-              <a:t>Config file used for </a:t>
-            </a:r>
-            <a:r>
-              <a:rPr lang="en-US" sz="2200" dirty="0" err="1"/>
-              <a:t>ADInstall</a:t>
-            </a:r>
-            <a:endParaRPr lang="en-US" sz="2200" dirty="0"/>
-          </a:p>
-          <a:p>
-            <a:pPr lvl="1"/>
-            <a:endParaRPr lang="en-US" sz="2200" dirty="0"/>
-          </a:p>
-          <a:p>
-            <a:r>
-              <a:rPr lang="en-US" sz="2200" dirty="0"/>
-              <a:t>Server INI file</a:t>
-            </a:r>
-          </a:p>
-          <a:p>
-            <a:pPr lvl="1"/>
-            <a:r>
-              <a:rPr lang="en-US" sz="2200" dirty="0"/>
-              <a:t>Details for each server in a setup</a:t>
-            </a:r>
-          </a:p>
-        </p:txBody>
-      </p:sp>
-      <p:pic>
-        <p:nvPicPr>
-          <p:cNvPr id="5" name="Picture 4">
-            <a:extLst>
-              <a:ext uri="{FF2B5EF4-FFF2-40B4-BE49-F238E27FC236}">
-                <a16:creationId xmlns:a16="http://schemas.microsoft.com/office/drawing/2014/main" id="{69B577DF-04D4-409B-6E14-AC2604DCE0B1}"/>
-              </a:ext>
-            </a:extLst>
-          </p:cNvPr>
-          <p:cNvPicPr>
-            <a:picLocks noChangeAspect="1"/>
-          </p:cNvPicPr>
-          <p:nvPr/>
-        </p:nvPicPr>
-        <p:blipFill>
-          <a:blip r:embed="rId2"/>
-          <a:stretch>
-            <a:fillRect/>
-          </a:stretch>
-        </p:blipFill>
-        <p:spPr>
-          <a:xfrm>
-            <a:off x="6049328" y="640080"/>
-            <a:ext cx="4113656" cy="5577840"/>
-          </a:xfrm>
-          <a:prstGeom prst="rect">
-            <a:avLst/>
-          </a:prstGeom>
-        </p:spPr>
-      </p:pic>
+            <a:endParaRPr lang="en-US"/>
+          </a:p>
+        </p:txBody>
+      </p:sp>
     </p:spTree>
     <p:extLst>
       <p:ext uri="{BB962C8B-B14F-4D97-AF65-F5344CB8AC3E}">
@@ -7242,10 +6862,10 @@
       </p:grpSpPr>
       <p:sp useBgFill="1">
         <p:nvSpPr>
-          <p:cNvPr id="26" name="Rectangle 25">
-            <a:extLst>
-              <a:ext uri="{FF2B5EF4-FFF2-40B4-BE49-F238E27FC236}">
-                <a16:creationId xmlns:a16="http://schemas.microsoft.com/office/drawing/2014/main" id="{BCED4D40-4B67-4331-AC48-79B82B4A47D8}"/>
+          <p:cNvPr id="33" name="Rectangle 32">
+            <a:extLst>
+              <a:ext uri="{FF2B5EF4-FFF2-40B4-BE49-F238E27FC236}">
+                <a16:creationId xmlns:a16="http://schemas.microsoft.com/office/drawing/2014/main" id="{A8384FB5-9ADC-4DDC-881B-597D56F5B15D}"/>
               </a:ext>
               <a:ext uri="{C183D7F6-B498-43B3-948B-1728B52AA6E4}">
                 <adec:decorative xmlns:adec="http://schemas.microsoft.com/office/drawing/2017/decorative" val="1"/>
@@ -7271,6 +6891,95 @@
           <a:prstGeom prst="rect">
             <a:avLst/>
           </a:prstGeom>
+          <a:ln w="12700" cap="flat" cmpd="sng" algn="ctr">
+            <a:noFill/>
+            <a:prstDash val="solid"/>
+            <a:miter lim="800000"/>
+          </a:ln>
+          <a:effectLst/>
+          <a:extLst>
+            <a:ext uri="{91240B29-F687-4F45-9708-019B960494DF}">
+              <a14:hiddenLine xmlns:a14="http://schemas.microsoft.com/office/drawing/2010/main" w="12700" cap="flat" cmpd="sng" algn="ctr">
+                <a:solidFill>
+                  <a:schemeClr val="accent1">
+                    <a:shade val="50000"/>
+                  </a:schemeClr>
+                </a:solidFill>
+                <a:prstDash val="solid"/>
+                <a:miter lim="800000"/>
+              </a14:hiddenLine>
+            </a:ext>
+          </a:extLst>
+        </p:spPr>
+        <p:style>
+          <a:lnRef idx="2">
+            <a:schemeClr val="accent1">
+              <a:shade val="50000"/>
+            </a:schemeClr>
+          </a:lnRef>
+          <a:fillRef idx="1">
+            <a:schemeClr val="accent1"/>
+          </a:fillRef>
+          <a:effectRef idx="0">
+            <a:schemeClr val="accent1"/>
+          </a:effectRef>
+          <a:fontRef idx="minor">
+            <a:schemeClr val="lt1"/>
+          </a:fontRef>
+        </p:style>
+        <p:txBody>
+          <a:bodyPr rtlCol="0" anchor="ctr"/>
+          <a:lstStyle/>
+          <a:p>
+            <a:pPr algn="ctr"/>
+            <a:endParaRPr lang="en-US"/>
+          </a:p>
+        </p:txBody>
+      </p:sp>
+      <p:sp>
+        <p:nvSpPr>
+          <p:cNvPr id="35" name="Rectangle 34">
+            <a:extLst>
+              <a:ext uri="{FF2B5EF4-FFF2-40B4-BE49-F238E27FC236}">
+                <a16:creationId xmlns:a16="http://schemas.microsoft.com/office/drawing/2014/main" id="{91E5A9A7-95C6-4F4F-B00E-C82E07FE62EF}"/>
+              </a:ext>
+              <a:ext uri="{C183D7F6-B498-43B3-948B-1728B52AA6E4}">
+                <adec:decorative xmlns:adec="http://schemas.microsoft.com/office/drawing/2017/decorative" val="1"/>
+              </a:ext>
+            </a:extLst>
+          </p:cNvPr>
+          <p:cNvSpPr>
+            <a:spLocks noGrp="1" noRot="1" noChangeAspect="1" noMove="1" noResize="1" noEditPoints="1" noAdjustHandles="1" noChangeArrowheads="1" noChangeShapeType="1" noTextEdit="1"/>
+          </p:cNvSpPr>
+          <p:nvPr>
+            <p:extLst>
+              <p:ext uri="{386F3935-93C4-4BCD-93E2-E3B085C9AB24}">
+                <p16:designElem xmlns:p16="http://schemas.microsoft.com/office/powerpoint/2015/main" val="1"/>
+              </p:ext>
+            </p:extLst>
+          </p:nvPr>
+        </p:nvSpPr>
+        <p:spPr>
+          <a:xfrm rot="5400000" flipH="1">
+            <a:off x="-1417539" y="1417538"/>
+            <a:ext cx="6875818" cy="4040744"/>
+          </a:xfrm>
+          <a:prstGeom prst="rect">
+            <a:avLst/>
+          </a:prstGeom>
+          <a:gradFill>
+            <a:gsLst>
+              <a:gs pos="0">
+                <a:srgbClr val="000000"/>
+              </a:gs>
+              <a:gs pos="100000">
+                <a:schemeClr val="accent1">
+                  <a:lumMod val="75000"/>
+                </a:schemeClr>
+              </a:gs>
+            </a:gsLst>
+            <a:lin ang="18600000" scaled="0"/>
+          </a:gradFill>
           <a:ln>
             <a:noFill/>
           </a:ln>
@@ -7296,59 +7005,16 @@
           <a:lstStyle/>
           <a:p>
             <a:pPr algn="ctr"/>
-            <a:endParaRPr lang="en-US"/>
-          </a:p>
-        </p:txBody>
-      </p:sp>
-      <p:sp>
-        <p:nvSpPr>
-          <p:cNvPr id="2" name="Title 1">
-            <a:extLst>
-              <a:ext uri="{FF2B5EF4-FFF2-40B4-BE49-F238E27FC236}">
-                <a16:creationId xmlns:a16="http://schemas.microsoft.com/office/drawing/2014/main" id="{E1C8CB51-840D-857C-E650-40DF32199FB8}"/>
-              </a:ext>
-            </a:extLst>
-          </p:cNvPr>
-          <p:cNvSpPr>
-            <a:spLocks noGrp="1"/>
-          </p:cNvSpPr>
-          <p:nvPr>
-            <p:ph type="title"/>
-          </p:nvPr>
-        </p:nvSpPr>
-        <p:spPr>
-          <a:xfrm>
-            <a:off x="638881" y="417576"/>
-            <a:ext cx="10909640" cy="1249394"/>
-          </a:xfrm>
-        </p:spPr>
-        <p:txBody>
-          <a:bodyPr vert="horz" lIns="91440" tIns="45720" rIns="91440" bIns="45720" rtlCol="0" anchor="ctr">
-            <a:normAutofit/>
-          </a:bodyPr>
-          <a:lstStyle/>
-          <a:p>
-            <a:pPr algn="ctr"/>
-            <a:r>
-              <a:rPr lang="en-US" sz="4600" kern="1200" dirty="0">
-                <a:solidFill>
-                  <a:schemeClr val="tx1"/>
-                </a:solidFill>
-                <a:latin typeface="+mj-lt"/>
-                <a:ea typeface="+mj-ea"/>
-                <a:cs typeface="+mj-cs"/>
-              </a:rPr>
-              <a:t>Control Flow</a:t>
-            </a:r>
-          </a:p>
-        </p:txBody>
-      </p:sp>
-      <p:sp>
-        <p:nvSpPr>
-          <p:cNvPr id="28" name="sketch line">
-            <a:extLst>
-              <a:ext uri="{FF2B5EF4-FFF2-40B4-BE49-F238E27FC236}">
-                <a16:creationId xmlns:a16="http://schemas.microsoft.com/office/drawing/2014/main" id="{670CEDEF-4F34-412E-84EE-329C1E936AF5}"/>
+            <a:endParaRPr lang="en-US" dirty="0"/>
+          </a:p>
+        </p:txBody>
+      </p:sp>
+      <p:sp>
+        <p:nvSpPr>
+          <p:cNvPr id="37" name="Rectangle 36">
+            <a:extLst>
+              <a:ext uri="{FF2B5EF4-FFF2-40B4-BE49-F238E27FC236}">
+                <a16:creationId xmlns:a16="http://schemas.microsoft.com/office/drawing/2014/main" id="{D07DD2DE-F619-49DD-B5E7-03A290FF4ED1}"/>
               </a:ext>
               <a:ext uri="{C183D7F6-B498-43B3-948B-1728B52AA6E4}">
                 <adec:decorative xmlns:adec="http://schemas.microsoft.com/office/drawing/2017/decorative" val="1"/>
@@ -7367,47 +7033,182 @@
           </p:nvPr>
         </p:nvSpPr>
         <p:spPr>
-          <a:xfrm>
-            <a:off x="3807702" y="1733454"/>
-            <a:ext cx="4572000" cy="18288"/>
+          <a:xfrm rot="16200000">
+            <a:off x="-158495" y="2660473"/>
+            <a:ext cx="4355594" cy="4038603"/>
+          </a:xfrm>
+          <a:prstGeom prst="rect">
+            <a:avLst/>
+          </a:prstGeom>
+          <a:gradFill>
+            <a:gsLst>
+              <a:gs pos="0">
+                <a:schemeClr val="accent1">
+                  <a:alpha val="50000"/>
+                </a:schemeClr>
+              </a:gs>
+              <a:gs pos="100000">
+                <a:schemeClr val="accent1">
+                  <a:lumMod val="50000"/>
+                  <a:alpha val="0"/>
+                </a:schemeClr>
+              </a:gs>
+            </a:gsLst>
+            <a:lin ang="11400000" scaled="0"/>
+          </a:gradFill>
+          <a:ln>
+            <a:noFill/>
+          </a:ln>
+        </p:spPr>
+        <p:style>
+          <a:lnRef idx="2">
+            <a:schemeClr val="accent1">
+              <a:shade val="50000"/>
+            </a:schemeClr>
+          </a:lnRef>
+          <a:fillRef idx="1">
+            <a:schemeClr val="accent1"/>
+          </a:fillRef>
+          <a:effectRef idx="0">
+            <a:schemeClr val="accent1"/>
+          </a:effectRef>
+          <a:fontRef idx="minor">
+            <a:schemeClr val="lt1"/>
+          </a:fontRef>
+        </p:style>
+        <p:txBody>
+          <a:bodyPr rtlCol="0" anchor="ctr"/>
+          <a:lstStyle/>
+          <a:p>
+            <a:pPr algn="ctr"/>
+            <a:endParaRPr lang="en-US"/>
+          </a:p>
+        </p:txBody>
+      </p:sp>
+      <p:sp>
+        <p:nvSpPr>
+          <p:cNvPr id="39" name="Rectangle 38">
+            <a:extLst>
+              <a:ext uri="{FF2B5EF4-FFF2-40B4-BE49-F238E27FC236}">
+                <a16:creationId xmlns:a16="http://schemas.microsoft.com/office/drawing/2014/main" id="{85149191-5F60-4A28-AAFF-039F96B0F3EC}"/>
+              </a:ext>
+              <a:ext uri="{C183D7F6-B498-43B3-948B-1728B52AA6E4}">
+                <adec:decorative xmlns:adec="http://schemas.microsoft.com/office/drawing/2017/decorative" val="1"/>
+              </a:ext>
+            </a:extLst>
+          </p:cNvPr>
+          <p:cNvSpPr>
+            <a:spLocks noGrp="1" noRot="1" noChangeAspect="1" noMove="1" noResize="1" noEditPoints="1" noAdjustHandles="1" noChangeArrowheads="1" noChangeShapeType="1" noTextEdit="1"/>
+          </p:cNvSpPr>
+          <p:nvPr>
+            <p:extLst>
+              <p:ext uri="{386F3935-93C4-4BCD-93E2-E3B085C9AB24}">
+                <p16:designElem xmlns:p16="http://schemas.microsoft.com/office/powerpoint/2015/main" val="1"/>
+              </p:ext>
+            </p:extLst>
+          </p:nvPr>
+        </p:nvSpPr>
+        <p:spPr>
+          <a:xfrm rot="16200000" flipH="1">
+            <a:off x="-1180882" y="1638085"/>
+            <a:ext cx="6857572" cy="3581401"/>
+          </a:xfrm>
+          <a:prstGeom prst="rect">
+            <a:avLst/>
+          </a:prstGeom>
+          <a:gradFill>
+            <a:gsLst>
+              <a:gs pos="0">
+                <a:srgbClr val="000000">
+                  <a:alpha val="59000"/>
+                </a:srgbClr>
+              </a:gs>
+              <a:gs pos="69000">
+                <a:schemeClr val="accent1">
+                  <a:alpha val="0"/>
+                </a:schemeClr>
+              </a:gs>
+            </a:gsLst>
+            <a:lin ang="13200000" scaled="0"/>
+          </a:gradFill>
+          <a:ln>
+            <a:noFill/>
+          </a:ln>
+        </p:spPr>
+        <p:style>
+          <a:lnRef idx="2">
+            <a:schemeClr val="accent1">
+              <a:shade val="50000"/>
+            </a:schemeClr>
+          </a:lnRef>
+          <a:fillRef idx="1">
+            <a:schemeClr val="accent1"/>
+          </a:fillRef>
+          <a:effectRef idx="0">
+            <a:schemeClr val="accent1"/>
+          </a:effectRef>
+          <a:fontRef idx="minor">
+            <a:schemeClr val="lt1"/>
+          </a:fontRef>
+        </p:style>
+        <p:txBody>
+          <a:bodyPr rtlCol="0" anchor="ctr"/>
+          <a:lstStyle/>
+          <a:p>
+            <a:pPr algn="ctr"/>
+            <a:endParaRPr lang="en-US" dirty="0"/>
+          </a:p>
+        </p:txBody>
+      </p:sp>
+      <p:sp>
+        <p:nvSpPr>
+          <p:cNvPr id="41" name="Freeform: Shape 40">
+            <a:extLst>
+              <a:ext uri="{FF2B5EF4-FFF2-40B4-BE49-F238E27FC236}">
+                <a16:creationId xmlns:a16="http://schemas.microsoft.com/office/drawing/2014/main" id="{F8260ED5-17F7-4158-B241-D51DD4CF1B7E}"/>
+              </a:ext>
+              <a:ext uri="{C183D7F6-B498-43B3-948B-1728B52AA6E4}">
+                <adec:decorative xmlns:adec="http://schemas.microsoft.com/office/drawing/2017/decorative" val="1"/>
+              </a:ext>
+            </a:extLst>
+          </p:cNvPr>
+          <p:cNvSpPr>
+            <a:spLocks noGrp="1" noRot="1" noChangeAspect="1" noMove="1" noResize="1" noEditPoints="1" noAdjustHandles="1" noChangeArrowheads="1" noChangeShapeType="1" noTextEdit="1"/>
+          </p:cNvSpPr>
+          <p:nvPr>
+            <p:extLst>
+              <p:ext uri="{386F3935-93C4-4BCD-93E2-E3B085C9AB24}">
+                <p16:designElem xmlns:p16="http://schemas.microsoft.com/office/powerpoint/2015/main" val="1"/>
+              </p:ext>
+            </p:extLst>
+          </p:nvPr>
+        </p:nvSpPr>
+        <p:spPr>
+          <a:xfrm rot="6097846">
+            <a:off x="-747355" y="1201312"/>
+            <a:ext cx="4808302" cy="4088666"/>
           </a:xfrm>
           <a:custGeom>
             <a:avLst/>
             <a:gdLst>
-              <a:gd name="connsiteX0" fmla="*/ 0 w 4572000"/>
-              <a:gd name="connsiteY0" fmla="*/ 0 h 18288"/>
-              <a:gd name="connsiteX1" fmla="*/ 515983 w 4572000"/>
-              <a:gd name="connsiteY1" fmla="*/ 0 h 18288"/>
-              <a:gd name="connsiteX2" fmla="*/ 1031966 w 4572000"/>
-              <a:gd name="connsiteY2" fmla="*/ 0 h 18288"/>
-              <a:gd name="connsiteX3" fmla="*/ 1639389 w 4572000"/>
-              <a:gd name="connsiteY3" fmla="*/ 0 h 18288"/>
-              <a:gd name="connsiteX4" fmla="*/ 2383971 w 4572000"/>
-              <a:gd name="connsiteY4" fmla="*/ 0 h 18288"/>
-              <a:gd name="connsiteX5" fmla="*/ 2945674 w 4572000"/>
-              <a:gd name="connsiteY5" fmla="*/ 0 h 18288"/>
-              <a:gd name="connsiteX6" fmla="*/ 3507377 w 4572000"/>
-              <a:gd name="connsiteY6" fmla="*/ 0 h 18288"/>
-              <a:gd name="connsiteX7" fmla="*/ 4572000 w 4572000"/>
-              <a:gd name="connsiteY7" fmla="*/ 0 h 18288"/>
-              <a:gd name="connsiteX8" fmla="*/ 4572000 w 4572000"/>
-              <a:gd name="connsiteY8" fmla="*/ 18288 h 18288"/>
-              <a:gd name="connsiteX9" fmla="*/ 3873137 w 4572000"/>
-              <a:gd name="connsiteY9" fmla="*/ 18288 h 18288"/>
-              <a:gd name="connsiteX10" fmla="*/ 3311434 w 4572000"/>
-              <a:gd name="connsiteY10" fmla="*/ 18288 h 18288"/>
-              <a:gd name="connsiteX11" fmla="*/ 2749731 w 4572000"/>
-              <a:gd name="connsiteY11" fmla="*/ 18288 h 18288"/>
-              <a:gd name="connsiteX12" fmla="*/ 2050869 w 4572000"/>
-              <a:gd name="connsiteY12" fmla="*/ 18288 h 18288"/>
-              <a:gd name="connsiteX13" fmla="*/ 1306286 w 4572000"/>
-              <a:gd name="connsiteY13" fmla="*/ 18288 h 18288"/>
-              <a:gd name="connsiteX14" fmla="*/ 790303 w 4572000"/>
-              <a:gd name="connsiteY14" fmla="*/ 18288 h 18288"/>
-              <a:gd name="connsiteX15" fmla="*/ 0 w 4572000"/>
-              <a:gd name="connsiteY15" fmla="*/ 18288 h 18288"/>
-              <a:gd name="connsiteX16" fmla="*/ 0 w 4572000"/>
-              <a:gd name="connsiteY16" fmla="*/ 0 h 18288"/>
+              <a:gd name="connsiteX0" fmla="*/ 48844 w 4808302"/>
+              <a:gd name="connsiteY0" fmla="*/ 2888671 h 4088666"/>
+              <a:gd name="connsiteX1" fmla="*/ 0 w 4808302"/>
+              <a:gd name="connsiteY1" fmla="*/ 2404151 h 4088666"/>
+              <a:gd name="connsiteX2" fmla="*/ 2404151 w 4808302"/>
+              <a:gd name="connsiteY2" fmla="*/ 0 h 4088666"/>
+              <a:gd name="connsiteX3" fmla="*/ 4808302 w 4808302"/>
+              <a:gd name="connsiteY3" fmla="*/ 2404151 h 4088666"/>
+              <a:gd name="connsiteX4" fmla="*/ 4700216 w 4808302"/>
+              <a:gd name="connsiteY4" fmla="*/ 3119072 h 4088666"/>
+              <a:gd name="connsiteX5" fmla="*/ 4643143 w 4808302"/>
+              <a:gd name="connsiteY5" fmla="*/ 3275009 h 4088666"/>
+              <a:gd name="connsiteX6" fmla="*/ 690093 w 4808302"/>
+              <a:gd name="connsiteY6" fmla="*/ 4088666 h 4088666"/>
+              <a:gd name="connsiteX7" fmla="*/ 548991 w 4808302"/>
+              <a:gd name="connsiteY7" fmla="*/ 3933414 h 4088666"/>
+              <a:gd name="connsiteX8" fmla="*/ 48844 w 4808302"/>
+              <a:gd name="connsiteY8" fmla="*/ 2888671 h 4088666"/>
             </a:gdLst>
             <a:ahLst/>
             <a:cxnLst>
@@ -7438,227 +7239,71 @@
               <a:cxn ang="0">
                 <a:pos x="connsiteX8" y="connsiteY8"/>
               </a:cxn>
-              <a:cxn ang="0">
-                <a:pos x="connsiteX9" y="connsiteY9"/>
-              </a:cxn>
-              <a:cxn ang="0">
-                <a:pos x="connsiteX10" y="connsiteY10"/>
-              </a:cxn>
-              <a:cxn ang="0">
-                <a:pos x="connsiteX11" y="connsiteY11"/>
-              </a:cxn>
-              <a:cxn ang="0">
-                <a:pos x="connsiteX12" y="connsiteY12"/>
-              </a:cxn>
-              <a:cxn ang="0">
-                <a:pos x="connsiteX13" y="connsiteY13"/>
-              </a:cxn>
-              <a:cxn ang="0">
-                <a:pos x="connsiteX14" y="connsiteY14"/>
-              </a:cxn>
-              <a:cxn ang="0">
-                <a:pos x="connsiteX15" y="connsiteY15"/>
-              </a:cxn>
-              <a:cxn ang="0">
-                <a:pos x="connsiteX16" y="connsiteY16"/>
-              </a:cxn>
             </a:cxnLst>
             <a:rect l="l" t="t" r="r" b="b"/>
             <a:pathLst>
-              <a:path w="4572000" h="18288" fill="none" extrusionOk="0">
+              <a:path w="4808302" h="4088666">
                 <a:moveTo>
-                  <a:pt x="0" y="0"/>
+                  <a:pt x="48844" y="2888671"/>
                 </a:moveTo>
                 <a:cubicBezTo>
-                  <a:pt x="105156" y="-20963"/>
-                  <a:pt x="340432" y="822"/>
-                  <a:pt x="515983" y="0"/>
+                  <a:pt x="16818" y="2732167"/>
+                  <a:pt x="0" y="2570123"/>
+                  <a:pt x="0" y="2404151"/>
                 </a:cubicBezTo>
                 <a:cubicBezTo>
-                  <a:pt x="691534" y="-822"/>
-                  <a:pt x="850679" y="16479"/>
-                  <a:pt x="1031966" y="0"/>
+                  <a:pt x="0" y="1076375"/>
+                  <a:pt x="1076375" y="0"/>
+                  <a:pt x="2404151" y="0"/>
                 </a:cubicBezTo>
                 <a:cubicBezTo>
-                  <a:pt x="1213253" y="-16479"/>
-                  <a:pt x="1443646" y="-18730"/>
-                  <a:pt x="1639389" y="0"/>
+                  <a:pt x="3731927" y="0"/>
+                  <a:pt x="4808302" y="1076375"/>
+                  <a:pt x="4808302" y="2404151"/>
                 </a:cubicBezTo>
                 <a:cubicBezTo>
-                  <a:pt x="1835132" y="18730"/>
-                  <a:pt x="2159975" y="18531"/>
-                  <a:pt x="2383971" y="0"/>
+                  <a:pt x="4808302" y="2653109"/>
+                  <a:pt x="4770461" y="2893229"/>
+                  <a:pt x="4700216" y="3119072"/>
                 </a:cubicBezTo>
+                <a:lnTo>
+                  <a:pt x="4643143" y="3275009"/>
+                </a:lnTo>
+                <a:lnTo>
+                  <a:pt x="690093" y="4088666"/>
+                </a:lnTo>
+                <a:lnTo>
+                  <a:pt x="548991" y="3933414"/>
+                </a:lnTo>
                 <a:cubicBezTo>
-                  <a:pt x="2607967" y="-18531"/>
-                  <a:pt x="2719096" y="-12030"/>
-                  <a:pt x="2945674" y="0"/>
-                </a:cubicBezTo>
-                <a:cubicBezTo>
-                  <a:pt x="3172252" y="12030"/>
-                  <a:pt x="3269167" y="27666"/>
-                  <a:pt x="3507377" y="0"/>
-                </a:cubicBezTo>
-                <a:cubicBezTo>
-                  <a:pt x="3745587" y="-27666"/>
-                  <a:pt x="4116741" y="18705"/>
-                  <a:pt x="4572000" y="0"/>
-                </a:cubicBezTo>
-                <a:cubicBezTo>
-                  <a:pt x="4572895" y="8974"/>
-                  <a:pt x="4571454" y="9359"/>
-                  <a:pt x="4572000" y="18288"/>
-                </a:cubicBezTo>
-                <a:cubicBezTo>
-                  <a:pt x="4374698" y="3942"/>
-                  <a:pt x="4098874" y="-11042"/>
-                  <a:pt x="3873137" y="18288"/>
-                </a:cubicBezTo>
-                <a:cubicBezTo>
-                  <a:pt x="3647400" y="47618"/>
-                  <a:pt x="3517055" y="5421"/>
-                  <a:pt x="3311434" y="18288"/>
-                </a:cubicBezTo>
-                <a:cubicBezTo>
-                  <a:pt x="3105813" y="31155"/>
-                  <a:pt x="3025168" y="17856"/>
-                  <a:pt x="2749731" y="18288"/>
-                </a:cubicBezTo>
-                <a:cubicBezTo>
-                  <a:pt x="2474294" y="18720"/>
-                  <a:pt x="2291766" y="-14168"/>
-                  <a:pt x="2050869" y="18288"/>
-                </a:cubicBezTo>
-                <a:cubicBezTo>
-                  <a:pt x="1809972" y="50744"/>
-                  <a:pt x="1540276" y="46798"/>
-                  <a:pt x="1306286" y="18288"/>
-                </a:cubicBezTo>
-                <a:cubicBezTo>
-                  <a:pt x="1072296" y="-10222"/>
-                  <a:pt x="972445" y="19645"/>
-                  <a:pt x="790303" y="18288"/>
-                </a:cubicBezTo>
-                <a:cubicBezTo>
-                  <a:pt x="608161" y="16931"/>
-                  <a:pt x="200981" y="8241"/>
-                  <a:pt x="0" y="18288"/>
-                </a:cubicBezTo>
-                <a:cubicBezTo>
-                  <a:pt x="-229" y="14222"/>
-                  <a:pt x="509" y="5816"/>
-                  <a:pt x="0" y="0"/>
-                </a:cubicBezTo>
-                <a:close/>
-              </a:path>
-              <a:path w="4572000" h="18288" stroke="0" extrusionOk="0">
-                <a:moveTo>
-                  <a:pt x="0" y="0"/>
-                </a:moveTo>
-                <a:cubicBezTo>
-                  <a:pt x="143285" y="-9565"/>
-                  <a:pt x="327959" y="-11498"/>
-                  <a:pt x="561703" y="0"/>
-                </a:cubicBezTo>
-                <a:cubicBezTo>
-                  <a:pt x="795447" y="11498"/>
-                  <a:pt x="838260" y="18255"/>
-                  <a:pt x="1077686" y="0"/>
-                </a:cubicBezTo>
-                <a:cubicBezTo>
-                  <a:pt x="1317112" y="-18255"/>
-                  <a:pt x="1437472" y="23514"/>
-                  <a:pt x="1639389" y="0"/>
-                </a:cubicBezTo>
-                <a:cubicBezTo>
-                  <a:pt x="1841306" y="-23514"/>
-                  <a:pt x="2037142" y="-12551"/>
-                  <a:pt x="2292531" y="0"/>
-                </a:cubicBezTo>
-                <a:cubicBezTo>
-                  <a:pt x="2547920" y="12551"/>
-                  <a:pt x="2810436" y="-20352"/>
-                  <a:pt x="2991394" y="0"/>
-                </a:cubicBezTo>
-                <a:cubicBezTo>
-                  <a:pt x="3172352" y="20352"/>
-                  <a:pt x="3530025" y="-13347"/>
-                  <a:pt x="3735977" y="0"/>
-                </a:cubicBezTo>
-                <a:cubicBezTo>
-                  <a:pt x="3941929" y="13347"/>
-                  <a:pt x="4161497" y="34086"/>
-                  <a:pt x="4572000" y="0"/>
-                </a:cubicBezTo>
-                <a:cubicBezTo>
-                  <a:pt x="4571545" y="6162"/>
-                  <a:pt x="4571903" y="11775"/>
-                  <a:pt x="4572000" y="18288"/>
-                </a:cubicBezTo>
-                <a:cubicBezTo>
-                  <a:pt x="4228040" y="36490"/>
-                  <a:pt x="4199736" y="42557"/>
-                  <a:pt x="3873137" y="18288"/>
-                </a:cubicBezTo>
-                <a:cubicBezTo>
-                  <a:pt x="3546538" y="-5981"/>
-                  <a:pt x="3472124" y="16809"/>
-                  <a:pt x="3128554" y="18288"/>
-                </a:cubicBezTo>
-                <a:cubicBezTo>
-                  <a:pt x="2784984" y="19767"/>
-                  <a:pt x="2735896" y="-17781"/>
-                  <a:pt x="2383971" y="18288"/>
-                </a:cubicBezTo>
-                <a:cubicBezTo>
-                  <a:pt x="2032046" y="54357"/>
-                  <a:pt x="2019324" y="2920"/>
-                  <a:pt x="1867989" y="18288"/>
-                </a:cubicBezTo>
-                <a:cubicBezTo>
-                  <a:pt x="1716654" y="33656"/>
-                  <a:pt x="1418675" y="32575"/>
-                  <a:pt x="1169126" y="18288"/>
-                </a:cubicBezTo>
-                <a:cubicBezTo>
-                  <a:pt x="919577" y="4001"/>
-                  <a:pt x="798537" y="16165"/>
-                  <a:pt x="561703" y="18288"/>
-                </a:cubicBezTo>
-                <a:cubicBezTo>
-                  <a:pt x="324869" y="20411"/>
-                  <a:pt x="221395" y="-912"/>
-                  <a:pt x="0" y="18288"/>
-                </a:cubicBezTo>
-                <a:cubicBezTo>
-                  <a:pt x="766" y="10800"/>
-                  <a:pt x="-457" y="8180"/>
-                  <a:pt x="0" y="0"/>
+                  <a:pt x="304015" y="3636572"/>
+                  <a:pt x="128908" y="3279932"/>
+                  <a:pt x="48844" y="2888671"/>
                 </a:cubicBezTo>
                 <a:close/>
               </a:path>
             </a:pathLst>
           </a:custGeom>
-          <a:solidFill>
-            <a:schemeClr val="accent2"/>
-          </a:solidFill>
-          <a:ln w="41275" cap="rnd">
-            <a:solidFill>
-              <a:schemeClr val="accent2"/>
-            </a:solidFill>
-            <a:round/>
-            <a:extLst>
-              <a:ext uri="{C807C97D-BFC1-408E-A445-0C87EB9F89A2}">
-                <ask:lineSketchStyleProps xmlns:ask="http://schemas.microsoft.com/office/drawing/2018/sketchyshapes" sd="2727557108">
-                  <a:prstGeom prst="rect">
-                    <a:avLst/>
-                  </a:prstGeom>
-                  <ask:type>
-                    <ask:lineSketchFreehand/>
-                  </ask:type>
-                </ask:lineSketchStyleProps>
-              </a:ext>
-            </a:extLst>
+          <a:gradFill>
+            <a:gsLst>
+              <a:gs pos="39000">
+                <a:schemeClr val="accent1">
+                  <a:lumMod val="60000"/>
+                  <a:lumOff val="40000"/>
+                  <a:alpha val="0"/>
+                </a:schemeClr>
+              </a:gs>
+              <a:gs pos="100000">
+                <a:schemeClr val="accent1">
+                  <a:lumMod val="75000"/>
+                  <a:alpha val="26000"/>
+                </a:schemeClr>
+              </a:gs>
+            </a:gsLst>
+            <a:lin ang="18600000" scaled="0"/>
+          </a:gradFill>
+          <a:ln>
+            <a:noFill/>
           </a:ln>
         </p:spPr>
         <p:style>
@@ -7678,11 +7323,55 @@
           </a:fontRef>
         </p:style>
         <p:txBody>
-          <a:bodyPr rtlCol="0" anchor="ctr"/>
+          <a:bodyPr wrap="square" rtlCol="0" anchor="ctr">
+            <a:noAutofit/>
+          </a:bodyPr>
           <a:lstStyle/>
           <a:p>
             <a:pPr algn="ctr"/>
-            <a:endParaRPr lang="en-US"/>
+            <a:endParaRPr lang="en-US" dirty="0"/>
+          </a:p>
+        </p:txBody>
+      </p:sp>
+      <p:sp>
+        <p:nvSpPr>
+          <p:cNvPr id="2" name="Title 1">
+            <a:extLst>
+              <a:ext uri="{FF2B5EF4-FFF2-40B4-BE49-F238E27FC236}">
+                <a16:creationId xmlns:a16="http://schemas.microsoft.com/office/drawing/2014/main" id="{E1C8CB51-840D-857C-E650-40DF32199FB8}"/>
+              </a:ext>
+            </a:extLst>
+          </p:cNvPr>
+          <p:cNvSpPr>
+            <a:spLocks noGrp="1"/>
+          </p:cNvSpPr>
+          <p:nvPr>
+            <p:ph type="title"/>
+          </p:nvPr>
+        </p:nvSpPr>
+        <p:spPr>
+          <a:xfrm>
+            <a:off x="660041" y="2767106"/>
+            <a:ext cx="2880828" cy="3071906"/>
+          </a:xfrm>
+        </p:spPr>
+        <p:txBody>
+          <a:bodyPr vert="horz" lIns="91440" tIns="45720" rIns="91440" bIns="45720" rtlCol="0" anchor="t">
+            <a:normAutofit/>
+          </a:bodyPr>
+          <a:lstStyle/>
+          <a:p>
+            <a:r>
+              <a:rPr lang="en-US" sz="4000" kern="1200">
+                <a:solidFill>
+                  <a:srgbClr val="FFFFFF"/>
+                </a:solidFill>
+                <a:latin typeface="+mj-lt"/>
+                <a:ea typeface="+mj-ea"/>
+                <a:cs typeface="+mj-cs"/>
+              </a:rPr>
+              <a:t>Control Flow</a:t>
+            </a:r>
           </a:p>
         </p:txBody>
       </p:sp>
@@ -7714,8 +7403,8 @@
         </p:blipFill>
         <p:spPr>
           <a:xfrm>
-            <a:off x="1960721" y="2066258"/>
-            <a:ext cx="8270558" cy="4135279"/>
+            <a:off x="4502428" y="1622563"/>
+            <a:ext cx="7225748" cy="3612874"/>
           </a:xfrm>
           <a:prstGeom prst="rect">
             <a:avLst/>
@@ -7762,10 +7451,10 @@
       </p:grpSpPr>
       <p:sp useBgFill="1">
         <p:nvSpPr>
-          <p:cNvPr id="14" name="Rectangle 13">
-            <a:extLst>
-              <a:ext uri="{FF2B5EF4-FFF2-40B4-BE49-F238E27FC236}">
-                <a16:creationId xmlns:a16="http://schemas.microsoft.com/office/drawing/2014/main" id="{BCED4D40-4B67-4331-AC48-79B82B4A47D8}"/>
+          <p:cNvPr id="21" name="Rectangle 20">
+            <a:extLst>
+              <a:ext uri="{FF2B5EF4-FFF2-40B4-BE49-F238E27FC236}">
+                <a16:creationId xmlns:a16="http://schemas.microsoft.com/office/drawing/2014/main" id="{A8384FB5-9ADC-4DDC-881B-597D56F5B15D}"/>
               </a:ext>
               <a:ext uri="{C183D7F6-B498-43B3-948B-1728B52AA6E4}">
                 <adec:decorative xmlns:adec="http://schemas.microsoft.com/office/drawing/2017/decorative" val="1"/>
@@ -7791,6 +7480,95 @@
           <a:prstGeom prst="rect">
             <a:avLst/>
           </a:prstGeom>
+          <a:ln w="12700" cap="flat" cmpd="sng" algn="ctr">
+            <a:noFill/>
+            <a:prstDash val="solid"/>
+            <a:miter lim="800000"/>
+          </a:ln>
+          <a:effectLst/>
+          <a:extLst>
+            <a:ext uri="{91240B29-F687-4F45-9708-019B960494DF}">
+              <a14:hiddenLine xmlns:a14="http://schemas.microsoft.com/office/drawing/2010/main" w="12700" cap="flat" cmpd="sng" algn="ctr">
+                <a:solidFill>
+                  <a:schemeClr val="accent1">
+                    <a:shade val="50000"/>
+                  </a:schemeClr>
+                </a:solidFill>
+                <a:prstDash val="solid"/>
+                <a:miter lim="800000"/>
+              </a14:hiddenLine>
+            </a:ext>
+          </a:extLst>
+        </p:spPr>
+        <p:style>
+          <a:lnRef idx="2">
+            <a:schemeClr val="accent1">
+              <a:shade val="50000"/>
+            </a:schemeClr>
+          </a:lnRef>
+          <a:fillRef idx="1">
+            <a:schemeClr val="accent1"/>
+          </a:fillRef>
+          <a:effectRef idx="0">
+            <a:schemeClr val="accent1"/>
+          </a:effectRef>
+          <a:fontRef idx="minor">
+            <a:schemeClr val="lt1"/>
+          </a:fontRef>
+        </p:style>
+        <p:txBody>
+          <a:bodyPr rtlCol="0" anchor="ctr"/>
+          <a:lstStyle/>
+          <a:p>
+            <a:pPr algn="ctr"/>
+            <a:endParaRPr lang="en-US"/>
+          </a:p>
+        </p:txBody>
+      </p:sp>
+      <p:sp>
+        <p:nvSpPr>
+          <p:cNvPr id="23" name="Rectangle 22">
+            <a:extLst>
+              <a:ext uri="{FF2B5EF4-FFF2-40B4-BE49-F238E27FC236}">
+                <a16:creationId xmlns:a16="http://schemas.microsoft.com/office/drawing/2014/main" id="{91E5A9A7-95C6-4F4F-B00E-C82E07FE62EF}"/>
+              </a:ext>
+              <a:ext uri="{C183D7F6-B498-43B3-948B-1728B52AA6E4}">
+                <adec:decorative xmlns:adec="http://schemas.microsoft.com/office/drawing/2017/decorative" val="1"/>
+              </a:ext>
+            </a:extLst>
+          </p:cNvPr>
+          <p:cNvSpPr>
+            <a:spLocks noGrp="1" noRot="1" noChangeAspect="1" noMove="1" noResize="1" noEditPoints="1" noAdjustHandles="1" noChangeArrowheads="1" noChangeShapeType="1" noTextEdit="1"/>
+          </p:cNvSpPr>
+          <p:nvPr>
+            <p:extLst>
+              <p:ext uri="{386F3935-93C4-4BCD-93E2-E3B085C9AB24}">
+                <p16:designElem xmlns:p16="http://schemas.microsoft.com/office/powerpoint/2015/main" val="1"/>
+              </p:ext>
+            </p:extLst>
+          </p:nvPr>
+        </p:nvSpPr>
+        <p:spPr>
+          <a:xfrm rot="5400000" flipH="1">
+            <a:off x="-1417539" y="1417538"/>
+            <a:ext cx="6875818" cy="4040744"/>
+          </a:xfrm>
+          <a:prstGeom prst="rect">
+            <a:avLst/>
+          </a:prstGeom>
+          <a:gradFill>
+            <a:gsLst>
+              <a:gs pos="0">
+                <a:srgbClr val="000000"/>
+              </a:gs>
+              <a:gs pos="100000">
+                <a:schemeClr val="accent1">
+                  <a:lumMod val="75000"/>
+                </a:schemeClr>
+              </a:gs>
+            </a:gsLst>
+            <a:lin ang="18600000" scaled="0"/>
+          </a:gradFill>
           <a:ln>
             <a:noFill/>
           </a:ln>
@@ -7816,59 +7594,16 @@
           <a:lstStyle/>
           <a:p>
             <a:pPr algn="ctr"/>
-            <a:endParaRPr lang="en-US"/>
-          </a:p>
-        </p:txBody>
-      </p:sp>
-      <p:sp>
-        <p:nvSpPr>
-          <p:cNvPr id="2" name="Title 1">
-            <a:extLst>
-              <a:ext uri="{FF2B5EF4-FFF2-40B4-BE49-F238E27FC236}">
-                <a16:creationId xmlns:a16="http://schemas.microsoft.com/office/drawing/2014/main" id="{39FDCB1E-5F91-8B82-0A08-DEF84F38B13B}"/>
-              </a:ext>
-            </a:extLst>
-          </p:cNvPr>
-          <p:cNvSpPr>
-            <a:spLocks noGrp="1"/>
-          </p:cNvSpPr>
-          <p:nvPr>
-            <p:ph type="title"/>
-          </p:nvPr>
-        </p:nvSpPr>
-        <p:spPr>
-          <a:xfrm>
-            <a:off x="638881" y="417576"/>
-            <a:ext cx="10909640" cy="1249394"/>
-          </a:xfrm>
-        </p:spPr>
-        <p:txBody>
-          <a:bodyPr vert="horz" lIns="91440" tIns="45720" rIns="91440" bIns="45720" rtlCol="0" anchor="ctr">
-            <a:normAutofit/>
-          </a:bodyPr>
-          <a:lstStyle/>
-          <a:p>
-            <a:pPr algn="ctr"/>
-            <a:r>
-              <a:rPr lang="en-US" sz="4600" kern="1200" dirty="0">
-                <a:solidFill>
-                  <a:schemeClr val="tx1"/>
-                </a:solidFill>
-                <a:latin typeface="+mj-lt"/>
-                <a:ea typeface="+mj-ea"/>
-                <a:cs typeface="+mj-cs"/>
-              </a:rPr>
-              <a:t>Folder Hierarchy</a:t>
-            </a:r>
-          </a:p>
-        </p:txBody>
-      </p:sp>
-      <p:sp>
-        <p:nvSpPr>
-          <p:cNvPr id="16" name="sketch line">
-            <a:extLst>
-              <a:ext uri="{FF2B5EF4-FFF2-40B4-BE49-F238E27FC236}">
-                <a16:creationId xmlns:a16="http://schemas.microsoft.com/office/drawing/2014/main" id="{670CEDEF-4F34-412E-84EE-329C1E936AF5}"/>
+            <a:endParaRPr lang="en-US" dirty="0"/>
+          </a:p>
+        </p:txBody>
+      </p:sp>
+      <p:sp>
+        <p:nvSpPr>
+          <p:cNvPr id="25" name="Rectangle 24">
+            <a:extLst>
+              <a:ext uri="{FF2B5EF4-FFF2-40B4-BE49-F238E27FC236}">
+                <a16:creationId xmlns:a16="http://schemas.microsoft.com/office/drawing/2014/main" id="{D07DD2DE-F619-49DD-B5E7-03A290FF4ED1}"/>
               </a:ext>
               <a:ext uri="{C183D7F6-B498-43B3-948B-1728B52AA6E4}">
                 <adec:decorative xmlns:adec="http://schemas.microsoft.com/office/drawing/2017/decorative" val="1"/>
@@ -7887,47 +7622,182 @@
           </p:nvPr>
         </p:nvSpPr>
         <p:spPr>
-          <a:xfrm>
-            <a:off x="3807702" y="1733454"/>
-            <a:ext cx="4572000" cy="18288"/>
+          <a:xfrm rot="16200000">
+            <a:off x="-158495" y="2660473"/>
+            <a:ext cx="4355594" cy="4038603"/>
+          </a:xfrm>
+          <a:prstGeom prst="rect">
+            <a:avLst/>
+          </a:prstGeom>
+          <a:gradFill>
+            <a:gsLst>
+              <a:gs pos="0">
+                <a:schemeClr val="accent1">
+                  <a:alpha val="50000"/>
+                </a:schemeClr>
+              </a:gs>
+              <a:gs pos="100000">
+                <a:schemeClr val="accent1">
+                  <a:lumMod val="50000"/>
+                  <a:alpha val="0"/>
+                </a:schemeClr>
+              </a:gs>
+            </a:gsLst>
+            <a:lin ang="11400000" scaled="0"/>
+          </a:gradFill>
+          <a:ln>
+            <a:noFill/>
+          </a:ln>
+        </p:spPr>
+        <p:style>
+          <a:lnRef idx="2">
+            <a:schemeClr val="accent1">
+              <a:shade val="50000"/>
+            </a:schemeClr>
+          </a:lnRef>
+          <a:fillRef idx="1">
+            <a:schemeClr val="accent1"/>
+          </a:fillRef>
+          <a:effectRef idx="0">
+            <a:schemeClr val="accent1"/>
+          </a:effectRef>
+          <a:fontRef idx="minor">
+            <a:schemeClr val="lt1"/>
+          </a:fontRef>
+        </p:style>
+        <p:txBody>
+          <a:bodyPr rtlCol="0" anchor="ctr"/>
+          <a:lstStyle/>
+          <a:p>
+            <a:pPr algn="ctr"/>
+            <a:endParaRPr lang="en-US"/>
+          </a:p>
+        </p:txBody>
+      </p:sp>
+      <p:sp>
+        <p:nvSpPr>
+          <p:cNvPr id="27" name="Rectangle 26">
+            <a:extLst>
+              <a:ext uri="{FF2B5EF4-FFF2-40B4-BE49-F238E27FC236}">
+                <a16:creationId xmlns:a16="http://schemas.microsoft.com/office/drawing/2014/main" id="{85149191-5F60-4A28-AAFF-039F96B0F3EC}"/>
+              </a:ext>
+              <a:ext uri="{C183D7F6-B498-43B3-948B-1728B52AA6E4}">
+                <adec:decorative xmlns:adec="http://schemas.microsoft.com/office/drawing/2017/decorative" val="1"/>
+              </a:ext>
+            </a:extLst>
+          </p:cNvPr>
+          <p:cNvSpPr>
+            <a:spLocks noGrp="1" noRot="1" noChangeAspect="1" noMove="1" noResize="1" noEditPoints="1" noAdjustHandles="1" noChangeArrowheads="1" noChangeShapeType="1" noTextEdit="1"/>
+          </p:cNvSpPr>
+          <p:nvPr>
+            <p:extLst>
+              <p:ext uri="{386F3935-93C4-4BCD-93E2-E3B085C9AB24}">
+                <p16:designElem xmlns:p16="http://schemas.microsoft.com/office/powerpoint/2015/main" val="1"/>
+              </p:ext>
+            </p:extLst>
+          </p:nvPr>
+        </p:nvSpPr>
+        <p:spPr>
+          <a:xfrm rot="16200000" flipH="1">
+            <a:off x="-1180882" y="1638085"/>
+            <a:ext cx="6857572" cy="3581401"/>
+          </a:xfrm>
+          <a:prstGeom prst="rect">
+            <a:avLst/>
+          </a:prstGeom>
+          <a:gradFill>
+            <a:gsLst>
+              <a:gs pos="0">
+                <a:srgbClr val="000000">
+                  <a:alpha val="59000"/>
+                </a:srgbClr>
+              </a:gs>
+              <a:gs pos="69000">
+                <a:schemeClr val="accent1">
+                  <a:alpha val="0"/>
+                </a:schemeClr>
+              </a:gs>
+            </a:gsLst>
+            <a:lin ang="13200000" scaled="0"/>
+          </a:gradFill>
+          <a:ln>
+            <a:noFill/>
+          </a:ln>
+        </p:spPr>
+        <p:style>
+          <a:lnRef idx="2">
+            <a:schemeClr val="accent1">
+              <a:shade val="50000"/>
+            </a:schemeClr>
+          </a:lnRef>
+          <a:fillRef idx="1">
+            <a:schemeClr val="accent1"/>
+          </a:fillRef>
+          <a:effectRef idx="0">
+            <a:schemeClr val="accent1"/>
+          </a:effectRef>
+          <a:fontRef idx="minor">
+            <a:schemeClr val="lt1"/>
+          </a:fontRef>
+        </p:style>
+        <p:txBody>
+          <a:bodyPr rtlCol="0" anchor="ctr"/>
+          <a:lstStyle/>
+          <a:p>
+            <a:pPr algn="ctr"/>
+            <a:endParaRPr lang="en-US" dirty="0"/>
+          </a:p>
+        </p:txBody>
+      </p:sp>
+      <p:sp>
+        <p:nvSpPr>
+          <p:cNvPr id="29" name="Freeform: Shape 28">
+            <a:extLst>
+              <a:ext uri="{FF2B5EF4-FFF2-40B4-BE49-F238E27FC236}">
+                <a16:creationId xmlns:a16="http://schemas.microsoft.com/office/drawing/2014/main" id="{F8260ED5-17F7-4158-B241-D51DD4CF1B7E}"/>
+              </a:ext>
+              <a:ext uri="{C183D7F6-B498-43B3-948B-1728B52AA6E4}">
+                <adec:decorative xmlns:adec="http://schemas.microsoft.com/office/drawing/2017/decorative" val="1"/>
+              </a:ext>
+            </a:extLst>
+          </p:cNvPr>
+          <p:cNvSpPr>
+            <a:spLocks noGrp="1" noRot="1" noChangeAspect="1" noMove="1" noResize="1" noEditPoints="1" noAdjustHandles="1" noChangeArrowheads="1" noChangeShapeType="1" noTextEdit="1"/>
+          </p:cNvSpPr>
+          <p:nvPr>
+            <p:extLst>
+              <p:ext uri="{386F3935-93C4-4BCD-93E2-E3B085C9AB24}">
+                <p16:designElem xmlns:p16="http://schemas.microsoft.com/office/powerpoint/2015/main" val="1"/>
+              </p:ext>
+            </p:extLst>
+          </p:nvPr>
+        </p:nvSpPr>
+        <p:spPr>
+          <a:xfrm rot="6097846">
+            <a:off x="-747355" y="1201312"/>
+            <a:ext cx="4808302" cy="4088666"/>
           </a:xfrm>
           <a:custGeom>
             <a:avLst/>
             <a:gdLst>
-              <a:gd name="connsiteX0" fmla="*/ 0 w 4572000"/>
-              <a:gd name="connsiteY0" fmla="*/ 0 h 18288"/>
-              <a:gd name="connsiteX1" fmla="*/ 515983 w 4572000"/>
-              <a:gd name="connsiteY1" fmla="*/ 0 h 18288"/>
-              <a:gd name="connsiteX2" fmla="*/ 1031966 w 4572000"/>
-              <a:gd name="connsiteY2" fmla="*/ 0 h 18288"/>
-              <a:gd name="connsiteX3" fmla="*/ 1639389 w 4572000"/>
-              <a:gd name="connsiteY3" fmla="*/ 0 h 18288"/>
-              <a:gd name="connsiteX4" fmla="*/ 2383971 w 4572000"/>
-              <a:gd name="connsiteY4" fmla="*/ 0 h 18288"/>
-              <a:gd name="connsiteX5" fmla="*/ 2945674 w 4572000"/>
-              <a:gd name="connsiteY5" fmla="*/ 0 h 18288"/>
-              <a:gd name="connsiteX6" fmla="*/ 3507377 w 4572000"/>
-              <a:gd name="connsiteY6" fmla="*/ 0 h 18288"/>
-              <a:gd name="connsiteX7" fmla="*/ 4572000 w 4572000"/>
-              <a:gd name="connsiteY7" fmla="*/ 0 h 18288"/>
-              <a:gd name="connsiteX8" fmla="*/ 4572000 w 4572000"/>
-              <a:gd name="connsiteY8" fmla="*/ 18288 h 18288"/>
-              <a:gd name="connsiteX9" fmla="*/ 3873137 w 4572000"/>
-              <a:gd name="connsiteY9" fmla="*/ 18288 h 18288"/>
-              <a:gd name="connsiteX10" fmla="*/ 3311434 w 4572000"/>
-              <a:gd name="connsiteY10" fmla="*/ 18288 h 18288"/>
-              <a:gd name="connsiteX11" fmla="*/ 2749731 w 4572000"/>
-              <a:gd name="connsiteY11" fmla="*/ 18288 h 18288"/>
-              <a:gd name="connsiteX12" fmla="*/ 2050869 w 4572000"/>
-              <a:gd name="connsiteY12" fmla="*/ 18288 h 18288"/>
-              <a:gd name="connsiteX13" fmla="*/ 1306286 w 4572000"/>
-              <a:gd name="connsiteY13" fmla="*/ 18288 h 18288"/>
-              <a:gd name="connsiteX14" fmla="*/ 790303 w 4572000"/>
-              <a:gd name="connsiteY14" fmla="*/ 18288 h 18288"/>
-              <a:gd name="connsiteX15" fmla="*/ 0 w 4572000"/>
-              <a:gd name="connsiteY15" fmla="*/ 18288 h 18288"/>
-              <a:gd name="connsiteX16" fmla="*/ 0 w 4572000"/>
-              <a:gd name="connsiteY16" fmla="*/ 0 h 18288"/>
+              <a:gd name="connsiteX0" fmla="*/ 48844 w 4808302"/>
+              <a:gd name="connsiteY0" fmla="*/ 2888671 h 4088666"/>
+              <a:gd name="connsiteX1" fmla="*/ 0 w 4808302"/>
+              <a:gd name="connsiteY1" fmla="*/ 2404151 h 4088666"/>
+              <a:gd name="connsiteX2" fmla="*/ 2404151 w 4808302"/>
+              <a:gd name="connsiteY2" fmla="*/ 0 h 4088666"/>
+              <a:gd name="connsiteX3" fmla="*/ 4808302 w 4808302"/>
+              <a:gd name="connsiteY3" fmla="*/ 2404151 h 4088666"/>
+              <a:gd name="connsiteX4" fmla="*/ 4700216 w 4808302"/>
+              <a:gd name="connsiteY4" fmla="*/ 3119072 h 4088666"/>
+              <a:gd name="connsiteX5" fmla="*/ 4643143 w 4808302"/>
+              <a:gd name="connsiteY5" fmla="*/ 3275009 h 4088666"/>
+              <a:gd name="connsiteX6" fmla="*/ 690093 w 4808302"/>
+              <a:gd name="connsiteY6" fmla="*/ 4088666 h 4088666"/>
+              <a:gd name="connsiteX7" fmla="*/ 548991 w 4808302"/>
+              <a:gd name="connsiteY7" fmla="*/ 3933414 h 4088666"/>
+              <a:gd name="connsiteX8" fmla="*/ 48844 w 4808302"/>
+              <a:gd name="connsiteY8" fmla="*/ 2888671 h 4088666"/>
             </a:gdLst>
             <a:ahLst/>
             <a:cxnLst>
@@ -7958,227 +7828,71 @@
               <a:cxn ang="0">
                 <a:pos x="connsiteX8" y="connsiteY8"/>
               </a:cxn>
-              <a:cxn ang="0">
-                <a:pos x="connsiteX9" y="connsiteY9"/>
-              </a:cxn>
-              <a:cxn ang="0">
-                <a:pos x="connsiteX10" y="connsiteY10"/>
-              </a:cxn>
-              <a:cxn ang="0">
-                <a:pos x="connsiteX11" y="connsiteY11"/>
-              </a:cxn>
-              <a:cxn ang="0">
-                <a:pos x="connsiteX12" y="connsiteY12"/>
-              </a:cxn>
-              <a:cxn ang="0">
-                <a:pos x="connsiteX13" y="connsiteY13"/>
-              </a:cxn>
-              <a:cxn ang="0">
-                <a:pos x="connsiteX14" y="connsiteY14"/>
-              </a:cxn>
-              <a:cxn ang="0">
-                <a:pos x="connsiteX15" y="connsiteY15"/>
-              </a:cxn>
-              <a:cxn ang="0">
-                <a:pos x="connsiteX16" y="connsiteY16"/>
-              </a:cxn>
             </a:cxnLst>
             <a:rect l="l" t="t" r="r" b="b"/>
             <a:pathLst>
-              <a:path w="4572000" h="18288" fill="none" extrusionOk="0">
+              <a:path w="4808302" h="4088666">
                 <a:moveTo>
-                  <a:pt x="0" y="0"/>
+                  <a:pt x="48844" y="2888671"/>
                 </a:moveTo>
                 <a:cubicBezTo>
-                  <a:pt x="105156" y="-20963"/>
-                  <a:pt x="340432" y="822"/>
-                  <a:pt x="515983" y="0"/>
+                  <a:pt x="16818" y="2732167"/>
+                  <a:pt x="0" y="2570123"/>
+                  <a:pt x="0" y="2404151"/>
                 </a:cubicBezTo>
                 <a:cubicBezTo>
-                  <a:pt x="691534" y="-822"/>
-                  <a:pt x="850679" y="16479"/>
-                  <a:pt x="1031966" y="0"/>
+                  <a:pt x="0" y="1076375"/>
+                  <a:pt x="1076375" y="0"/>
+                  <a:pt x="2404151" y="0"/>
                 </a:cubicBezTo>
                 <a:cubicBezTo>
-                  <a:pt x="1213253" y="-16479"/>
-                  <a:pt x="1443646" y="-18730"/>
-                  <a:pt x="1639389" y="0"/>
+                  <a:pt x="3731927" y="0"/>
+                  <a:pt x="4808302" y="1076375"/>
+                  <a:pt x="4808302" y="2404151"/>
                 </a:cubicBezTo>
                 <a:cubicBezTo>
-                  <a:pt x="1835132" y="18730"/>
-                  <a:pt x="2159975" y="18531"/>
-                  <a:pt x="2383971" y="0"/>
+                  <a:pt x="4808302" y="2653109"/>
+                  <a:pt x="4770461" y="2893229"/>
+                  <a:pt x="4700216" y="3119072"/>
                 </a:cubicBezTo>
+                <a:lnTo>
+                  <a:pt x="4643143" y="3275009"/>
+                </a:lnTo>
+                <a:lnTo>
+                  <a:pt x="690093" y="4088666"/>
+                </a:lnTo>
+                <a:lnTo>
+                  <a:pt x="548991" y="3933414"/>
+                </a:lnTo>
                 <a:cubicBezTo>
-                  <a:pt x="2607967" y="-18531"/>
-                  <a:pt x="2719096" y="-12030"/>
-                  <a:pt x="2945674" y="0"/>
-                </a:cubicBezTo>
-                <a:cubicBezTo>
-                  <a:pt x="3172252" y="12030"/>
-                  <a:pt x="3269167" y="27666"/>
-                  <a:pt x="3507377" y="0"/>
-                </a:cubicBezTo>
-                <a:cubicBezTo>
-                  <a:pt x="3745587" y="-27666"/>
-                  <a:pt x="4116741" y="18705"/>
-                  <a:pt x="4572000" y="0"/>
-                </a:cubicBezTo>
-                <a:cubicBezTo>
-                  <a:pt x="4572895" y="8974"/>
-                  <a:pt x="4571454" y="9359"/>
-                  <a:pt x="4572000" y="18288"/>
-                </a:cubicBezTo>
-                <a:cubicBezTo>
-                  <a:pt x="4374698" y="3942"/>
-                  <a:pt x="4098874" y="-11042"/>
-                  <a:pt x="3873137" y="18288"/>
-                </a:cubicBezTo>
-                <a:cubicBezTo>
-                  <a:pt x="3647400" y="47618"/>
-                  <a:pt x="3517055" y="5421"/>
-                  <a:pt x="3311434" y="18288"/>
-                </a:cubicBezTo>
-                <a:cubicBezTo>
-                  <a:pt x="3105813" y="31155"/>
-                  <a:pt x="3025168" y="17856"/>
-                  <a:pt x="2749731" y="18288"/>
-                </a:cubicBezTo>
-                <a:cubicBezTo>
-                  <a:pt x="2474294" y="18720"/>
-                  <a:pt x="2291766" y="-14168"/>
-                  <a:pt x="2050869" y="18288"/>
-                </a:cubicBezTo>
-                <a:cubicBezTo>
-                  <a:pt x="1809972" y="50744"/>
-                  <a:pt x="1540276" y="46798"/>
-                  <a:pt x="1306286" y="18288"/>
-                </a:cubicBezTo>
-                <a:cubicBezTo>
-                  <a:pt x="1072296" y="-10222"/>
-                  <a:pt x="972445" y="19645"/>
-                  <a:pt x="790303" y="18288"/>
-                </a:cubicBezTo>
-                <a:cubicBezTo>
-                  <a:pt x="608161" y="16931"/>
-                  <a:pt x="200981" y="8241"/>
-                  <a:pt x="0" y="18288"/>
-                </a:cubicBezTo>
-                <a:cubicBezTo>
-                  <a:pt x="-229" y="14222"/>
-                  <a:pt x="509" y="5816"/>
-                  <a:pt x="0" y="0"/>
-                </a:cubicBezTo>
-                <a:close/>
-              </a:path>
-              <a:path w="4572000" h="18288" stroke="0" extrusionOk="0">
-                <a:moveTo>
-                  <a:pt x="0" y="0"/>
-                </a:moveTo>
-                <a:cubicBezTo>
-                  <a:pt x="143285" y="-9565"/>
-                  <a:pt x="327959" y="-11498"/>
-                  <a:pt x="561703" y="0"/>
-                </a:cubicBezTo>
-                <a:cubicBezTo>
-                  <a:pt x="795447" y="11498"/>
-                  <a:pt x="838260" y="18255"/>
-                  <a:pt x="1077686" y="0"/>
-                </a:cubicBezTo>
-                <a:cubicBezTo>
-                  <a:pt x="1317112" y="-18255"/>
-                  <a:pt x="1437472" y="23514"/>
-                  <a:pt x="1639389" y="0"/>
-                </a:cubicBezTo>
-                <a:cubicBezTo>
-                  <a:pt x="1841306" y="-23514"/>
-                  <a:pt x="2037142" y="-12551"/>
-                  <a:pt x="2292531" y="0"/>
-                </a:cubicBezTo>
-                <a:cubicBezTo>
-                  <a:pt x="2547920" y="12551"/>
-                  <a:pt x="2810436" y="-20352"/>
-                  <a:pt x="2991394" y="0"/>
-                </a:cubicBezTo>
-                <a:cubicBezTo>
-                  <a:pt x="3172352" y="20352"/>
-                  <a:pt x="3530025" y="-13347"/>
-                  <a:pt x="3735977" y="0"/>
-                </a:cubicBezTo>
-                <a:cubicBezTo>
-                  <a:pt x="3941929" y="13347"/>
-                  <a:pt x="4161497" y="34086"/>
-                  <a:pt x="4572000" y="0"/>
-                </a:cubicBezTo>
-                <a:cubicBezTo>
-                  <a:pt x="4571545" y="6162"/>
-                  <a:pt x="4571903" y="11775"/>
-                  <a:pt x="4572000" y="18288"/>
-                </a:cubicBezTo>
-                <a:cubicBezTo>
-                  <a:pt x="4228040" y="36490"/>
-                  <a:pt x="4199736" y="42557"/>
-                  <a:pt x="3873137" y="18288"/>
-                </a:cubicBezTo>
-                <a:cubicBezTo>
-                  <a:pt x="3546538" y="-5981"/>
-                  <a:pt x="3472124" y="16809"/>
-                  <a:pt x="3128554" y="18288"/>
-                </a:cubicBezTo>
-                <a:cubicBezTo>
-                  <a:pt x="2784984" y="19767"/>
-                  <a:pt x="2735896" y="-17781"/>
-                  <a:pt x="2383971" y="18288"/>
-                </a:cubicBezTo>
-                <a:cubicBezTo>
-                  <a:pt x="2032046" y="54357"/>
-                  <a:pt x="2019324" y="2920"/>
-                  <a:pt x="1867989" y="18288"/>
-                </a:cubicBezTo>
-                <a:cubicBezTo>
-                  <a:pt x="1716654" y="33656"/>
-                  <a:pt x="1418675" y="32575"/>
-                  <a:pt x="1169126" y="18288"/>
-                </a:cubicBezTo>
-                <a:cubicBezTo>
-                  <a:pt x="919577" y="4001"/>
-                  <a:pt x="798537" y="16165"/>
-                  <a:pt x="561703" y="18288"/>
-                </a:cubicBezTo>
-                <a:cubicBezTo>
-                  <a:pt x="324869" y="20411"/>
-                  <a:pt x="221395" y="-912"/>
-                  <a:pt x="0" y="18288"/>
-                </a:cubicBezTo>
-                <a:cubicBezTo>
-                  <a:pt x="766" y="10800"/>
-                  <a:pt x="-457" y="8180"/>
-                  <a:pt x="0" y="0"/>
+                  <a:pt x="304015" y="3636572"/>
+                  <a:pt x="128908" y="3279932"/>
+                  <a:pt x="48844" y="2888671"/>
                 </a:cubicBezTo>
                 <a:close/>
               </a:path>
             </a:pathLst>
           </a:custGeom>
-          <a:solidFill>
-            <a:schemeClr val="accent2"/>
-          </a:solidFill>
-          <a:ln w="41275" cap="rnd">
-            <a:solidFill>
-              <a:schemeClr val="accent2"/>
-            </a:solidFill>
-            <a:round/>
-            <a:extLst>
-              <a:ext uri="{C807C97D-BFC1-408E-A445-0C87EB9F89A2}">
-                <ask:lineSketchStyleProps xmlns:ask="http://schemas.microsoft.com/office/drawing/2018/sketchyshapes" sd="2727557108">
-                  <a:prstGeom prst="rect">
-                    <a:avLst/>
-                  </a:prstGeom>
-                  <ask:type>
-                    <ask:lineSketchFreehand/>
-                  </ask:type>
-                </ask:lineSketchStyleProps>
-              </a:ext>
-            </a:extLst>
+          <a:gradFill>
+            <a:gsLst>
+              <a:gs pos="39000">
+                <a:schemeClr val="accent1">
+                  <a:lumMod val="60000"/>
+                  <a:lumOff val="40000"/>
+                  <a:alpha val="0"/>
+                </a:schemeClr>
+              </a:gs>
+              <a:gs pos="100000">
+                <a:schemeClr val="accent1">
+                  <a:lumMod val="75000"/>
+                  <a:alpha val="26000"/>
+                </a:schemeClr>
+              </a:gs>
+            </a:gsLst>
+            <a:lin ang="18600000" scaled="0"/>
+          </a:gradFill>
+          <a:ln>
+            <a:noFill/>
           </a:ln>
         </p:spPr>
         <p:style>
@@ -8198,11 +7912,55 @@
           </a:fontRef>
         </p:style>
         <p:txBody>
-          <a:bodyPr rtlCol="0" anchor="ctr"/>
+          <a:bodyPr wrap="square" rtlCol="0" anchor="ctr">
+            <a:noAutofit/>
+          </a:bodyPr>
           <a:lstStyle/>
           <a:p>
             <a:pPr algn="ctr"/>
-            <a:endParaRPr lang="en-US"/>
+            <a:endParaRPr lang="en-US" dirty="0"/>
+          </a:p>
+        </p:txBody>
+      </p:sp>
+      <p:sp>
+        <p:nvSpPr>
+          <p:cNvPr id="2" name="Title 1">
+            <a:extLst>
+              <a:ext uri="{FF2B5EF4-FFF2-40B4-BE49-F238E27FC236}">
+                <a16:creationId xmlns:a16="http://schemas.microsoft.com/office/drawing/2014/main" id="{39FDCB1E-5F91-8B82-0A08-DEF84F38B13B}"/>
+              </a:ext>
+            </a:extLst>
+          </p:cNvPr>
+          <p:cNvSpPr>
+            <a:spLocks noGrp="1"/>
+          </p:cNvSpPr>
+          <p:nvPr>
+            <p:ph type="title"/>
+          </p:nvPr>
+        </p:nvSpPr>
+        <p:spPr>
+          <a:xfrm>
+            <a:off x="660041" y="2767106"/>
+            <a:ext cx="2880828" cy="3071906"/>
+          </a:xfrm>
+        </p:spPr>
+        <p:txBody>
+          <a:bodyPr vert="horz" lIns="91440" tIns="45720" rIns="91440" bIns="45720" rtlCol="0" anchor="t">
+            <a:normAutofit/>
+          </a:bodyPr>
+          <a:lstStyle/>
+          <a:p>
+            <a:r>
+              <a:rPr lang="en-US" sz="4000" kern="1200">
+                <a:solidFill>
+                  <a:srgbClr val="FFFFFF"/>
+                </a:solidFill>
+                <a:latin typeface="+mj-lt"/>
+                <a:ea typeface="+mj-ea"/>
+                <a:cs typeface="+mj-cs"/>
+              </a:rPr>
+              <a:t>Folder Hierarchy</a:t>
+            </a:r>
           </a:p>
         </p:txBody>
       </p:sp>
@@ -8234,8 +7992,8 @@
         </p:blipFill>
         <p:spPr>
           <a:xfrm>
-            <a:off x="1845839" y="1950078"/>
-            <a:ext cx="8495723" cy="4709586"/>
+            <a:off x="4502428" y="1423855"/>
+            <a:ext cx="7225748" cy="4010289"/>
           </a:xfrm>
           <a:prstGeom prst="rect">
             <a:avLst/>
@@ -8258,6 +8016,14 @@
 <file path=ppt/slides/slide8.xml><?xml version="1.0" encoding="utf-8"?>
 <p:sld xmlns:a="http://schemas.openxmlformats.org/drawingml/2006/main" xmlns:r="http://schemas.openxmlformats.org/officeDocument/2006/relationships" xmlns:p="http://schemas.openxmlformats.org/presentationml/2006/main">
   <p:cSld>
+    <p:bg>
+      <p:bgPr>
+        <a:solidFill>
+          <a:schemeClr val="bg1"/>
+        </a:solidFill>
+        <a:effectLst/>
+      </p:bgPr>
+    </p:bg>
     <p:spTree>
       <p:nvGrpSpPr>
         <p:cNvPr id="1" name=""/>
@@ -8272,6 +8038,521 @@
           <a:chExt cx="0" cy="0"/>
         </a:xfrm>
       </p:grpSpPr>
+      <p:sp useBgFill="1">
+        <p:nvSpPr>
+          <p:cNvPr id="11" name="Rectangle 10">
+            <a:extLst>
+              <a:ext uri="{FF2B5EF4-FFF2-40B4-BE49-F238E27FC236}">
+                <a16:creationId xmlns:a16="http://schemas.microsoft.com/office/drawing/2014/main" id="{A8384FB5-9ADC-4DDC-881B-597D56F5B15D}"/>
+              </a:ext>
+              <a:ext uri="{C183D7F6-B498-43B3-948B-1728B52AA6E4}">
+                <adec:decorative xmlns:adec="http://schemas.microsoft.com/office/drawing/2017/decorative" val="1"/>
+              </a:ext>
+            </a:extLst>
+          </p:cNvPr>
+          <p:cNvSpPr>
+            <a:spLocks noGrp="1" noRot="1" noChangeAspect="1" noMove="1" noResize="1" noEditPoints="1" noAdjustHandles="1" noChangeArrowheads="1" noChangeShapeType="1" noTextEdit="1"/>
+          </p:cNvSpPr>
+          <p:nvPr>
+            <p:extLst>
+              <p:ext uri="{386F3935-93C4-4BCD-93E2-E3B085C9AB24}">
+                <p16:designElem xmlns:p16="http://schemas.microsoft.com/office/powerpoint/2015/main" val="1"/>
+              </p:ext>
+            </p:extLst>
+          </p:nvPr>
+        </p:nvSpPr>
+        <p:spPr>
+          <a:xfrm>
+            <a:off x="0" y="0"/>
+            <a:ext cx="12192000" cy="6858000"/>
+          </a:xfrm>
+          <a:prstGeom prst="rect">
+            <a:avLst/>
+          </a:prstGeom>
+          <a:ln w="12700" cap="flat" cmpd="sng" algn="ctr">
+            <a:noFill/>
+            <a:prstDash val="solid"/>
+            <a:miter lim="800000"/>
+          </a:ln>
+          <a:effectLst/>
+          <a:extLst>
+            <a:ext uri="{91240B29-F687-4F45-9708-019B960494DF}">
+              <a14:hiddenLine xmlns:a14="http://schemas.microsoft.com/office/drawing/2010/main" w="12700" cap="flat" cmpd="sng" algn="ctr">
+                <a:solidFill>
+                  <a:schemeClr val="accent1">
+                    <a:shade val="50000"/>
+                  </a:schemeClr>
+                </a:solidFill>
+                <a:prstDash val="solid"/>
+                <a:miter lim="800000"/>
+              </a14:hiddenLine>
+            </a:ext>
+          </a:extLst>
+        </p:spPr>
+        <p:style>
+          <a:lnRef idx="2">
+            <a:schemeClr val="accent1">
+              <a:shade val="50000"/>
+            </a:schemeClr>
+          </a:lnRef>
+          <a:fillRef idx="1">
+            <a:schemeClr val="accent1"/>
+          </a:fillRef>
+          <a:effectRef idx="0">
+            <a:schemeClr val="accent1"/>
+          </a:effectRef>
+          <a:fontRef idx="minor">
+            <a:schemeClr val="lt1"/>
+          </a:fontRef>
+        </p:style>
+        <p:txBody>
+          <a:bodyPr rtlCol="0" anchor="ctr"/>
+          <a:lstStyle/>
+          <a:p>
+            <a:pPr algn="ctr"/>
+            <a:endParaRPr lang="en-US"/>
+          </a:p>
+        </p:txBody>
+      </p:sp>
+      <p:sp>
+        <p:nvSpPr>
+          <p:cNvPr id="13" name="Rectangle 12">
+            <a:extLst>
+              <a:ext uri="{FF2B5EF4-FFF2-40B4-BE49-F238E27FC236}">
+                <a16:creationId xmlns:a16="http://schemas.microsoft.com/office/drawing/2014/main" id="{91E5A9A7-95C6-4F4F-B00E-C82E07FE62EF}"/>
+              </a:ext>
+              <a:ext uri="{C183D7F6-B498-43B3-948B-1728B52AA6E4}">
+                <adec:decorative xmlns:adec="http://schemas.microsoft.com/office/drawing/2017/decorative" val="1"/>
+              </a:ext>
+            </a:extLst>
+          </p:cNvPr>
+          <p:cNvSpPr>
+            <a:spLocks noGrp="1" noRot="1" noChangeAspect="1" noMove="1" noResize="1" noEditPoints="1" noAdjustHandles="1" noChangeArrowheads="1" noChangeShapeType="1" noTextEdit="1"/>
+          </p:cNvSpPr>
+          <p:nvPr>
+            <p:extLst>
+              <p:ext uri="{386F3935-93C4-4BCD-93E2-E3B085C9AB24}">
+                <p16:designElem xmlns:p16="http://schemas.microsoft.com/office/powerpoint/2015/main" val="1"/>
+              </p:ext>
+            </p:extLst>
+          </p:nvPr>
+        </p:nvSpPr>
+        <p:spPr>
+          <a:xfrm rot="5400000" flipH="1">
+            <a:off x="-1417539" y="1417538"/>
+            <a:ext cx="6875818" cy="4040744"/>
+          </a:xfrm>
+          <a:prstGeom prst="rect">
+            <a:avLst/>
+          </a:prstGeom>
+          <a:gradFill>
+            <a:gsLst>
+              <a:gs pos="0">
+                <a:srgbClr val="000000"/>
+              </a:gs>
+              <a:gs pos="100000">
+                <a:schemeClr val="accent1">
+                  <a:lumMod val="75000"/>
+                </a:schemeClr>
+              </a:gs>
+            </a:gsLst>
+            <a:lin ang="18600000" scaled="0"/>
+          </a:gradFill>
+          <a:ln>
+            <a:noFill/>
+          </a:ln>
+        </p:spPr>
+        <p:style>
+          <a:lnRef idx="2">
+            <a:schemeClr val="accent1">
+              <a:shade val="50000"/>
+            </a:schemeClr>
+          </a:lnRef>
+          <a:fillRef idx="1">
+            <a:schemeClr val="accent1"/>
+          </a:fillRef>
+          <a:effectRef idx="0">
+            <a:schemeClr val="accent1"/>
+          </a:effectRef>
+          <a:fontRef idx="minor">
+            <a:schemeClr val="lt1"/>
+          </a:fontRef>
+        </p:style>
+        <p:txBody>
+          <a:bodyPr rtlCol="0" anchor="ctr"/>
+          <a:lstStyle/>
+          <a:p>
+            <a:pPr algn="ctr"/>
+            <a:endParaRPr lang="en-US" dirty="0"/>
+          </a:p>
+        </p:txBody>
+      </p:sp>
+      <p:sp>
+        <p:nvSpPr>
+          <p:cNvPr id="15" name="Rectangle 14">
+            <a:extLst>
+              <a:ext uri="{FF2B5EF4-FFF2-40B4-BE49-F238E27FC236}">
+                <a16:creationId xmlns:a16="http://schemas.microsoft.com/office/drawing/2014/main" id="{D07DD2DE-F619-49DD-B5E7-03A290FF4ED1}"/>
+              </a:ext>
+              <a:ext uri="{C183D7F6-B498-43B3-948B-1728B52AA6E4}">
+                <adec:decorative xmlns:adec="http://schemas.microsoft.com/office/drawing/2017/decorative" val="1"/>
+              </a:ext>
+            </a:extLst>
+          </p:cNvPr>
+          <p:cNvSpPr>
+            <a:spLocks noGrp="1" noRot="1" noChangeAspect="1" noMove="1" noResize="1" noEditPoints="1" noAdjustHandles="1" noChangeArrowheads="1" noChangeShapeType="1" noTextEdit="1"/>
+          </p:cNvSpPr>
+          <p:nvPr>
+            <p:extLst>
+              <p:ext uri="{386F3935-93C4-4BCD-93E2-E3B085C9AB24}">
+                <p16:designElem xmlns:p16="http://schemas.microsoft.com/office/powerpoint/2015/main" val="1"/>
+              </p:ext>
+            </p:extLst>
+          </p:nvPr>
+        </p:nvSpPr>
+        <p:spPr>
+          <a:xfrm rot="16200000">
+            <a:off x="-158495" y="2660473"/>
+            <a:ext cx="4355594" cy="4038603"/>
+          </a:xfrm>
+          <a:prstGeom prst="rect">
+            <a:avLst/>
+          </a:prstGeom>
+          <a:gradFill>
+            <a:gsLst>
+              <a:gs pos="0">
+                <a:schemeClr val="accent1">
+                  <a:alpha val="50000"/>
+                </a:schemeClr>
+              </a:gs>
+              <a:gs pos="100000">
+                <a:schemeClr val="accent1">
+                  <a:lumMod val="50000"/>
+                  <a:alpha val="0"/>
+                </a:schemeClr>
+              </a:gs>
+            </a:gsLst>
+            <a:lin ang="11400000" scaled="0"/>
+          </a:gradFill>
+          <a:ln>
+            <a:noFill/>
+          </a:ln>
+        </p:spPr>
+        <p:style>
+          <a:lnRef idx="2">
+            <a:schemeClr val="accent1">
+              <a:shade val="50000"/>
+            </a:schemeClr>
+          </a:lnRef>
+          <a:fillRef idx="1">
+            <a:schemeClr val="accent1"/>
+          </a:fillRef>
+          <a:effectRef idx="0">
+            <a:schemeClr val="accent1"/>
+          </a:effectRef>
+          <a:fontRef idx="minor">
+            <a:schemeClr val="lt1"/>
+          </a:fontRef>
+        </p:style>
+        <p:txBody>
+          <a:bodyPr rtlCol="0" anchor="ctr"/>
+          <a:lstStyle/>
+          <a:p>
+            <a:pPr algn="ctr"/>
+            <a:endParaRPr lang="en-US"/>
+          </a:p>
+        </p:txBody>
+      </p:sp>
+      <p:sp>
+        <p:nvSpPr>
+          <p:cNvPr id="17" name="Rectangle 16">
+            <a:extLst>
+              <a:ext uri="{FF2B5EF4-FFF2-40B4-BE49-F238E27FC236}">
+                <a16:creationId xmlns:a16="http://schemas.microsoft.com/office/drawing/2014/main" id="{85149191-5F60-4A28-AAFF-039F96B0F3EC}"/>
+              </a:ext>
+              <a:ext uri="{C183D7F6-B498-43B3-948B-1728B52AA6E4}">
+                <adec:decorative xmlns:adec="http://schemas.microsoft.com/office/drawing/2017/decorative" val="1"/>
+              </a:ext>
+            </a:extLst>
+          </p:cNvPr>
+          <p:cNvSpPr>
+            <a:spLocks noGrp="1" noRot="1" noChangeAspect="1" noMove="1" noResize="1" noEditPoints="1" noAdjustHandles="1" noChangeArrowheads="1" noChangeShapeType="1" noTextEdit="1"/>
+          </p:cNvSpPr>
+          <p:nvPr>
+            <p:extLst>
+              <p:ext uri="{386F3935-93C4-4BCD-93E2-E3B085C9AB24}">
+                <p16:designElem xmlns:p16="http://schemas.microsoft.com/office/powerpoint/2015/main" val="1"/>
+              </p:ext>
+            </p:extLst>
+          </p:nvPr>
+        </p:nvSpPr>
+        <p:spPr>
+          <a:xfrm rot="16200000" flipH="1">
+            <a:off x="-1180882" y="1638085"/>
+            <a:ext cx="6857572" cy="3581401"/>
+          </a:xfrm>
+          <a:prstGeom prst="rect">
+            <a:avLst/>
+          </a:prstGeom>
+          <a:gradFill>
+            <a:gsLst>
+              <a:gs pos="0">
+                <a:srgbClr val="000000">
+                  <a:alpha val="59000"/>
+                </a:srgbClr>
+              </a:gs>
+              <a:gs pos="69000">
+                <a:schemeClr val="accent1">
+                  <a:alpha val="0"/>
+                </a:schemeClr>
+              </a:gs>
+            </a:gsLst>
+            <a:lin ang="13200000" scaled="0"/>
+          </a:gradFill>
+          <a:ln>
+            <a:noFill/>
+          </a:ln>
+        </p:spPr>
+        <p:style>
+          <a:lnRef idx="2">
+            <a:schemeClr val="accent1">
+              <a:shade val="50000"/>
+            </a:schemeClr>
+          </a:lnRef>
+          <a:fillRef idx="1">
+            <a:schemeClr val="accent1"/>
+          </a:fillRef>
+          <a:effectRef idx="0">
+            <a:schemeClr val="accent1"/>
+          </a:effectRef>
+          <a:fontRef idx="minor">
+            <a:schemeClr val="lt1"/>
+          </a:fontRef>
+        </p:style>
+        <p:txBody>
+          <a:bodyPr rtlCol="0" anchor="ctr"/>
+          <a:lstStyle/>
+          <a:p>
+            <a:pPr algn="ctr"/>
+            <a:endParaRPr lang="en-US" dirty="0"/>
+          </a:p>
+        </p:txBody>
+      </p:sp>
+      <p:sp>
+        <p:nvSpPr>
+          <p:cNvPr id="19" name="Freeform: Shape 18">
+            <a:extLst>
+              <a:ext uri="{FF2B5EF4-FFF2-40B4-BE49-F238E27FC236}">
+                <a16:creationId xmlns:a16="http://schemas.microsoft.com/office/drawing/2014/main" id="{F8260ED5-17F7-4158-B241-D51DD4CF1B7E}"/>
+              </a:ext>
+              <a:ext uri="{C183D7F6-B498-43B3-948B-1728B52AA6E4}">
+                <adec:decorative xmlns:adec="http://schemas.microsoft.com/office/drawing/2017/decorative" val="1"/>
+              </a:ext>
+            </a:extLst>
+          </p:cNvPr>
+          <p:cNvSpPr>
+            <a:spLocks noGrp="1" noRot="1" noChangeAspect="1" noMove="1" noResize="1" noEditPoints="1" noAdjustHandles="1" noChangeArrowheads="1" noChangeShapeType="1" noTextEdit="1"/>
+          </p:cNvSpPr>
+          <p:nvPr>
+            <p:extLst>
+              <p:ext uri="{386F3935-93C4-4BCD-93E2-E3B085C9AB24}">
+                <p16:designElem xmlns:p16="http://schemas.microsoft.com/office/powerpoint/2015/main" val="1"/>
+              </p:ext>
+            </p:extLst>
+          </p:nvPr>
+        </p:nvSpPr>
+        <p:spPr>
+          <a:xfrm rot="6097846">
+            <a:off x="-747355" y="1201312"/>
+            <a:ext cx="4808302" cy="4088666"/>
+          </a:xfrm>
+          <a:custGeom>
+            <a:avLst/>
+            <a:gdLst>
+              <a:gd name="connsiteX0" fmla="*/ 48844 w 4808302"/>
+              <a:gd name="connsiteY0" fmla="*/ 2888671 h 4088666"/>
+              <a:gd name="connsiteX1" fmla="*/ 0 w 4808302"/>
+              <a:gd name="connsiteY1" fmla="*/ 2404151 h 4088666"/>
+              <a:gd name="connsiteX2" fmla="*/ 2404151 w 4808302"/>
+              <a:gd name="connsiteY2" fmla="*/ 0 h 4088666"/>
+              <a:gd name="connsiteX3" fmla="*/ 4808302 w 4808302"/>
+              <a:gd name="connsiteY3" fmla="*/ 2404151 h 4088666"/>
+              <a:gd name="connsiteX4" fmla="*/ 4700216 w 4808302"/>
+              <a:gd name="connsiteY4" fmla="*/ 3119072 h 4088666"/>
+              <a:gd name="connsiteX5" fmla="*/ 4643143 w 4808302"/>
+              <a:gd name="connsiteY5" fmla="*/ 3275009 h 4088666"/>
+              <a:gd name="connsiteX6" fmla="*/ 690093 w 4808302"/>
+              <a:gd name="connsiteY6" fmla="*/ 4088666 h 4088666"/>
+              <a:gd name="connsiteX7" fmla="*/ 548991 w 4808302"/>
+              <a:gd name="connsiteY7" fmla="*/ 3933414 h 4088666"/>
+              <a:gd name="connsiteX8" fmla="*/ 48844 w 4808302"/>
+              <a:gd name="connsiteY8" fmla="*/ 2888671 h 4088666"/>
+            </a:gdLst>
+            <a:ahLst/>
+            <a:cxnLst>
+              <a:cxn ang="0">
+                <a:pos x="connsiteX0" y="connsiteY0"/>
+              </a:cxn>
+              <a:cxn ang="0">
+                <a:pos x="connsiteX1" y="connsiteY1"/>
+              </a:cxn>
+              <a:cxn ang="0">
+                <a:pos x="connsiteX2" y="connsiteY2"/>
+              </a:cxn>
+              <a:cxn ang="0">
+                <a:pos x="connsiteX3" y="connsiteY3"/>
+              </a:cxn>
+              <a:cxn ang="0">
+                <a:pos x="connsiteX4" y="connsiteY4"/>
+              </a:cxn>
+              <a:cxn ang="0">
+                <a:pos x="connsiteX5" y="connsiteY5"/>
+              </a:cxn>
+              <a:cxn ang="0">
+                <a:pos x="connsiteX6" y="connsiteY6"/>
+              </a:cxn>
+              <a:cxn ang="0">
+                <a:pos x="connsiteX7" y="connsiteY7"/>
+              </a:cxn>
+              <a:cxn ang="0">
+                <a:pos x="connsiteX8" y="connsiteY8"/>
+              </a:cxn>
+            </a:cxnLst>
+            <a:rect l="l" t="t" r="r" b="b"/>
+            <a:pathLst>
+              <a:path w="4808302" h="4088666">
+                <a:moveTo>
+                  <a:pt x="48844" y="2888671"/>
+                </a:moveTo>
+                <a:cubicBezTo>
+                  <a:pt x="16818" y="2732167"/>
+                  <a:pt x="0" y="2570123"/>
+                  <a:pt x="0" y="2404151"/>
+                </a:cubicBezTo>
+                <a:cubicBezTo>
+                  <a:pt x="0" y="1076375"/>
+                  <a:pt x="1076375" y="0"/>
+                  <a:pt x="2404151" y="0"/>
+                </a:cubicBezTo>
+                <a:cubicBezTo>
+                  <a:pt x="3731927" y="0"/>
+                  <a:pt x="4808302" y="1076375"/>
+                  <a:pt x="4808302" y="2404151"/>
+                </a:cubicBezTo>
+                <a:cubicBezTo>
+                  <a:pt x="4808302" y="2653109"/>
+                  <a:pt x="4770461" y="2893229"/>
+                  <a:pt x="4700216" y="3119072"/>
+                </a:cubicBezTo>
+                <a:lnTo>
+                  <a:pt x="4643143" y="3275009"/>
+                </a:lnTo>
+                <a:lnTo>
+                  <a:pt x="690093" y="4088666"/>
+                </a:lnTo>
+                <a:lnTo>
+                  <a:pt x="548991" y="3933414"/>
+                </a:lnTo>
+                <a:cubicBezTo>
+                  <a:pt x="304015" y="3636572"/>
+                  <a:pt x="128908" y="3279932"/>
+                  <a:pt x="48844" y="2888671"/>
+                </a:cubicBezTo>
+                <a:close/>
+              </a:path>
+            </a:pathLst>
+          </a:custGeom>
+          <a:gradFill>
+            <a:gsLst>
+              <a:gs pos="39000">
+                <a:schemeClr val="accent1">
+                  <a:lumMod val="60000"/>
+                  <a:lumOff val="40000"/>
+                  <a:alpha val="0"/>
+                </a:schemeClr>
+              </a:gs>
+              <a:gs pos="100000">
+                <a:schemeClr val="accent1">
+                  <a:lumMod val="75000"/>
+                  <a:alpha val="26000"/>
+                </a:schemeClr>
+              </a:gs>
+            </a:gsLst>
+            <a:lin ang="18600000" scaled="0"/>
+          </a:gradFill>
+          <a:ln>
+            <a:noFill/>
+          </a:ln>
+        </p:spPr>
+        <p:style>
+          <a:lnRef idx="2">
+            <a:schemeClr val="accent1">
+              <a:shade val="50000"/>
+            </a:schemeClr>
+          </a:lnRef>
+          <a:fillRef idx="1">
+            <a:schemeClr val="accent1"/>
+          </a:fillRef>
+          <a:effectRef idx="0">
+            <a:schemeClr val="accent1"/>
+          </a:effectRef>
+          <a:fontRef idx="minor">
+            <a:schemeClr val="lt1"/>
+          </a:fontRef>
+        </p:style>
+        <p:txBody>
+          <a:bodyPr wrap="square" rtlCol="0" anchor="ctr">
+            <a:noAutofit/>
+          </a:bodyPr>
+          <a:lstStyle/>
+          <a:p>
+            <a:pPr algn="ctr"/>
+            <a:endParaRPr lang="en-US" dirty="0"/>
+          </a:p>
+        </p:txBody>
+      </p:sp>
+      <p:sp>
+        <p:nvSpPr>
+          <p:cNvPr id="2" name="Title 1">
+            <a:extLst>
+              <a:ext uri="{FF2B5EF4-FFF2-40B4-BE49-F238E27FC236}">
+                <a16:creationId xmlns:a16="http://schemas.microsoft.com/office/drawing/2014/main" id="{A77CE2F8-2066-EC13-8068-4600924FFAE2}"/>
+              </a:ext>
+            </a:extLst>
+          </p:cNvPr>
+          <p:cNvSpPr>
+            <a:spLocks noGrp="1"/>
+          </p:cNvSpPr>
+          <p:nvPr>
+            <p:ph type="title"/>
+          </p:nvPr>
+        </p:nvSpPr>
+        <p:spPr>
+          <a:xfrm>
+            <a:off x="660041" y="2767106"/>
+            <a:ext cx="2880828" cy="3071906"/>
+          </a:xfrm>
+        </p:spPr>
+        <p:txBody>
+          <a:bodyPr vert="horz" lIns="91440" tIns="45720" rIns="91440" bIns="45720" rtlCol="0" anchor="t">
+            <a:normAutofit/>
+          </a:bodyPr>
+          <a:lstStyle/>
+          <a:p>
+            <a:r>
+              <a:rPr lang="en-US" sz="4000" kern="1200">
+                <a:solidFill>
+                  <a:srgbClr val="FFFFFF"/>
+                </a:solidFill>
+                <a:latin typeface="+mj-lt"/>
+                <a:ea typeface="+mj-ea"/>
+                <a:cs typeface="+mj-cs"/>
+              </a:rPr>
+              <a:t>UI – Backend Interaction</a:t>
+            </a:r>
+          </a:p>
+        </p:txBody>
+      </p:sp>
       <p:pic>
         <p:nvPicPr>
           <p:cNvPr id="6" name="Picture 5" descr="A diagram of a software system&#10;&#10;Description automatically generated with medium confidence">
@@ -8300,8 +8581,8 @@
         </p:blipFill>
         <p:spPr>
           <a:xfrm>
-            <a:off x="1788415" y="247447"/>
-            <a:ext cx="8615170" cy="6363106"/>
+            <a:off x="4502428" y="764505"/>
+            <a:ext cx="7225748" cy="5328989"/>
           </a:xfrm>
           <a:prstGeom prst="rect">
             <a:avLst/>
@@ -8348,10 +8629,10 @@
       </p:grpSpPr>
       <p:sp useBgFill="1">
         <p:nvSpPr>
-          <p:cNvPr id="15" name="Rectangle 14">
-            <a:extLst>
-              <a:ext uri="{FF2B5EF4-FFF2-40B4-BE49-F238E27FC236}">
-                <a16:creationId xmlns:a16="http://schemas.microsoft.com/office/drawing/2014/main" id="{289ED1AA-8684-4D37-B208-8777E1A7780D}"/>
+          <p:cNvPr id="33" name="Rectangle 21">
+            <a:extLst>
+              <a:ext uri="{FF2B5EF4-FFF2-40B4-BE49-F238E27FC236}">
+                <a16:creationId xmlns:a16="http://schemas.microsoft.com/office/drawing/2014/main" id="{0E30439A-8A5B-46EC-8283-9B6B031D40D0}"/>
               </a:ext>
               <a:ext uri="{C183D7F6-B498-43B3-948B-1728B52AA6E4}">
                 <adec:decorative xmlns:adec="http://schemas.microsoft.com/office/drawing/2017/decorative" val="1"/>
@@ -8372,11 +8653,100 @@
         <p:spPr>
           <a:xfrm>
             <a:off x="0" y="0"/>
-            <a:ext cx="12188952" cy="6858000"/>
+            <a:ext cx="12192000" cy="6858000"/>
           </a:xfrm>
           <a:prstGeom prst="rect">
             <a:avLst/>
           </a:prstGeom>
+          <a:ln w="12700" cap="flat" cmpd="sng" algn="ctr">
+            <a:noFill/>
+            <a:prstDash val="solid"/>
+            <a:miter lim="800000"/>
+          </a:ln>
+          <a:effectLst/>
+          <a:extLst>
+            <a:ext uri="{91240B29-F687-4F45-9708-019B960494DF}">
+              <a14:hiddenLine xmlns:a14="http://schemas.microsoft.com/office/drawing/2010/main" w="12700" cap="flat" cmpd="sng" algn="ctr">
+                <a:solidFill>
+                  <a:schemeClr val="accent1">
+                    <a:shade val="50000"/>
+                  </a:schemeClr>
+                </a:solidFill>
+                <a:prstDash val="solid"/>
+                <a:miter lim="800000"/>
+              </a14:hiddenLine>
+            </a:ext>
+          </a:extLst>
+        </p:spPr>
+        <p:style>
+          <a:lnRef idx="2">
+            <a:schemeClr val="accent1">
+              <a:shade val="50000"/>
+            </a:schemeClr>
+          </a:lnRef>
+          <a:fillRef idx="1">
+            <a:schemeClr val="accent1"/>
+          </a:fillRef>
+          <a:effectRef idx="0">
+            <a:schemeClr val="accent1"/>
+          </a:effectRef>
+          <a:fontRef idx="minor">
+            <a:schemeClr val="lt1"/>
+          </a:fontRef>
+        </p:style>
+        <p:txBody>
+          <a:bodyPr rtlCol="0" anchor="ctr"/>
+          <a:lstStyle/>
+          <a:p>
+            <a:pPr algn="ctr"/>
+            <a:endParaRPr lang="en-US"/>
+          </a:p>
+        </p:txBody>
+      </p:sp>
+      <p:sp>
+        <p:nvSpPr>
+          <p:cNvPr id="35" name="Rectangle 23">
+            <a:extLst>
+              <a:ext uri="{FF2B5EF4-FFF2-40B4-BE49-F238E27FC236}">
+                <a16:creationId xmlns:a16="http://schemas.microsoft.com/office/drawing/2014/main" id="{5CEAD642-85CF-4750-8432-7C80C901F001}"/>
+              </a:ext>
+              <a:ext uri="{C183D7F6-B498-43B3-948B-1728B52AA6E4}">
+                <adec:decorative xmlns:adec="http://schemas.microsoft.com/office/drawing/2017/decorative" val="1"/>
+              </a:ext>
+            </a:extLst>
+          </p:cNvPr>
+          <p:cNvSpPr>
+            <a:spLocks noGrp="1" noRot="1" noChangeAspect="1" noMove="1" noResize="1" noEditPoints="1" noAdjustHandles="1" noChangeArrowheads="1" noChangeShapeType="1" noTextEdit="1"/>
+          </p:cNvSpPr>
+          <p:nvPr>
+            <p:extLst>
+              <p:ext uri="{386F3935-93C4-4BCD-93E2-E3B085C9AB24}">
+                <p16:designElem xmlns:p16="http://schemas.microsoft.com/office/powerpoint/2015/main" val="1"/>
+              </p:ext>
+            </p:extLst>
+          </p:nvPr>
+        </p:nvSpPr>
+        <p:spPr>
+          <a:xfrm>
+            <a:off x="0" y="-427"/>
+            <a:ext cx="12192001" cy="6858000"/>
+          </a:xfrm>
+          <a:prstGeom prst="rect">
+            <a:avLst/>
+          </a:prstGeom>
+          <a:gradFill>
+            <a:gsLst>
+              <a:gs pos="0">
+                <a:srgbClr val="000000"/>
+              </a:gs>
+              <a:gs pos="100000">
+                <a:schemeClr val="accent1">
+                  <a:lumMod val="75000"/>
+                </a:schemeClr>
+              </a:gs>
+            </a:gsLst>
+            <a:lin ang="15000000" scaled="0"/>
+          </a:gradFill>
           <a:ln>
             <a:noFill/>
           </a:ln>
@@ -8408,10 +8778,10 @@
       </p:sp>
       <p:sp>
         <p:nvSpPr>
-          <p:cNvPr id="16" name="Graphic 33">
-            <a:extLst>
-              <a:ext uri="{FF2B5EF4-FFF2-40B4-BE49-F238E27FC236}">
-                <a16:creationId xmlns:a16="http://schemas.microsoft.com/office/drawing/2014/main" id="{4180E01B-B1F4-437C-807D-1C930718EE64}"/>
+          <p:cNvPr id="36" name="Rectangle 25">
+            <a:extLst>
+              <a:ext uri="{FF2B5EF4-FFF2-40B4-BE49-F238E27FC236}">
+                <a16:creationId xmlns:a16="http://schemas.microsoft.com/office/drawing/2014/main" id="{FA33EEAE-15D5-4119-8C1E-89D943F911EF}"/>
               </a:ext>
               <a:ext uri="{C183D7F6-B498-43B3-948B-1728B52AA6E4}">
                 <adec:decorative xmlns:adec="http://schemas.microsoft.com/office/drawing/2017/decorative" val="1"/>
@@ -8430,468 +8800,231 @@
           </p:nvPr>
         </p:nvSpPr>
         <p:spPr>
-          <a:xfrm>
-            <a:off x="1310784" y="0"/>
-            <a:ext cx="9570431" cy="6858000"/>
+          <a:xfrm rot="10800000" flipH="1">
+            <a:off x="455521" y="-1720"/>
+            <a:ext cx="11750040" cy="6840685"/>
           </a:xfrm>
-          <a:custGeom>
+          <a:prstGeom prst="rect">
             <a:avLst/>
-            <a:gdLst>
-              <a:gd name="connsiteX0" fmla="*/ 7178288 w 7187261"/>
-              <a:gd name="connsiteY0" fmla="*/ 2604802 h 5150263"/>
-              <a:gd name="connsiteX1" fmla="*/ 7169335 w 7187261"/>
-              <a:gd name="connsiteY1" fmla="*/ 2328577 h 5150263"/>
-              <a:gd name="connsiteX2" fmla="*/ 7060845 w 7187261"/>
-              <a:gd name="connsiteY2" fmla="*/ 1661160 h 5150263"/>
-              <a:gd name="connsiteX3" fmla="*/ 6212263 w 7187261"/>
-              <a:gd name="connsiteY3" fmla="*/ 243840 h 5150263"/>
-              <a:gd name="connsiteX4" fmla="*/ 5953564 w 7187261"/>
-              <a:gd name="connsiteY4" fmla="*/ 0 h 5150263"/>
-              <a:gd name="connsiteX5" fmla="*/ 1408615 w 7187261"/>
-              <a:gd name="connsiteY5" fmla="*/ 0 h 5150263"/>
-              <a:gd name="connsiteX6" fmla="*/ 805111 w 7187261"/>
-              <a:gd name="connsiteY6" fmla="*/ 676275 h 5150263"/>
-              <a:gd name="connsiteX7" fmla="*/ 104928 w 7187261"/>
-              <a:gd name="connsiteY7" fmla="*/ 2183035 h 5150263"/>
-              <a:gd name="connsiteX8" fmla="*/ 51588 w 7187261"/>
-              <a:gd name="connsiteY8" fmla="*/ 2400014 h 5150263"/>
-              <a:gd name="connsiteX9" fmla="*/ 41301 w 7187261"/>
-              <a:gd name="connsiteY9" fmla="*/ 2424208 h 5150263"/>
-              <a:gd name="connsiteX10" fmla="*/ 119692 w 7187261"/>
-              <a:gd name="connsiteY10" fmla="*/ 1834801 h 5150263"/>
-              <a:gd name="connsiteX11" fmla="*/ 870071 w 7187261"/>
-              <a:gd name="connsiteY11" fmla="*/ 462248 h 5150263"/>
-              <a:gd name="connsiteX12" fmla="*/ 1389279 w 7187261"/>
-              <a:gd name="connsiteY12" fmla="*/ 476 h 5150263"/>
-              <a:gd name="connsiteX13" fmla="*/ 1320223 w 7187261"/>
-              <a:gd name="connsiteY13" fmla="*/ 476 h 5150263"/>
-              <a:gd name="connsiteX14" fmla="*/ 423158 w 7187261"/>
-              <a:gd name="connsiteY14" fmla="*/ 989743 h 5150263"/>
-              <a:gd name="connsiteX15" fmla="*/ 25585 w 7187261"/>
-              <a:gd name="connsiteY15" fmla="*/ 2113693 h 5150263"/>
-              <a:gd name="connsiteX16" fmla="*/ 2344 w 7187261"/>
-              <a:gd name="connsiteY16" fmla="*/ 2725865 h 5150263"/>
-              <a:gd name="connsiteX17" fmla="*/ 447256 w 7187261"/>
-              <a:gd name="connsiteY17" fmla="*/ 4210717 h 5150263"/>
-              <a:gd name="connsiteX18" fmla="*/ 1138962 w 7187261"/>
-              <a:gd name="connsiteY18" fmla="*/ 4988910 h 5150263"/>
-              <a:gd name="connsiteX19" fmla="*/ 1348512 w 7187261"/>
-              <a:gd name="connsiteY19" fmla="*/ 5146834 h 5150263"/>
-              <a:gd name="connsiteX20" fmla="*/ 1422712 w 7187261"/>
-              <a:gd name="connsiteY20" fmla="*/ 5146834 h 5150263"/>
-              <a:gd name="connsiteX21" fmla="*/ 480594 w 7187261"/>
-              <a:gd name="connsiteY21" fmla="*/ 4187952 h 5150263"/>
-              <a:gd name="connsiteX22" fmla="*/ 398679 w 7187261"/>
-              <a:gd name="connsiteY22" fmla="*/ 4046125 h 5150263"/>
-              <a:gd name="connsiteX23" fmla="*/ 411823 w 7187261"/>
-              <a:gd name="connsiteY23" fmla="*/ 4053078 h 5150263"/>
-              <a:gd name="connsiteX24" fmla="*/ 1439380 w 7187261"/>
-              <a:gd name="connsiteY24" fmla="*/ 5147405 h 5150263"/>
-              <a:gd name="connsiteX25" fmla="*/ 5710010 w 7187261"/>
-              <a:gd name="connsiteY25" fmla="*/ 5150263 h 5150263"/>
-              <a:gd name="connsiteX26" fmla="*/ 5999665 w 7187261"/>
-              <a:gd name="connsiteY26" fmla="*/ 4910900 h 5150263"/>
-              <a:gd name="connsiteX27" fmla="*/ 6954165 w 7187261"/>
-              <a:gd name="connsiteY27" fmla="*/ 3545777 h 5150263"/>
-              <a:gd name="connsiteX28" fmla="*/ 7137712 w 7187261"/>
-              <a:gd name="connsiteY28" fmla="*/ 2799207 h 5150263"/>
-              <a:gd name="connsiteX29" fmla="*/ 7142951 w 7187261"/>
-              <a:gd name="connsiteY29" fmla="*/ 2754535 h 5150263"/>
-              <a:gd name="connsiteX30" fmla="*/ 7149428 w 7187261"/>
-              <a:gd name="connsiteY30" fmla="*/ 2774823 h 5150263"/>
-              <a:gd name="connsiteX31" fmla="*/ 7066465 w 7187261"/>
-              <a:gd name="connsiteY31" fmla="*/ 3465672 h 5150263"/>
-              <a:gd name="connsiteX32" fmla="*/ 6452578 w 7187261"/>
-              <a:gd name="connsiteY32" fmla="*/ 4552760 h 5150263"/>
-              <a:gd name="connsiteX33" fmla="*/ 5752110 w 7187261"/>
-              <a:gd name="connsiteY33" fmla="*/ 5150263 h 5150263"/>
-              <a:gd name="connsiteX34" fmla="*/ 5827643 w 7187261"/>
-              <a:gd name="connsiteY34" fmla="*/ 5150263 h 5150263"/>
-              <a:gd name="connsiteX35" fmla="*/ 6642793 w 7187261"/>
-              <a:gd name="connsiteY35" fmla="*/ 4389406 h 5150263"/>
-              <a:gd name="connsiteX36" fmla="*/ 7102469 w 7187261"/>
-              <a:gd name="connsiteY36" fmla="*/ 3490817 h 5150263"/>
-              <a:gd name="connsiteX37" fmla="*/ 7187242 w 7187261"/>
-              <a:gd name="connsiteY37" fmla="*/ 2990183 h 5150263"/>
-              <a:gd name="connsiteX38" fmla="*/ 7178288 w 7187261"/>
-              <a:gd name="connsiteY38" fmla="*/ 2604802 h 5150263"/>
-              <a:gd name="connsiteX39" fmla="*/ 6342565 w 7187261"/>
-              <a:gd name="connsiteY39" fmla="*/ 441389 h 5150263"/>
-              <a:gd name="connsiteX40" fmla="*/ 7126567 w 7187261"/>
-              <a:gd name="connsiteY40" fmla="*/ 2355056 h 5150263"/>
-              <a:gd name="connsiteX41" fmla="*/ 6342565 w 7187261"/>
-              <a:gd name="connsiteY41" fmla="*/ 441389 h 5150263"/>
-            </a:gdLst>
-            <a:ahLst/>
-            <a:cxnLst>
-              <a:cxn ang="0">
-                <a:pos x="connsiteX0" y="connsiteY0"/>
-              </a:cxn>
-              <a:cxn ang="0">
-                <a:pos x="connsiteX1" y="connsiteY1"/>
-              </a:cxn>
-              <a:cxn ang="0">
-                <a:pos x="connsiteX2" y="connsiteY2"/>
-              </a:cxn>
-              <a:cxn ang="0">
-                <a:pos x="connsiteX3" y="connsiteY3"/>
-              </a:cxn>
-              <a:cxn ang="0">
-                <a:pos x="connsiteX4" y="connsiteY4"/>
-              </a:cxn>
-              <a:cxn ang="0">
-                <a:pos x="connsiteX5" y="connsiteY5"/>
-              </a:cxn>
-              <a:cxn ang="0">
-                <a:pos x="connsiteX6" y="connsiteY6"/>
-              </a:cxn>
-              <a:cxn ang="0">
-                <a:pos x="connsiteX7" y="connsiteY7"/>
-              </a:cxn>
-              <a:cxn ang="0">
-                <a:pos x="connsiteX8" y="connsiteY8"/>
-              </a:cxn>
-              <a:cxn ang="0">
-                <a:pos x="connsiteX9" y="connsiteY9"/>
-              </a:cxn>
-              <a:cxn ang="0">
-                <a:pos x="connsiteX10" y="connsiteY10"/>
-              </a:cxn>
-              <a:cxn ang="0">
-                <a:pos x="connsiteX11" y="connsiteY11"/>
-              </a:cxn>
-              <a:cxn ang="0">
-                <a:pos x="connsiteX12" y="connsiteY12"/>
-              </a:cxn>
-              <a:cxn ang="0">
-                <a:pos x="connsiteX13" y="connsiteY13"/>
-              </a:cxn>
-              <a:cxn ang="0">
-                <a:pos x="connsiteX14" y="connsiteY14"/>
-              </a:cxn>
-              <a:cxn ang="0">
-                <a:pos x="connsiteX15" y="connsiteY15"/>
-              </a:cxn>
-              <a:cxn ang="0">
-                <a:pos x="connsiteX16" y="connsiteY16"/>
-              </a:cxn>
-              <a:cxn ang="0">
-                <a:pos x="connsiteX17" y="connsiteY17"/>
-              </a:cxn>
-              <a:cxn ang="0">
-                <a:pos x="connsiteX18" y="connsiteY18"/>
-              </a:cxn>
-              <a:cxn ang="0">
-                <a:pos x="connsiteX19" y="connsiteY19"/>
-              </a:cxn>
-              <a:cxn ang="0">
-                <a:pos x="connsiteX20" y="connsiteY20"/>
-              </a:cxn>
-              <a:cxn ang="0">
-                <a:pos x="connsiteX21" y="connsiteY21"/>
-              </a:cxn>
-              <a:cxn ang="0">
-                <a:pos x="connsiteX22" y="connsiteY22"/>
-              </a:cxn>
-              <a:cxn ang="0">
-                <a:pos x="connsiteX23" y="connsiteY23"/>
-              </a:cxn>
-              <a:cxn ang="0">
-                <a:pos x="connsiteX24" y="connsiteY24"/>
-              </a:cxn>
-              <a:cxn ang="0">
-                <a:pos x="connsiteX25" y="connsiteY25"/>
-              </a:cxn>
-              <a:cxn ang="0">
-                <a:pos x="connsiteX26" y="connsiteY26"/>
-              </a:cxn>
-              <a:cxn ang="0">
-                <a:pos x="connsiteX27" y="connsiteY27"/>
-              </a:cxn>
-              <a:cxn ang="0">
-                <a:pos x="connsiteX28" y="connsiteY28"/>
-              </a:cxn>
-              <a:cxn ang="0">
-                <a:pos x="connsiteX29" y="connsiteY29"/>
-              </a:cxn>
-              <a:cxn ang="0">
-                <a:pos x="connsiteX30" y="connsiteY30"/>
-              </a:cxn>
-              <a:cxn ang="0">
-                <a:pos x="connsiteX31" y="connsiteY31"/>
-              </a:cxn>
-              <a:cxn ang="0">
-                <a:pos x="connsiteX32" y="connsiteY32"/>
-              </a:cxn>
-              <a:cxn ang="0">
-                <a:pos x="connsiteX33" y="connsiteY33"/>
-              </a:cxn>
-              <a:cxn ang="0">
-                <a:pos x="connsiteX34" y="connsiteY34"/>
-              </a:cxn>
-              <a:cxn ang="0">
-                <a:pos x="connsiteX35" y="connsiteY35"/>
-              </a:cxn>
-              <a:cxn ang="0">
-                <a:pos x="connsiteX36" y="connsiteY36"/>
-              </a:cxn>
-              <a:cxn ang="0">
-                <a:pos x="connsiteX37" y="connsiteY37"/>
-              </a:cxn>
-              <a:cxn ang="0">
-                <a:pos x="connsiteX38" y="connsiteY38"/>
-              </a:cxn>
-              <a:cxn ang="0">
-                <a:pos x="connsiteX39" y="connsiteY39"/>
-              </a:cxn>
-              <a:cxn ang="0">
-                <a:pos x="connsiteX40" y="connsiteY40"/>
-              </a:cxn>
-              <a:cxn ang="0">
-                <a:pos x="connsiteX41" y="connsiteY41"/>
-              </a:cxn>
-            </a:cxnLst>
-            <a:rect l="l" t="t" r="r" b="b"/>
-            <a:pathLst>
-              <a:path w="7187261" h="5150263">
-                <a:moveTo>
-                  <a:pt x="7178288" y="2604802"/>
-                </a:moveTo>
-                <a:cubicBezTo>
-                  <a:pt x="7168763" y="2513076"/>
-                  <a:pt x="7174478" y="2420684"/>
-                  <a:pt x="7169335" y="2328577"/>
-                </a:cubicBezTo>
-                <a:cubicBezTo>
-                  <a:pt x="7156952" y="2102882"/>
-                  <a:pt x="7120586" y="1879149"/>
-                  <a:pt x="7060845" y="1661160"/>
-                </a:cubicBezTo>
-                <a:cubicBezTo>
-                  <a:pt x="6910588" y="1121007"/>
-                  <a:pt x="6617428" y="631374"/>
-                  <a:pt x="6212263" y="243840"/>
-                </a:cubicBezTo>
-                <a:cubicBezTo>
-                  <a:pt x="6126538" y="162496"/>
-                  <a:pt x="6040813" y="80201"/>
-                  <a:pt x="5953564" y="0"/>
-                </a:cubicBezTo>
-                <a:lnTo>
-                  <a:pt x="1408615" y="0"/>
-                </a:lnTo>
-                <a:cubicBezTo>
-                  <a:pt x="1180967" y="200316"/>
-                  <a:pt x="978332" y="427387"/>
-                  <a:pt x="805111" y="676275"/>
-                </a:cubicBezTo>
-                <a:cubicBezTo>
-                  <a:pt x="481261" y="1136523"/>
-                  <a:pt x="252089" y="1640872"/>
-                  <a:pt x="104928" y="2183035"/>
-                </a:cubicBezTo>
-                <a:cubicBezTo>
-                  <a:pt x="85878" y="2254853"/>
-                  <a:pt x="69495" y="2327720"/>
-                  <a:pt x="51588" y="2400014"/>
-                </a:cubicBezTo>
-                <a:cubicBezTo>
-                  <a:pt x="49683" y="2407634"/>
-                  <a:pt x="51588" y="2416969"/>
-                  <a:pt x="41301" y="2424208"/>
-                </a:cubicBezTo>
-                <a:cubicBezTo>
-                  <a:pt x="45900" y="2225469"/>
-                  <a:pt x="72186" y="2027834"/>
-                  <a:pt x="119692" y="1834801"/>
-                </a:cubicBezTo>
-                <a:cubicBezTo>
-                  <a:pt x="247993" y="1310926"/>
-                  <a:pt x="506121" y="857726"/>
-                  <a:pt x="870071" y="462248"/>
-                </a:cubicBezTo>
-                <a:cubicBezTo>
-                  <a:pt x="1027729" y="291823"/>
-                  <a:pt x="1201617" y="137169"/>
-                  <a:pt x="1389279" y="476"/>
-                </a:cubicBezTo>
-                <a:lnTo>
-                  <a:pt x="1320223" y="476"/>
-                </a:lnTo>
-                <a:cubicBezTo>
-                  <a:pt x="960844" y="274320"/>
-                  <a:pt x="656330" y="599123"/>
-                  <a:pt x="423158" y="989743"/>
-                </a:cubicBezTo>
-                <a:cubicBezTo>
-                  <a:pt x="215608" y="1337596"/>
-                  <a:pt x="80258" y="1711357"/>
-                  <a:pt x="25585" y="2113693"/>
-                </a:cubicBezTo>
-                <a:cubicBezTo>
-                  <a:pt x="-2705" y="2316480"/>
-                  <a:pt x="-2228" y="2521077"/>
-                  <a:pt x="2344" y="2725865"/>
-                </a:cubicBezTo>
-                <a:cubicBezTo>
-                  <a:pt x="14155" y="3261932"/>
-                  <a:pt x="170650" y="3754565"/>
-                  <a:pt x="447256" y="4210717"/>
-                </a:cubicBezTo>
-                <a:cubicBezTo>
-                  <a:pt x="629851" y="4511612"/>
-                  <a:pt x="866356" y="4767167"/>
-                  <a:pt x="1138962" y="4988910"/>
-                </a:cubicBezTo>
-                <a:cubicBezTo>
-                  <a:pt x="1207161" y="5044345"/>
-                  <a:pt x="1277008" y="5096990"/>
-                  <a:pt x="1348512" y="5146834"/>
-                </a:cubicBezTo>
-                <a:lnTo>
-                  <a:pt x="1422712" y="5146834"/>
-                </a:lnTo>
-                <a:cubicBezTo>
-                  <a:pt x="1043426" y="4892802"/>
-                  <a:pt x="724720" y="4577334"/>
-                  <a:pt x="480594" y="4187952"/>
-                </a:cubicBezTo>
-                <a:cubicBezTo>
-                  <a:pt x="452019" y="4141851"/>
-                  <a:pt x="423444" y="4095179"/>
-                  <a:pt x="398679" y="4046125"/>
-                </a:cubicBezTo>
-                <a:cubicBezTo>
-                  <a:pt x="407442" y="4043267"/>
-                  <a:pt x="409156" y="4048982"/>
-                  <a:pt x="411823" y="4053078"/>
-                </a:cubicBezTo>
-                <a:cubicBezTo>
-                  <a:pt x="683572" y="4484656"/>
-                  <a:pt x="1033139" y="4842701"/>
-                  <a:pt x="1439380" y="5147405"/>
-                </a:cubicBezTo>
-                <a:lnTo>
-                  <a:pt x="5710010" y="5150263"/>
-                </a:lnTo>
-                <a:cubicBezTo>
-                  <a:pt x="5810594" y="5075482"/>
-                  <a:pt x="5907272" y="4995587"/>
-                  <a:pt x="5999665" y="4910900"/>
-                </a:cubicBezTo>
-                <a:cubicBezTo>
-                  <a:pt x="6418765" y="4526661"/>
-                  <a:pt x="6746901" y="4078129"/>
-                  <a:pt x="6954165" y="3545777"/>
-                </a:cubicBezTo>
-                <a:cubicBezTo>
-                  <a:pt x="7048234" y="3306175"/>
-                  <a:pt x="7109956" y="3055115"/>
-                  <a:pt x="7137712" y="2799207"/>
-                </a:cubicBezTo>
-                <a:cubicBezTo>
-                  <a:pt x="7139236" y="2784920"/>
-                  <a:pt x="7141046" y="2770632"/>
-                  <a:pt x="7142951" y="2754535"/>
-                </a:cubicBezTo>
-                <a:cubicBezTo>
-                  <a:pt x="7151714" y="2760440"/>
-                  <a:pt x="7149237" y="2768441"/>
-                  <a:pt x="7149428" y="2774823"/>
-                </a:cubicBezTo>
-                <a:cubicBezTo>
-                  <a:pt x="7156743" y="3007967"/>
-                  <a:pt x="7128777" y="3240881"/>
-                  <a:pt x="7066465" y="3465672"/>
-                </a:cubicBezTo>
-                <a:cubicBezTo>
-                  <a:pt x="6952165" y="3878580"/>
-                  <a:pt x="6737948" y="4235863"/>
-                  <a:pt x="6452578" y="4552760"/>
-                </a:cubicBezTo>
-                <a:cubicBezTo>
-                  <a:pt x="6244553" y="4783836"/>
-                  <a:pt x="6008809" y="4980242"/>
-                  <a:pt x="5752110" y="5150263"/>
-                </a:cubicBezTo>
-                <a:lnTo>
-                  <a:pt x="5827643" y="5150263"/>
-                </a:lnTo>
-                <a:cubicBezTo>
-                  <a:pt x="6136539" y="4938904"/>
-                  <a:pt x="6412192" y="4689348"/>
-                  <a:pt x="6642793" y="4389406"/>
-                </a:cubicBezTo>
-                <a:cubicBezTo>
-                  <a:pt x="6851295" y="4118324"/>
-                  <a:pt x="7009125" y="3820859"/>
-                  <a:pt x="7102469" y="3490817"/>
-                </a:cubicBezTo>
-                <a:cubicBezTo>
-                  <a:pt x="7148646" y="3327473"/>
-                  <a:pt x="7177069" y="3159624"/>
-                  <a:pt x="7187242" y="2990183"/>
-                </a:cubicBezTo>
-                <a:cubicBezTo>
-                  <a:pt x="7187623" y="2984087"/>
-                  <a:pt x="7182384" y="2642330"/>
-                  <a:pt x="7178288" y="2604802"/>
-                </a:cubicBezTo>
-                <a:close/>
-                <a:moveTo>
-                  <a:pt x="6342565" y="441389"/>
-                </a:moveTo>
-                <a:cubicBezTo>
-                  <a:pt x="6829797" y="986533"/>
-                  <a:pt x="7091135" y="1624422"/>
-                  <a:pt x="7126567" y="2355056"/>
-                </a:cubicBezTo>
-                <a:cubicBezTo>
-                  <a:pt x="7001123" y="1661827"/>
-                  <a:pt x="6756426" y="1017365"/>
-                  <a:pt x="6342565" y="441389"/>
-                </a:cubicBezTo>
-                <a:close/>
-              </a:path>
-            </a:pathLst>
-          </a:custGeom>
-          <a:solidFill>
-            <a:schemeClr val="accent2"/>
-          </a:solidFill>
-          <a:ln w="9525" cap="flat">
+          </a:prstGeom>
+          <a:gradFill>
+            <a:gsLst>
+              <a:gs pos="21000">
+                <a:schemeClr val="accent1">
+                  <a:lumMod val="50000"/>
+                  <a:alpha val="61000"/>
+                </a:schemeClr>
+              </a:gs>
+              <a:gs pos="100000">
+                <a:schemeClr val="accent1">
+                  <a:alpha val="0"/>
+                </a:schemeClr>
+              </a:gs>
+            </a:gsLst>
+            <a:lin ang="21594000" scaled="0"/>
+          </a:gradFill>
+          <a:ln>
             <a:noFill/>
-            <a:prstDash val="solid"/>
-            <a:miter/>
           </a:ln>
         </p:spPr>
+        <p:style>
+          <a:lnRef idx="2">
+            <a:schemeClr val="accent1">
+              <a:shade val="50000"/>
+            </a:schemeClr>
+          </a:lnRef>
+          <a:fillRef idx="1">
+            <a:schemeClr val="accent1"/>
+          </a:fillRef>
+          <a:effectRef idx="0">
+            <a:schemeClr val="accent1"/>
+          </a:effectRef>
+          <a:fontRef idx="minor">
+            <a:schemeClr val="lt1"/>
+          </a:fontRef>
+        </p:style>
         <p:txBody>
           <a:bodyPr rtlCol="0" anchor="ctr"/>
           <a:lstStyle/>
           <a:p>
+            <a:pPr algn="ctr"/>
             <a:endParaRPr lang="en-US"/>
           </a:p>
         </p:txBody>
       </p:sp>
       <p:sp>
         <p:nvSpPr>
-          <p:cNvPr id="2" name="Title 1">
-            <a:extLst>
-              <a:ext uri="{FF2B5EF4-FFF2-40B4-BE49-F238E27FC236}">
-                <a16:creationId xmlns:a16="http://schemas.microsoft.com/office/drawing/2014/main" id="{A3831DED-96C4-A9A4-8750-EE4BBB9946D6}"/>
-              </a:ext>
-            </a:extLst>
-          </p:cNvPr>
-          <p:cNvSpPr>
-            <a:spLocks noGrp="1"/>
-          </p:cNvSpPr>
-          <p:nvPr>
-            <p:ph type="title"/>
+          <p:cNvPr id="37" name="Rectangle 27">
+            <a:extLst>
+              <a:ext uri="{FF2B5EF4-FFF2-40B4-BE49-F238E27FC236}">
+                <a16:creationId xmlns:a16="http://schemas.microsoft.com/office/drawing/2014/main" id="{730D8B3B-9B80-4025-B934-26DC7D7CD231}"/>
+              </a:ext>
+              <a:ext uri="{C183D7F6-B498-43B3-948B-1728B52AA6E4}">
+                <adec:decorative xmlns:adec="http://schemas.microsoft.com/office/drawing/2017/decorative" val="1"/>
+              </a:ext>
+            </a:extLst>
+          </p:cNvPr>
+          <p:cNvSpPr>
+            <a:spLocks noGrp="1" noRot="1" noChangeAspect="1" noMove="1" noResize="1" noEditPoints="1" noAdjustHandles="1" noChangeArrowheads="1" noChangeShapeType="1" noTextEdit="1"/>
+          </p:cNvSpPr>
+          <p:nvPr>
+            <p:extLst>
+              <p:ext uri="{386F3935-93C4-4BCD-93E2-E3B085C9AB24}">
+                <p16:designElem xmlns:p16="http://schemas.microsoft.com/office/powerpoint/2015/main" val="1"/>
+              </p:ext>
+            </p:extLst>
           </p:nvPr>
         </p:nvSpPr>
         <p:spPr>
           <a:xfrm>
-            <a:off x="2558716" y="955309"/>
-            <a:ext cx="7074568" cy="2898975"/>
+            <a:off x="8606054" y="-1291"/>
+            <a:ext cx="3608179" cy="6858864"/>
+          </a:xfrm>
+          <a:prstGeom prst="rect">
+            <a:avLst/>
+          </a:prstGeom>
+          <a:gradFill>
+            <a:gsLst>
+              <a:gs pos="0">
+                <a:schemeClr val="accent1">
+                  <a:lumMod val="75000"/>
+                  <a:alpha val="0"/>
+                </a:schemeClr>
+              </a:gs>
+              <a:gs pos="99000">
+                <a:srgbClr val="000000">
+                  <a:alpha val="41000"/>
+                </a:srgbClr>
+              </a:gs>
+            </a:gsLst>
+            <a:lin ang="16200000" scaled="0"/>
+          </a:gradFill>
+          <a:ln>
+            <a:noFill/>
+          </a:ln>
+        </p:spPr>
+        <p:style>
+          <a:lnRef idx="2">
+            <a:schemeClr val="accent1">
+              <a:shade val="50000"/>
+            </a:schemeClr>
+          </a:lnRef>
+          <a:fillRef idx="1">
+            <a:schemeClr val="accent1"/>
+          </a:fillRef>
+          <a:effectRef idx="0">
+            <a:schemeClr val="accent1"/>
+          </a:effectRef>
+          <a:fontRef idx="minor">
+            <a:schemeClr val="lt1"/>
+          </a:fontRef>
+        </p:style>
+        <p:txBody>
+          <a:bodyPr rtlCol="0" anchor="ctr"/>
+          <a:lstStyle/>
+          <a:p>
+            <a:pPr algn="ctr"/>
+            <a:endParaRPr lang="en-US"/>
+          </a:p>
+        </p:txBody>
+      </p:sp>
+      <p:sp>
+        <p:nvSpPr>
+          <p:cNvPr id="38" name="Oval 29">
+            <a:extLst>
+              <a:ext uri="{FF2B5EF4-FFF2-40B4-BE49-F238E27FC236}">
+                <a16:creationId xmlns:a16="http://schemas.microsoft.com/office/drawing/2014/main" id="{B5A1B09C-1565-46F8-B70F-621C5EB48A09}"/>
+              </a:ext>
+              <a:ext uri="{C183D7F6-B498-43B3-948B-1728B52AA6E4}">
+                <adec:decorative xmlns:adec="http://schemas.microsoft.com/office/drawing/2017/decorative" val="1"/>
+              </a:ext>
+            </a:extLst>
+          </p:cNvPr>
+          <p:cNvSpPr>
+            <a:spLocks noGrp="1" noRot="1" noChangeAspect="1" noMove="1" noResize="1" noEditPoints="1" noAdjustHandles="1" noChangeArrowheads="1" noChangeShapeType="1" noTextEdit="1"/>
+          </p:cNvSpPr>
+          <p:nvPr>
+            <p:extLst>
+              <p:ext uri="{386F3935-93C4-4BCD-93E2-E3B085C9AB24}">
+                <p16:designElem xmlns:p16="http://schemas.microsoft.com/office/powerpoint/2015/main" val="1"/>
+              </p:ext>
+            </p:extLst>
+          </p:nvPr>
+        </p:nvSpPr>
+        <p:spPr>
+          <a:xfrm rot="15274173">
+            <a:off x="6059728" y="779270"/>
+            <a:ext cx="4967533" cy="4988390"/>
+          </a:xfrm>
+          <a:prstGeom prst="ellipse">
+            <a:avLst/>
+          </a:prstGeom>
+          <a:gradFill>
+            <a:gsLst>
+              <a:gs pos="0">
+                <a:schemeClr val="accent1">
+                  <a:alpha val="24000"/>
+                </a:schemeClr>
+              </a:gs>
+              <a:gs pos="79000">
+                <a:schemeClr val="accent1">
+                  <a:lumMod val="60000"/>
+                  <a:lumOff val="40000"/>
+                  <a:alpha val="0"/>
+                </a:schemeClr>
+              </a:gs>
+            </a:gsLst>
+            <a:lin ang="14400000" scaled="0"/>
+          </a:gradFill>
+          <a:ln>
+            <a:noFill/>
+          </a:ln>
+        </p:spPr>
+        <p:style>
+          <a:lnRef idx="2">
+            <a:schemeClr val="accent1">
+              <a:shade val="50000"/>
+            </a:schemeClr>
+          </a:lnRef>
+          <a:fillRef idx="1">
+            <a:schemeClr val="accent1"/>
+          </a:fillRef>
+          <a:effectRef idx="0">
+            <a:schemeClr val="accent1"/>
+          </a:effectRef>
+          <a:fontRef idx="minor">
+            <a:schemeClr val="lt1"/>
+          </a:fontRef>
+        </p:style>
+        <p:txBody>
+          <a:bodyPr rtlCol="0" anchor="ctr"/>
+          <a:lstStyle/>
+          <a:p>
+            <a:pPr algn="ctr"/>
+            <a:endParaRPr lang="en-US" dirty="0"/>
+          </a:p>
+        </p:txBody>
+      </p:sp>
+      <p:sp>
+        <p:nvSpPr>
+          <p:cNvPr id="2" name="Title 1">
+            <a:extLst>
+              <a:ext uri="{FF2B5EF4-FFF2-40B4-BE49-F238E27FC236}">
+                <a16:creationId xmlns:a16="http://schemas.microsoft.com/office/drawing/2014/main" id="{A3831DED-96C4-A9A4-8750-EE4BBB9946D6}"/>
+              </a:ext>
+            </a:extLst>
+          </p:cNvPr>
+          <p:cNvSpPr>
+            <a:spLocks noGrp="1"/>
+          </p:cNvSpPr>
+          <p:nvPr>
+            <p:ph type="title"/>
+          </p:nvPr>
+        </p:nvSpPr>
+        <p:spPr>
+          <a:xfrm>
+            <a:off x="1386865" y="818984"/>
+            <a:ext cx="6596245" cy="3268520"/>
           </a:xfrm>
         </p:spPr>
         <p:txBody>
@@ -8900,9 +9033,9 @@
           </a:bodyPr>
           <a:lstStyle/>
           <a:p>
-            <a:pPr algn="ctr"/>
-            <a:r>
-              <a:rPr lang="en-US" sz="6600" kern="1200">
+            <a:pPr algn="r"/>
+            <a:r>
+              <a:rPr lang="en-US" sz="4800" kern="1200">
                 <a:solidFill>
                   <a:srgbClr val="FFFFFF"/>
                 </a:solidFill>
@@ -8917,10 +9050,10 @@
       </p:sp>
       <p:sp>
         <p:nvSpPr>
-          <p:cNvPr id="17" name="sketch line">
-            <a:extLst>
-              <a:ext uri="{FF2B5EF4-FFF2-40B4-BE49-F238E27FC236}">
-                <a16:creationId xmlns:a16="http://schemas.microsoft.com/office/drawing/2014/main" id="{41F77738-2AF0-4750-A0C7-F97C2C17590E}"/>
+          <p:cNvPr id="32" name="Rectangle 31">
+            <a:extLst>
+              <a:ext uri="{FF2B5EF4-FFF2-40B4-BE49-F238E27FC236}">
+                <a16:creationId xmlns:a16="http://schemas.microsoft.com/office/drawing/2014/main" id="{8C516CC8-80AC-446C-A56E-9F54B7210402}"/>
               </a:ext>
               <a:ext uri="{C183D7F6-B498-43B3-948B-1728B52AA6E4}">
                 <adec:decorative xmlns:adec="http://schemas.microsoft.com/office/drawing/2017/decorative" val="1"/>
@@ -8939,298 +9072,107 @@
           </p:nvPr>
         </p:nvSpPr>
         <p:spPr>
-          <a:xfrm>
-            <a:off x="3974206" y="4173498"/>
-            <a:ext cx="4243589" cy="18288"/>
+          <a:xfrm rot="10800000" flipH="1">
+            <a:off x="6314" y="4480038"/>
+            <a:ext cx="12179371" cy="2377962"/>
           </a:xfrm>
-          <a:custGeom>
+          <a:prstGeom prst="rect">
             <a:avLst/>
-            <a:gdLst>
-              <a:gd name="connsiteX0" fmla="*/ 0 w 4243589"/>
-              <a:gd name="connsiteY0" fmla="*/ 0 h 18288"/>
-              <a:gd name="connsiteX1" fmla="*/ 563791 w 4243589"/>
-              <a:gd name="connsiteY1" fmla="*/ 0 h 18288"/>
-              <a:gd name="connsiteX2" fmla="*/ 1042710 w 4243589"/>
-              <a:gd name="connsiteY2" fmla="*/ 0 h 18288"/>
-              <a:gd name="connsiteX3" fmla="*/ 1564066 w 4243589"/>
-              <a:gd name="connsiteY3" fmla="*/ 0 h 18288"/>
-              <a:gd name="connsiteX4" fmla="*/ 2212729 w 4243589"/>
-              <a:gd name="connsiteY4" fmla="*/ 0 h 18288"/>
-              <a:gd name="connsiteX5" fmla="*/ 2776520 w 4243589"/>
-              <a:gd name="connsiteY5" fmla="*/ 0 h 18288"/>
-              <a:gd name="connsiteX6" fmla="*/ 3297875 w 4243589"/>
-              <a:gd name="connsiteY6" fmla="*/ 0 h 18288"/>
-              <a:gd name="connsiteX7" fmla="*/ 4243589 w 4243589"/>
-              <a:gd name="connsiteY7" fmla="*/ 0 h 18288"/>
-              <a:gd name="connsiteX8" fmla="*/ 4243589 w 4243589"/>
-              <a:gd name="connsiteY8" fmla="*/ 18288 h 18288"/>
-              <a:gd name="connsiteX9" fmla="*/ 3637362 w 4243589"/>
-              <a:gd name="connsiteY9" fmla="*/ 18288 h 18288"/>
-              <a:gd name="connsiteX10" fmla="*/ 3116007 w 4243589"/>
-              <a:gd name="connsiteY10" fmla="*/ 18288 h 18288"/>
-              <a:gd name="connsiteX11" fmla="*/ 2424908 w 4243589"/>
-              <a:gd name="connsiteY11" fmla="*/ 18288 h 18288"/>
-              <a:gd name="connsiteX12" fmla="*/ 1861117 w 4243589"/>
-              <a:gd name="connsiteY12" fmla="*/ 18288 h 18288"/>
-              <a:gd name="connsiteX13" fmla="*/ 1382198 w 4243589"/>
-              <a:gd name="connsiteY13" fmla="*/ 18288 h 18288"/>
-              <a:gd name="connsiteX14" fmla="*/ 733535 w 4243589"/>
-              <a:gd name="connsiteY14" fmla="*/ 18288 h 18288"/>
-              <a:gd name="connsiteX15" fmla="*/ 0 w 4243589"/>
-              <a:gd name="connsiteY15" fmla="*/ 18288 h 18288"/>
-              <a:gd name="connsiteX16" fmla="*/ 0 w 4243589"/>
-              <a:gd name="connsiteY16" fmla="*/ 0 h 18288"/>
-            </a:gdLst>
-            <a:ahLst/>
-            <a:cxnLst>
-              <a:cxn ang="0">
-                <a:pos x="connsiteX0" y="connsiteY0"/>
-              </a:cxn>
-              <a:cxn ang="0">
-                <a:pos x="connsiteX1" y="connsiteY1"/>
-              </a:cxn>
-              <a:cxn ang="0">
-                <a:pos x="connsiteX2" y="connsiteY2"/>
-              </a:cxn>
-              <a:cxn ang="0">
-                <a:pos x="connsiteX3" y="connsiteY3"/>
-              </a:cxn>
-              <a:cxn ang="0">
-                <a:pos x="connsiteX4" y="connsiteY4"/>
-              </a:cxn>
-              <a:cxn ang="0">
-                <a:pos x="connsiteX5" y="connsiteY5"/>
-              </a:cxn>
-              <a:cxn ang="0">
-                <a:pos x="connsiteX6" y="connsiteY6"/>
-              </a:cxn>
-              <a:cxn ang="0">
-                <a:pos x="connsiteX7" y="connsiteY7"/>
-              </a:cxn>
-              <a:cxn ang="0">
-                <a:pos x="connsiteX8" y="connsiteY8"/>
-              </a:cxn>
-              <a:cxn ang="0">
-                <a:pos x="connsiteX9" y="connsiteY9"/>
-              </a:cxn>
-              <a:cxn ang="0">
-                <a:pos x="connsiteX10" y="connsiteY10"/>
-              </a:cxn>
-              <a:cxn ang="0">
-                <a:pos x="connsiteX11" y="connsiteY11"/>
-              </a:cxn>
-              <a:cxn ang="0">
-                <a:pos x="connsiteX12" y="connsiteY12"/>
-              </a:cxn>
-              <a:cxn ang="0">
-                <a:pos x="connsiteX13" y="connsiteY13"/>
-              </a:cxn>
-              <a:cxn ang="0">
-                <a:pos x="connsiteX14" y="connsiteY14"/>
-              </a:cxn>
-              <a:cxn ang="0">
-                <a:pos x="connsiteX15" y="connsiteY15"/>
-              </a:cxn>
-              <a:cxn ang="0">
-                <a:pos x="connsiteX16" y="connsiteY16"/>
-              </a:cxn>
-            </a:cxnLst>
-            <a:rect l="l" t="t" r="r" b="b"/>
-            <a:pathLst>
-              <a:path w="4243589" h="18288" fill="none" extrusionOk="0">
-                <a:moveTo>
-                  <a:pt x="0" y="0"/>
-                </a:moveTo>
-                <a:cubicBezTo>
-                  <a:pt x="157351" y="-15653"/>
-                  <a:pt x="378877" y="-5828"/>
-                  <a:pt x="563791" y="0"/>
-                </a:cubicBezTo>
-                <a:cubicBezTo>
-                  <a:pt x="748705" y="5828"/>
-                  <a:pt x="905659" y="-5525"/>
-                  <a:pt x="1042710" y="0"/>
-                </a:cubicBezTo>
-                <a:cubicBezTo>
-                  <a:pt x="1179761" y="5525"/>
-                  <a:pt x="1356845" y="-21288"/>
-                  <a:pt x="1564066" y="0"/>
-                </a:cubicBezTo>
-                <a:cubicBezTo>
-                  <a:pt x="1771287" y="21288"/>
-                  <a:pt x="1912099" y="25135"/>
-                  <a:pt x="2212729" y="0"/>
-                </a:cubicBezTo>
-                <a:cubicBezTo>
-                  <a:pt x="2513359" y="-25135"/>
-                  <a:pt x="2514918" y="-27119"/>
-                  <a:pt x="2776520" y="0"/>
-                </a:cubicBezTo>
-                <a:cubicBezTo>
-                  <a:pt x="3038122" y="27119"/>
-                  <a:pt x="3178771" y="18116"/>
-                  <a:pt x="3297875" y="0"/>
-                </a:cubicBezTo>
-                <a:cubicBezTo>
-                  <a:pt x="3416980" y="-18116"/>
-                  <a:pt x="4012240" y="-40869"/>
-                  <a:pt x="4243589" y="0"/>
-                </a:cubicBezTo>
-                <a:cubicBezTo>
-                  <a:pt x="4243987" y="7429"/>
-                  <a:pt x="4243569" y="10822"/>
-                  <a:pt x="4243589" y="18288"/>
-                </a:cubicBezTo>
-                <a:cubicBezTo>
-                  <a:pt x="4112949" y="-2855"/>
-                  <a:pt x="3928037" y="1831"/>
-                  <a:pt x="3637362" y="18288"/>
-                </a:cubicBezTo>
-                <a:cubicBezTo>
-                  <a:pt x="3346687" y="34745"/>
-                  <a:pt x="3254446" y="26669"/>
-                  <a:pt x="3116007" y="18288"/>
-                </a:cubicBezTo>
-                <a:cubicBezTo>
-                  <a:pt x="2977569" y="9907"/>
-                  <a:pt x="2620228" y="28873"/>
-                  <a:pt x="2424908" y="18288"/>
-                </a:cubicBezTo>
-                <a:cubicBezTo>
-                  <a:pt x="2229588" y="7703"/>
-                  <a:pt x="2088287" y="-3854"/>
-                  <a:pt x="1861117" y="18288"/>
-                </a:cubicBezTo>
-                <a:cubicBezTo>
-                  <a:pt x="1633947" y="40430"/>
-                  <a:pt x="1502447" y="-871"/>
-                  <a:pt x="1382198" y="18288"/>
-                </a:cubicBezTo>
-                <a:cubicBezTo>
-                  <a:pt x="1261949" y="37447"/>
-                  <a:pt x="1045440" y="28353"/>
-                  <a:pt x="733535" y="18288"/>
-                </a:cubicBezTo>
-                <a:cubicBezTo>
-                  <a:pt x="421630" y="8223"/>
-                  <a:pt x="341257" y="-18359"/>
-                  <a:pt x="0" y="18288"/>
-                </a:cubicBezTo>
-                <a:cubicBezTo>
-                  <a:pt x="-591" y="13205"/>
-                  <a:pt x="-663" y="6329"/>
-                  <a:pt x="0" y="0"/>
-                </a:cubicBezTo>
-                <a:close/>
-              </a:path>
-              <a:path w="4243589" h="18288" stroke="0" extrusionOk="0">
-                <a:moveTo>
-                  <a:pt x="0" y="0"/>
-                </a:moveTo>
-                <a:cubicBezTo>
-                  <a:pt x="128164" y="17204"/>
-                  <a:pt x="312653" y="1129"/>
-                  <a:pt x="563791" y="0"/>
-                </a:cubicBezTo>
-                <a:cubicBezTo>
-                  <a:pt x="814929" y="-1129"/>
-                  <a:pt x="837271" y="8503"/>
-                  <a:pt x="1042710" y="0"/>
-                </a:cubicBezTo>
-                <a:cubicBezTo>
-                  <a:pt x="1248149" y="-8503"/>
-                  <a:pt x="1588432" y="-28862"/>
-                  <a:pt x="1733809" y="0"/>
-                </a:cubicBezTo>
-                <a:cubicBezTo>
-                  <a:pt x="1879186" y="28862"/>
-                  <a:pt x="2052815" y="5974"/>
-                  <a:pt x="2297600" y="0"/>
-                </a:cubicBezTo>
-                <a:cubicBezTo>
-                  <a:pt x="2542385" y="-5974"/>
-                  <a:pt x="2699960" y="-23550"/>
-                  <a:pt x="2861391" y="0"/>
-                </a:cubicBezTo>
-                <a:cubicBezTo>
-                  <a:pt x="3022822" y="23550"/>
-                  <a:pt x="3390411" y="25272"/>
-                  <a:pt x="3552490" y="0"/>
-                </a:cubicBezTo>
-                <a:cubicBezTo>
-                  <a:pt x="3714569" y="-25272"/>
-                  <a:pt x="3950585" y="-31327"/>
-                  <a:pt x="4243589" y="0"/>
-                </a:cubicBezTo>
-                <a:cubicBezTo>
-                  <a:pt x="4242703" y="5429"/>
-                  <a:pt x="4244410" y="14046"/>
-                  <a:pt x="4243589" y="18288"/>
-                </a:cubicBezTo>
-                <a:cubicBezTo>
-                  <a:pt x="4130424" y="-1240"/>
-                  <a:pt x="3932803" y="42249"/>
-                  <a:pt x="3722234" y="18288"/>
-                </a:cubicBezTo>
-                <a:cubicBezTo>
-                  <a:pt x="3511665" y="-5673"/>
-                  <a:pt x="3269903" y="45994"/>
-                  <a:pt x="3116007" y="18288"/>
-                </a:cubicBezTo>
-                <a:cubicBezTo>
-                  <a:pt x="2962111" y="-9418"/>
-                  <a:pt x="2744280" y="23224"/>
-                  <a:pt x="2509780" y="18288"/>
-                </a:cubicBezTo>
-                <a:cubicBezTo>
-                  <a:pt x="2275280" y="13352"/>
-                  <a:pt x="2066059" y="43664"/>
-                  <a:pt x="1945989" y="18288"/>
-                </a:cubicBezTo>
-                <a:cubicBezTo>
-                  <a:pt x="1825919" y="-7088"/>
-                  <a:pt x="1407329" y="12616"/>
-                  <a:pt x="1254890" y="18288"/>
-                </a:cubicBezTo>
-                <a:cubicBezTo>
-                  <a:pt x="1102451" y="23960"/>
-                  <a:pt x="837950" y="31673"/>
-                  <a:pt x="563791" y="18288"/>
-                </a:cubicBezTo>
-                <a:cubicBezTo>
-                  <a:pt x="289632" y="4903"/>
-                  <a:pt x="132768" y="7105"/>
-                  <a:pt x="0" y="18288"/>
-                </a:cubicBezTo>
-                <a:cubicBezTo>
-                  <a:pt x="668" y="13665"/>
-                  <a:pt x="578" y="5675"/>
-                  <a:pt x="0" y="0"/>
-                </a:cubicBezTo>
-                <a:close/>
-              </a:path>
-            </a:pathLst>
-          </a:custGeom>
-          <a:solidFill>
-            <a:srgbClr val="FFFFFF"/>
-          </a:solidFill>
-          <a:ln w="41275" cap="rnd">
-            <a:solidFill>
-              <a:srgbClr val="FFFFFF"/>
-            </a:solidFill>
-            <a:round/>
-            <a:extLst>
-              <a:ext uri="{C807C97D-BFC1-408E-A445-0C87EB9F89A2}">
-                <ask:lineSketchStyleProps xmlns:ask="http://schemas.microsoft.com/office/drawing/2018/sketchyshapes" sd="1219033472">
-                  <a:prstGeom prst="rect">
-                    <a:avLst/>
-                  </a:prstGeom>
-                  <ask:type>
-                    <ask:lineSketchFreehand/>
-                  </ask:type>
-                </ask:lineSketchStyleProps>
-              </a:ext>
-            </a:extLst>
+          </a:prstGeom>
+          <a:gradFill>
+            <a:gsLst>
+              <a:gs pos="0">
+                <a:schemeClr val="accent1">
+                  <a:lumMod val="75000"/>
+                  <a:alpha val="50000"/>
+                </a:schemeClr>
+              </a:gs>
+              <a:gs pos="99000">
+                <a:srgbClr val="000000">
+                  <a:alpha val="34000"/>
+                </a:srgbClr>
+              </a:gs>
+            </a:gsLst>
+            <a:lin ang="17400000" scaled="0"/>
+          </a:gradFill>
+          <a:ln>
+            <a:noFill/>
+          </a:ln>
+        </p:spPr>
+        <p:style>
+          <a:lnRef idx="2">
+            <a:schemeClr val="accent1">
+              <a:shade val="50000"/>
+            </a:schemeClr>
+          </a:lnRef>
+          <a:fillRef idx="1">
+            <a:schemeClr val="accent1"/>
+          </a:fillRef>
+          <a:effectRef idx="0">
+            <a:schemeClr val="accent1"/>
+          </a:effectRef>
+          <a:fontRef idx="minor">
+            <a:schemeClr val="lt1"/>
+          </a:fontRef>
+        </p:style>
+        <p:txBody>
+          <a:bodyPr rtlCol="0" anchor="ctr"/>
+          <a:lstStyle/>
+          <a:p>
+            <a:pPr algn="ctr"/>
+            <a:endParaRPr lang="en-US"/>
+          </a:p>
+        </p:txBody>
+      </p:sp>
+      <p:sp>
+        <p:nvSpPr>
+          <p:cNvPr id="34" name="Rectangle 33">
+            <a:extLst>
+              <a:ext uri="{FF2B5EF4-FFF2-40B4-BE49-F238E27FC236}">
+                <a16:creationId xmlns:a16="http://schemas.microsoft.com/office/drawing/2014/main" id="{53947E58-F088-49F1-A3D1-DEA690192E84}"/>
+              </a:ext>
+              <a:ext uri="{C183D7F6-B498-43B3-948B-1728B52AA6E4}">
+                <adec:decorative xmlns:adec="http://schemas.microsoft.com/office/drawing/2017/decorative" val="1"/>
+              </a:ext>
+            </a:extLst>
+          </p:cNvPr>
+          <p:cNvSpPr>
+            <a:spLocks noGrp="1" noRot="1" noChangeAspect="1" noMove="1" noResize="1" noEditPoints="1" noAdjustHandles="1" noChangeArrowheads="1" noChangeShapeType="1" noTextEdit="1"/>
+          </p:cNvSpPr>
+          <p:nvPr>
+            <p:extLst>
+              <p:ext uri="{386F3935-93C4-4BCD-93E2-E3B085C9AB24}">
+                <p16:designElem xmlns:p16="http://schemas.microsoft.com/office/powerpoint/2015/main" val="1"/>
+              </p:ext>
+            </p:extLst>
+          </p:nvPr>
+        </p:nvSpPr>
+        <p:spPr>
+          <a:xfrm rot="16200000" flipH="1">
+            <a:off x="6967085" y="1632660"/>
+            <a:ext cx="6857572" cy="3592258"/>
+          </a:xfrm>
+          <a:prstGeom prst="rect">
+            <a:avLst/>
+          </a:prstGeom>
+          <a:gradFill>
+            <a:gsLst>
+              <a:gs pos="0">
+                <a:schemeClr val="accent1">
+                  <a:lumMod val="75000"/>
+                  <a:alpha val="50000"/>
+                </a:schemeClr>
+              </a:gs>
+              <a:gs pos="99000">
+                <a:srgbClr val="000000">
+                  <a:alpha val="0"/>
+                </a:srgbClr>
+              </a:gs>
+            </a:gsLst>
+            <a:lin ang="15600000" scaled="0"/>
+          </a:gradFill>
+          <a:ln>
+            <a:noFill/>
           </a:ln>
         </p:spPr>
         <p:style>
